--- a/Lectures/Lecture3-Data.pptx
+++ b/Lectures/Lecture3-Data.pptx
@@ -273,7 +273,7 @@
       <p15:sldGuideLst xmlns:p15="http://schemas.microsoft.com/office/powerpoint/2012/main"/>
     </p:ext>
     <p:ext uri="http://customooxmlschemas.google.com/">
-      <go:slidesCustomData xmlns="" xmlns:mc="http://schemas.openxmlformats.org/markup-compatibility/2006" xmlns:mv="urn:schemas-microsoft-com:mac:vml" xmlns:c="http://schemas.openxmlformats.org/drawingml/2006/chart" xmlns:dgm="http://schemas.openxmlformats.org/drawingml/2006/diagram" xmlns:o="urn:schemas-microsoft-com:office:office" xmlns:v="urn:schemas-microsoft-com:vml" xmlns:pvml="urn:schemas-microsoft-com:office:powerpoint" xmlns:com="http://schemas.openxmlformats.org/drawingml/2006/compatibility" xmlns:p14="http://schemas.microsoft.com/office/powerpoint/2010/main" xmlns:p15="http://schemas.microsoft.com/office/powerpoint/2012/main" xmlns:go="http://customooxmlschemas.google.com/" r:id="rId31" roundtripDataSignature="AMtx7mjFyVUGRZWio+dc9dxzYsimUxNJbg=="/>
+      <go:slidesCustomData xmlns:go="http://customooxmlschemas.google.com/" xmlns:p15="http://schemas.microsoft.com/office/powerpoint/2012/main" xmlns:p14="http://schemas.microsoft.com/office/powerpoint/2010/main" xmlns:com="http://schemas.openxmlformats.org/drawingml/2006/compatibility" xmlns:pvml="urn:schemas-microsoft-com:office:powerpoint" xmlns:v="urn:schemas-microsoft-com:vml" xmlns:o="urn:schemas-microsoft-com:office:office" xmlns:dgm="http://schemas.openxmlformats.org/drawingml/2006/diagram" xmlns:c="http://schemas.openxmlformats.org/drawingml/2006/chart" xmlns:mv="urn:schemas-microsoft-com:mac:vml" xmlns:mc="http://schemas.openxmlformats.org/markup-compatibility/2006" xmlns="" r:id="rId31" roundtripDataSignature="AMtx7mjFyVUGRZWio+dc9dxzYsimUxNJbg=="/>
     </p:ext>
   </p:extLst>
 </p:presentation>
@@ -19169,7 +19169,23 @@
             <a:pPr lvl="1"/>
             <a:r>
               <a:rPr lang="en-US" dirty="0"/>
-              <a:t>Reading (Obermeyer et al)</a:t>
+              <a:t>Readings (Obermeyer et al; </a:t>
+            </a:r>
+            <a:r>
+              <a:rPr lang="en-US" dirty="0" err="1"/>
+              <a:t>Passi</a:t>
+            </a:r>
+            <a:r>
+              <a:rPr lang="en-US" dirty="0"/>
+              <a:t> &amp; </a:t>
+            </a:r>
+            <a:r>
+              <a:rPr lang="en-US" dirty="0" err="1"/>
+              <a:t>Barocas</a:t>
+            </a:r>
+            <a:r>
+              <a:rPr lang="en-US" dirty="0"/>
+              <a:t>)</a:t>
             </a:r>
             <a:br>
               <a:rPr lang="en-US" dirty="0"/>
@@ -20749,7 +20765,23 @@
             <a:pPr lvl="1"/>
             <a:r>
               <a:rPr lang="en-US" dirty="0"/>
-              <a:t>Reading (Obermeyer et al)</a:t>
+              <a:t>Reading (Obermeyer et al; </a:t>
+            </a:r>
+            <a:r>
+              <a:rPr lang="en-US" dirty="0" err="1"/>
+              <a:t>Passi</a:t>
+            </a:r>
+            <a:r>
+              <a:rPr lang="en-US" dirty="0"/>
+              <a:t> &amp; </a:t>
+            </a:r>
+            <a:r>
+              <a:rPr lang="en-US" dirty="0" err="1"/>
+              <a:t>Barocas</a:t>
+            </a:r>
+            <a:r>
+              <a:rPr lang="en-US" dirty="0"/>
+              <a:t>)</a:t>
             </a:r>
             <a:br>
               <a:rPr lang="en-US" dirty="0"/>

--- a/Lectures/Lecture3-Data.pptx
+++ b/Lectures/Lecture3-Data.pptx
@@ -5,7 +5,7 @@
     <p:sldMasterId id="2147483648" r:id="rId1"/>
   </p:sldMasterIdLst>
   <p:notesMasterIdLst>
-    <p:notesMasterId r:id="rId30"/>
+    <p:notesMasterId r:id="rId32"/>
   </p:notesMasterIdLst>
   <p:sldIdLst>
     <p:sldId id="256" r:id="rId2"/>
@@ -25,17 +25,19 @@
     <p:sldId id="285" r:id="rId16"/>
     <p:sldId id="283" r:id="rId17"/>
     <p:sldId id="260" r:id="rId18"/>
-    <p:sldId id="261" r:id="rId19"/>
-    <p:sldId id="287" r:id="rId20"/>
-    <p:sldId id="262" r:id="rId21"/>
-    <p:sldId id="288" r:id="rId22"/>
-    <p:sldId id="289" r:id="rId23"/>
-    <p:sldId id="290" r:id="rId24"/>
-    <p:sldId id="280" r:id="rId25"/>
-    <p:sldId id="291" r:id="rId26"/>
-    <p:sldId id="293" r:id="rId27"/>
-    <p:sldId id="296" r:id="rId28"/>
-    <p:sldId id="298" r:id="rId29"/>
+    <p:sldId id="303" r:id="rId19"/>
+    <p:sldId id="261" r:id="rId20"/>
+    <p:sldId id="287" r:id="rId21"/>
+    <p:sldId id="262" r:id="rId22"/>
+    <p:sldId id="288" r:id="rId23"/>
+    <p:sldId id="289" r:id="rId24"/>
+    <p:sldId id="290" r:id="rId25"/>
+    <p:sldId id="280" r:id="rId26"/>
+    <p:sldId id="291" r:id="rId27"/>
+    <p:sldId id="293" r:id="rId28"/>
+    <p:sldId id="296" r:id="rId29"/>
+    <p:sldId id="302" r:id="rId30"/>
+    <p:sldId id="298" r:id="rId31"/>
   </p:sldIdLst>
   <p:sldSz cx="12192000" cy="6858000"/>
   <p:notesSz cx="6858000" cy="9144000"/>
@@ -273,7 +275,7 @@
       <p15:sldGuideLst xmlns:p15="http://schemas.microsoft.com/office/powerpoint/2012/main"/>
     </p:ext>
     <p:ext uri="http://customooxmlschemas.google.com/">
-      <go:slidesCustomData xmlns:go="http://customooxmlschemas.google.com/" xmlns:p15="http://schemas.microsoft.com/office/powerpoint/2012/main" xmlns:p14="http://schemas.microsoft.com/office/powerpoint/2010/main" xmlns:com="http://schemas.openxmlformats.org/drawingml/2006/compatibility" xmlns:pvml="urn:schemas-microsoft-com:office:powerpoint" xmlns:v="urn:schemas-microsoft-com:vml" xmlns:o="urn:schemas-microsoft-com:office:office" xmlns:dgm="http://schemas.openxmlformats.org/drawingml/2006/diagram" xmlns:c="http://schemas.openxmlformats.org/drawingml/2006/chart" xmlns:mv="urn:schemas-microsoft-com:mac:vml" xmlns:mc="http://schemas.openxmlformats.org/markup-compatibility/2006" xmlns="" r:id="rId31" roundtripDataSignature="AMtx7mjFyVUGRZWio+dc9dxzYsimUxNJbg=="/>
+      <go:slidesCustomData xmlns="" xmlns:mc="http://schemas.openxmlformats.org/markup-compatibility/2006" xmlns:mv="urn:schemas-microsoft-com:mac:vml" xmlns:c="http://schemas.openxmlformats.org/drawingml/2006/chart" xmlns:dgm="http://schemas.openxmlformats.org/drawingml/2006/diagram" xmlns:o="urn:schemas-microsoft-com:office:office" xmlns:v="urn:schemas-microsoft-com:vml" xmlns:pvml="urn:schemas-microsoft-com:office:powerpoint" xmlns:com="http://schemas.openxmlformats.org/drawingml/2006/compatibility" xmlns:p14="http://schemas.microsoft.com/office/powerpoint/2010/main" xmlns:p15="http://schemas.microsoft.com/office/powerpoint/2012/main" xmlns:go="http://customooxmlschemas.google.com/" r:id="rId33" roundtripDataSignature="AMtx7mjFyVUGRZWio+dc9dxzYsimUxNJbg=="/>
     </p:ext>
   </p:extLst>
 </p:presentation>
@@ -18833,6 +18835,128 @@
       </p:grpSpPr>
       <p:sp>
         <p:nvSpPr>
+          <p:cNvPr id="7170" name="Rectangle 2"/>
+          <p:cNvSpPr>
+            <a:spLocks noGrp="1" noChangeArrowheads="1"/>
+          </p:cNvSpPr>
+          <p:nvPr>
+            <p:ph type="title"/>
+          </p:nvPr>
+        </p:nvSpPr>
+        <p:spPr/>
+        <p:txBody>
+          <a:bodyPr/>
+          <a:lstStyle/>
+          <a:p>
+            <a:r>
+              <a:rPr lang="en-US" altLang="en-US" dirty="0"/>
+              <a:t> Quick Poll (</a:t>
+            </a:r>
+            <a:r>
+              <a:rPr lang="en-US" altLang="en-US" dirty="0" err="1"/>
+              <a:t>slido</a:t>
+            </a:r>
+            <a:r>
+              <a:rPr lang="en-US" altLang="en-US" dirty="0"/>
+              <a:t>)</a:t>
+            </a:r>
+          </a:p>
+        </p:txBody>
+      </p:sp>
+      <p:sp>
+        <p:nvSpPr>
+          <p:cNvPr id="7171" name="Rectangle 3"/>
+          <p:cNvSpPr>
+            <a:spLocks noGrp="1" noChangeArrowheads="1"/>
+          </p:cNvSpPr>
+          <p:nvPr>
+            <p:ph type="body" idx="1"/>
+          </p:nvPr>
+        </p:nvSpPr>
+        <p:spPr/>
+        <p:txBody>
+          <a:bodyPr>
+            <a:normAutofit/>
+          </a:bodyPr>
+          <a:lstStyle/>
+          <a:p>
+            <a:pPr marL="76200" indent="0" algn="ctr">
+              <a:buNone/>
+            </a:pPr>
+            <a:r>
+              <a:rPr lang="en-US" altLang="en-US" sz="3200" dirty="0"/>
+              <a:t>How much experience do you have with </a:t>
+            </a:r>
+          </a:p>
+          <a:p>
+            <a:pPr marL="76200" indent="0" algn="ctr">
+              <a:buNone/>
+            </a:pPr>
+            <a:r>
+              <a:rPr lang="en-US" altLang="en-US" sz="3200" dirty="0"/>
+              <a:t>record linkage in your prior (or current) work?</a:t>
+            </a:r>
+          </a:p>
+          <a:p>
+            <a:pPr marL="76200" indent="0" algn="ctr">
+              <a:buNone/>
+            </a:pPr>
+            <a:endParaRPr lang="en-US" altLang="en-US" sz="3200" dirty="0"/>
+          </a:p>
+          <a:p>
+            <a:pPr marL="76200" indent="0" algn="ctr">
+              <a:buNone/>
+            </a:pPr>
+            <a:endParaRPr lang="en-US" altLang="en-US" sz="3200" dirty="0"/>
+          </a:p>
+          <a:p>
+            <a:pPr marL="76200" indent="0" algn="ctr">
+              <a:buNone/>
+            </a:pPr>
+            <a:r>
+              <a:rPr lang="en-US" altLang="en-US" sz="3200" dirty="0" err="1"/>
+              <a:t>slido.com</a:t>
+            </a:r>
+            <a:r>
+              <a:rPr lang="en-US" altLang="en-US" sz="3200" dirty="0"/>
+              <a:t>    #8855186</a:t>
+            </a:r>
+            <a:endParaRPr lang="en-US" altLang="en-US" sz="2800" dirty="0"/>
+          </a:p>
+        </p:txBody>
+      </p:sp>
+    </p:spTree>
+    <p:extLst>
+      <p:ext uri="{BB962C8B-B14F-4D97-AF65-F5344CB8AC3E}">
+        <p14:creationId xmlns:p14="http://schemas.microsoft.com/office/powerpoint/2010/main" val="2088757742"/>
+      </p:ext>
+    </p:extLst>
+  </p:cSld>
+  <p:clrMapOvr>
+    <a:masterClrMapping/>
+  </p:clrMapOvr>
+</p:sld>
+</file>
+
+<file path=ppt/slides/slide19.xml><?xml version="1.0" encoding="utf-8"?>
+<p:sld xmlns:a="http://schemas.openxmlformats.org/drawingml/2006/main" xmlns:r="http://schemas.openxmlformats.org/officeDocument/2006/relationships" xmlns:p="http://schemas.openxmlformats.org/presentationml/2006/main">
+  <p:cSld>
+    <p:spTree>
+      <p:nvGrpSpPr>
+        <p:cNvPr id="1" name=""/>
+        <p:cNvGrpSpPr/>
+        <p:nvPr/>
+      </p:nvGrpSpPr>
+      <p:grpSpPr>
+        <a:xfrm>
+          <a:off x="0" y="0"/>
+          <a:ext cx="0" cy="0"/>
+          <a:chOff x="0" y="0"/>
+          <a:chExt cx="0" cy="0"/>
+        </a:xfrm>
+      </p:grpSpPr>
+      <p:sp>
+        <p:nvSpPr>
           <p:cNvPr id="8194" name="Rectangle 2"/>
           <p:cNvSpPr>
             <a:spLocks noGrp="1" noChangeArrowheads="1"/>
@@ -18948,7 +19072,170 @@
 </p:sld>
 </file>
 
-<file path=ppt/slides/slide19.xml><?xml version="1.0" encoding="utf-8"?>
+<file path=ppt/slides/slide2.xml><?xml version="1.0" encoding="utf-8"?>
+<p:sld xmlns:a="http://schemas.openxmlformats.org/drawingml/2006/main" xmlns:r="http://schemas.openxmlformats.org/officeDocument/2006/relationships" xmlns:p="http://schemas.openxmlformats.org/presentationml/2006/main">
+  <p:cSld>
+    <p:spTree>
+      <p:nvGrpSpPr>
+        <p:cNvPr id="1" name=""/>
+        <p:cNvGrpSpPr/>
+        <p:nvPr/>
+      </p:nvGrpSpPr>
+      <p:grpSpPr>
+        <a:xfrm>
+          <a:off x="0" y="0"/>
+          <a:ext cx="0" cy="0"/>
+          <a:chOff x="0" y="0"/>
+          <a:chExt cx="0" cy="0"/>
+        </a:xfrm>
+      </p:grpSpPr>
+      <p:sp>
+        <p:nvSpPr>
+          <p:cNvPr id="3" name="Title 2">
+            <a:extLst>
+              <a:ext uri="{FF2B5EF4-FFF2-40B4-BE49-F238E27FC236}">
+                <a16:creationId xmlns:a16="http://schemas.microsoft.com/office/drawing/2014/main" id="{9323871C-7CA8-1448-8FFC-1AE6E1838941}"/>
+              </a:ext>
+            </a:extLst>
+          </p:cNvPr>
+          <p:cNvSpPr>
+            <a:spLocks noGrp="1"/>
+          </p:cNvSpPr>
+          <p:nvPr>
+            <p:ph type="title"/>
+          </p:nvPr>
+        </p:nvSpPr>
+        <p:spPr/>
+        <p:txBody>
+          <a:bodyPr/>
+          <a:lstStyle/>
+          <a:p>
+            <a:r>
+              <a:rPr lang="en-US" dirty="0"/>
+              <a:t>Things to remember</a:t>
+            </a:r>
+          </a:p>
+        </p:txBody>
+      </p:sp>
+      <p:sp>
+        <p:nvSpPr>
+          <p:cNvPr id="4" name="Text Placeholder 3">
+            <a:extLst>
+              <a:ext uri="{FF2B5EF4-FFF2-40B4-BE49-F238E27FC236}">
+                <a16:creationId xmlns:a16="http://schemas.microsoft.com/office/drawing/2014/main" id="{5E600BA7-FA45-884F-9820-9E5F2CB7AA48}"/>
+              </a:ext>
+            </a:extLst>
+          </p:cNvPr>
+          <p:cNvSpPr>
+            <a:spLocks noGrp="1"/>
+          </p:cNvSpPr>
+          <p:nvPr>
+            <p:ph type="body" idx="1"/>
+          </p:nvPr>
+        </p:nvSpPr>
+        <p:spPr/>
+        <p:txBody>
+          <a:bodyPr/>
+          <a:lstStyle/>
+          <a:p>
+            <a:r>
+              <a:rPr lang="en-US" b="1" dirty="0"/>
+              <a:t>Make sure and check that you can access your project data today</a:t>
+            </a:r>
+          </a:p>
+          <a:p>
+            <a:endParaRPr lang="en-US" dirty="0"/>
+          </a:p>
+          <a:p>
+            <a:r>
+              <a:rPr lang="en-US" dirty="0"/>
+              <a:t>Thursday:</a:t>
+            </a:r>
+          </a:p>
+          <a:p>
+            <a:pPr lvl="1"/>
+            <a:r>
+              <a:rPr lang="en-US" dirty="0"/>
+              <a:t>Readings (Obermeyer et al; </a:t>
+            </a:r>
+            <a:r>
+              <a:rPr lang="en-US" dirty="0" err="1"/>
+              <a:t>Passi</a:t>
+            </a:r>
+            <a:r>
+              <a:rPr lang="en-US" dirty="0"/>
+              <a:t> &amp; </a:t>
+            </a:r>
+            <a:r>
+              <a:rPr lang="en-US" dirty="0" err="1"/>
+              <a:t>Barocas</a:t>
+            </a:r>
+            <a:r>
+              <a:rPr lang="en-US" dirty="0"/>
+              <a:t>)</a:t>
+            </a:r>
+            <a:br>
+              <a:rPr lang="en-US" dirty="0"/>
+            </a:br>
+            <a:endParaRPr lang="en-US" dirty="0"/>
+          </a:p>
+          <a:p>
+            <a:r>
+              <a:rPr lang="en-US" dirty="0"/>
+              <a:t>What’s coming next week:</a:t>
+            </a:r>
+          </a:p>
+          <a:p>
+            <a:pPr lvl="1"/>
+            <a:r>
+              <a:rPr lang="en-US" dirty="0"/>
+              <a:t>Assignment due Monday</a:t>
+            </a:r>
+          </a:p>
+          <a:p>
+            <a:pPr lvl="2">
+              <a:lnSpc>
+                <a:spcPct val="100000"/>
+              </a:lnSpc>
+              <a:spcBef>
+                <a:spcPts val="500"/>
+              </a:spcBef>
+            </a:pPr>
+            <a:r>
+              <a:rPr lang="en-US" dirty="0"/>
+              <a:t>Project Formulation and Baselines</a:t>
+            </a:r>
+          </a:p>
+          <a:p>
+            <a:pPr lvl="1">
+              <a:lnSpc>
+                <a:spcPct val="100000"/>
+              </a:lnSpc>
+              <a:spcBef>
+                <a:spcPts val="500"/>
+              </a:spcBef>
+            </a:pPr>
+            <a:r>
+              <a:rPr lang="en-US" dirty="0"/>
+              <a:t>Readings</a:t>
+            </a:r>
+          </a:p>
+        </p:txBody>
+      </p:sp>
+    </p:spTree>
+    <p:extLst>
+      <p:ext uri="{BB962C8B-B14F-4D97-AF65-F5344CB8AC3E}">
+        <p14:creationId xmlns:p14="http://schemas.microsoft.com/office/powerpoint/2010/main" val="1285932549"/>
+      </p:ext>
+    </p:extLst>
+  </p:cSld>
+  <p:clrMapOvr>
+    <a:masterClrMapping/>
+  </p:clrMapOvr>
+</p:sld>
+</file>
+
+<file path=ppt/slides/slide20.xml><?xml version="1.0" encoding="utf-8"?>
 <p:sld xmlns:a="http://schemas.openxmlformats.org/drawingml/2006/main" xmlns:r="http://schemas.openxmlformats.org/officeDocument/2006/relationships" xmlns:p="http://schemas.openxmlformats.org/presentationml/2006/main">
   <p:cSld>
     <p:spTree>
@@ -19085,170 +19372,7 @@
 </p:sld>
 </file>
 
-<file path=ppt/slides/slide2.xml><?xml version="1.0" encoding="utf-8"?>
-<p:sld xmlns:a="http://schemas.openxmlformats.org/drawingml/2006/main" xmlns:r="http://schemas.openxmlformats.org/officeDocument/2006/relationships" xmlns:p="http://schemas.openxmlformats.org/presentationml/2006/main">
-  <p:cSld>
-    <p:spTree>
-      <p:nvGrpSpPr>
-        <p:cNvPr id="1" name=""/>
-        <p:cNvGrpSpPr/>
-        <p:nvPr/>
-      </p:nvGrpSpPr>
-      <p:grpSpPr>
-        <a:xfrm>
-          <a:off x="0" y="0"/>
-          <a:ext cx="0" cy="0"/>
-          <a:chOff x="0" y="0"/>
-          <a:chExt cx="0" cy="0"/>
-        </a:xfrm>
-      </p:grpSpPr>
-      <p:sp>
-        <p:nvSpPr>
-          <p:cNvPr id="3" name="Title 2">
-            <a:extLst>
-              <a:ext uri="{FF2B5EF4-FFF2-40B4-BE49-F238E27FC236}">
-                <a16:creationId xmlns:a16="http://schemas.microsoft.com/office/drawing/2014/main" id="{9323871C-7CA8-1448-8FFC-1AE6E1838941}"/>
-              </a:ext>
-            </a:extLst>
-          </p:cNvPr>
-          <p:cNvSpPr>
-            <a:spLocks noGrp="1"/>
-          </p:cNvSpPr>
-          <p:nvPr>
-            <p:ph type="title"/>
-          </p:nvPr>
-        </p:nvSpPr>
-        <p:spPr/>
-        <p:txBody>
-          <a:bodyPr/>
-          <a:lstStyle/>
-          <a:p>
-            <a:r>
-              <a:rPr lang="en-US" dirty="0"/>
-              <a:t>Things to remember</a:t>
-            </a:r>
-          </a:p>
-        </p:txBody>
-      </p:sp>
-      <p:sp>
-        <p:nvSpPr>
-          <p:cNvPr id="4" name="Text Placeholder 3">
-            <a:extLst>
-              <a:ext uri="{FF2B5EF4-FFF2-40B4-BE49-F238E27FC236}">
-                <a16:creationId xmlns:a16="http://schemas.microsoft.com/office/drawing/2014/main" id="{5E600BA7-FA45-884F-9820-9E5F2CB7AA48}"/>
-              </a:ext>
-            </a:extLst>
-          </p:cNvPr>
-          <p:cNvSpPr>
-            <a:spLocks noGrp="1"/>
-          </p:cNvSpPr>
-          <p:nvPr>
-            <p:ph type="body" idx="1"/>
-          </p:nvPr>
-        </p:nvSpPr>
-        <p:spPr/>
-        <p:txBody>
-          <a:bodyPr/>
-          <a:lstStyle/>
-          <a:p>
-            <a:r>
-              <a:rPr lang="en-US" b="1" dirty="0"/>
-              <a:t>Make sure and check that you can access your project data today</a:t>
-            </a:r>
-          </a:p>
-          <a:p>
-            <a:endParaRPr lang="en-US" dirty="0"/>
-          </a:p>
-          <a:p>
-            <a:r>
-              <a:rPr lang="en-US" dirty="0"/>
-              <a:t>Thursday:</a:t>
-            </a:r>
-          </a:p>
-          <a:p>
-            <a:pPr lvl="1"/>
-            <a:r>
-              <a:rPr lang="en-US" dirty="0"/>
-              <a:t>Readings (Obermeyer et al; </a:t>
-            </a:r>
-            <a:r>
-              <a:rPr lang="en-US" dirty="0" err="1"/>
-              <a:t>Passi</a:t>
-            </a:r>
-            <a:r>
-              <a:rPr lang="en-US" dirty="0"/>
-              <a:t> &amp; </a:t>
-            </a:r>
-            <a:r>
-              <a:rPr lang="en-US" dirty="0" err="1"/>
-              <a:t>Barocas</a:t>
-            </a:r>
-            <a:r>
-              <a:rPr lang="en-US" dirty="0"/>
-              <a:t>)</a:t>
-            </a:r>
-            <a:br>
-              <a:rPr lang="en-US" dirty="0"/>
-            </a:br>
-            <a:endParaRPr lang="en-US" dirty="0"/>
-          </a:p>
-          <a:p>
-            <a:r>
-              <a:rPr lang="en-US" dirty="0"/>
-              <a:t>What’s coming next week:</a:t>
-            </a:r>
-          </a:p>
-          <a:p>
-            <a:pPr lvl="1"/>
-            <a:r>
-              <a:rPr lang="en-US" dirty="0"/>
-              <a:t>Assignment due Monday</a:t>
-            </a:r>
-          </a:p>
-          <a:p>
-            <a:pPr lvl="2">
-              <a:lnSpc>
-                <a:spcPct val="100000"/>
-              </a:lnSpc>
-              <a:spcBef>
-                <a:spcPts val="500"/>
-              </a:spcBef>
-            </a:pPr>
-            <a:r>
-              <a:rPr lang="en-US" dirty="0"/>
-              <a:t>Project Formulation and Baselines</a:t>
-            </a:r>
-          </a:p>
-          <a:p>
-            <a:pPr lvl="1">
-              <a:lnSpc>
-                <a:spcPct val="100000"/>
-              </a:lnSpc>
-              <a:spcBef>
-                <a:spcPts val="500"/>
-              </a:spcBef>
-            </a:pPr>
-            <a:r>
-              <a:rPr lang="en-US" dirty="0"/>
-              <a:t>Readings</a:t>
-            </a:r>
-          </a:p>
-        </p:txBody>
-      </p:sp>
-    </p:spTree>
-    <p:extLst>
-      <p:ext uri="{BB962C8B-B14F-4D97-AF65-F5344CB8AC3E}">
-        <p14:creationId xmlns:p14="http://schemas.microsoft.com/office/powerpoint/2010/main" val="1285932549"/>
-      </p:ext>
-    </p:extLst>
-  </p:cSld>
-  <p:clrMapOvr>
-    <a:masterClrMapping/>
-  </p:clrMapOvr>
-</p:sld>
-</file>
-
-<file path=ppt/slides/slide20.xml><?xml version="1.0" encoding="utf-8"?>
+<file path=ppt/slides/slide21.xml><?xml version="1.0" encoding="utf-8"?>
 <p:sld xmlns:a="http://schemas.openxmlformats.org/drawingml/2006/main" xmlns:r="http://schemas.openxmlformats.org/officeDocument/2006/relationships" xmlns:p="http://schemas.openxmlformats.org/presentationml/2006/main">
   <p:cSld>
     <p:spTree>
@@ -19336,7 +19460,7 @@
 </p:sld>
 </file>
 
-<file path=ppt/slides/slide21.xml><?xml version="1.0" encoding="utf-8"?>
+<file path=ppt/slides/slide22.xml><?xml version="1.0" encoding="utf-8"?>
 <p:sld xmlns:a="http://schemas.openxmlformats.org/drawingml/2006/main" xmlns:r="http://schemas.openxmlformats.org/officeDocument/2006/relationships" xmlns:p="http://schemas.openxmlformats.org/presentationml/2006/main">
   <p:cSld>
     <p:spTree>
@@ -19995,7 +20119,7 @@
 </p:sld>
 </file>
 
-<file path=ppt/slides/slide22.xml><?xml version="1.0" encoding="utf-8"?>
+<file path=ppt/slides/slide23.xml><?xml version="1.0" encoding="utf-8"?>
 <p:sld xmlns:a="http://schemas.openxmlformats.org/drawingml/2006/main" xmlns:r="http://schemas.openxmlformats.org/officeDocument/2006/relationships" xmlns:p="http://schemas.openxmlformats.org/presentationml/2006/main">
   <p:cSld>
     <p:spTree>
@@ -20087,7 +20211,7 @@
 </p:sld>
 </file>
 
-<file path=ppt/slides/slide23.xml><?xml version="1.0" encoding="utf-8"?>
+<file path=ppt/slides/slide24.xml><?xml version="1.0" encoding="utf-8"?>
 <p:sld xmlns:a="http://schemas.openxmlformats.org/drawingml/2006/main" xmlns:r="http://schemas.openxmlformats.org/officeDocument/2006/relationships" xmlns:p="http://schemas.openxmlformats.org/presentationml/2006/main">
   <p:cSld>
     <p:spTree>
@@ -20167,7 +20291,7 @@
 </p:sld>
 </file>
 
-<file path=ppt/slides/slide24.xml><?xml version="1.0" encoding="utf-8"?>
+<file path=ppt/slides/slide25.xml><?xml version="1.0" encoding="utf-8"?>
 <p:sld xmlns:a="http://schemas.openxmlformats.org/drawingml/2006/main" xmlns:r="http://schemas.openxmlformats.org/officeDocument/2006/relationships" xmlns:p="http://schemas.openxmlformats.org/presentationml/2006/main">
   <p:cSld>
     <p:spTree>
@@ -20349,7 +20473,7 @@
 </p:sld>
 </file>
 
-<file path=ppt/slides/slide25.xml><?xml version="1.0" encoding="utf-8"?>
+<file path=ppt/slides/slide26.xml><?xml version="1.0" encoding="utf-8"?>
 <p:sld xmlns:a="http://schemas.openxmlformats.org/drawingml/2006/main" xmlns:r="http://schemas.openxmlformats.org/officeDocument/2006/relationships" xmlns:p="http://schemas.openxmlformats.org/presentationml/2006/main">
   <p:cSld>
     <p:spTree>
@@ -20484,7 +20608,7 @@
 </p:sld>
 </file>
 
-<file path=ppt/slides/slide26.xml><?xml version="1.0" encoding="utf-8"?>
+<file path=ppt/slides/slide27.xml><?xml version="1.0" encoding="utf-8"?>
 <p:sld xmlns:a="http://schemas.openxmlformats.org/drawingml/2006/main" xmlns:r="http://schemas.openxmlformats.org/officeDocument/2006/relationships" xmlns:p="http://schemas.openxmlformats.org/presentationml/2006/main">
   <p:cSld>
     <p:spTree>
@@ -20579,7 +20703,7 @@
 </p:sld>
 </file>
 
-<file path=ppt/slides/slide27.xml><?xml version="1.0" encoding="utf-8"?>
+<file path=ppt/slides/slide28.xml><?xml version="1.0" encoding="utf-8"?>
 <p:sld xmlns:a="http://schemas.openxmlformats.org/drawingml/2006/main" xmlns:r="http://schemas.openxmlformats.org/officeDocument/2006/relationships" xmlns:p="http://schemas.openxmlformats.org/presentationml/2006/main">
   <p:cSld>
     <p:spTree>
@@ -20662,7 +20786,7 @@
             </a:pPr>
             <a:r>
               <a:rPr lang="en-US" sz="3200" dirty="0"/>
-              <a:t>What are downstream ethical issues when dealing with errors in record linkage?</a:t>
+              <a:t>What are downstream impacts (generally) of a false positive in record linkage? What about a false negative?</a:t>
             </a:r>
             <a:endParaRPr lang="en-US" dirty="0"/>
           </a:p>
@@ -20681,7 +20805,7 @@
 </p:sld>
 </file>
 
-<file path=ppt/slides/slide28.xml><?xml version="1.0" encoding="utf-8"?>
+<file path=ppt/slides/slide29.xml><?xml version="1.0" encoding="utf-8"?>
 <p:sld xmlns:a="http://schemas.openxmlformats.org/drawingml/2006/main" xmlns:r="http://schemas.openxmlformats.org/officeDocument/2006/relationships" xmlns:p="http://schemas.openxmlformats.org/presentationml/2006/main">
   <p:cSld>
     <p:spTree>
@@ -20700,10 +20824,10 @@
       </p:grpSpPr>
       <p:sp>
         <p:nvSpPr>
-          <p:cNvPr id="3" name="Title 2">
+          <p:cNvPr id="2" name="Title 1">
             <a:extLst>
               <a:ext uri="{FF2B5EF4-FFF2-40B4-BE49-F238E27FC236}">
-                <a16:creationId xmlns:a16="http://schemas.microsoft.com/office/drawing/2014/main" id="{9323871C-7CA8-1448-8FFC-1AE6E1838941}"/>
+                <a16:creationId xmlns:a16="http://schemas.microsoft.com/office/drawing/2014/main" id="{52E04EB1-290D-E647-B684-F8A3D3B280EE}"/>
               </a:ext>
             </a:extLst>
           </p:cNvPr>
@@ -20721,17 +20845,17 @@
           <a:p>
             <a:r>
               <a:rPr lang="en-US" dirty="0"/>
-              <a:t>Things to remember</a:t>
+              <a:t>Discussion Topic</a:t>
             </a:r>
           </a:p>
         </p:txBody>
       </p:sp>
       <p:sp>
         <p:nvSpPr>
-          <p:cNvPr id="4" name="Text Placeholder 3">
+          <p:cNvPr id="3" name="Text Placeholder 2">
             <a:extLst>
               <a:ext uri="{FF2B5EF4-FFF2-40B4-BE49-F238E27FC236}">
-                <a16:creationId xmlns:a16="http://schemas.microsoft.com/office/drawing/2014/main" id="{5E600BA7-FA45-884F-9820-9E5F2CB7AA48}"/>
+                <a16:creationId xmlns:a16="http://schemas.microsoft.com/office/drawing/2014/main" id="{73DF5889-4B8C-7449-87CD-1929C07EE849}"/>
               </a:ext>
             </a:extLst>
           </p:cNvPr>
@@ -20747,94 +20871,33 @@
           <a:bodyPr/>
           <a:lstStyle/>
           <a:p>
-            <a:r>
-              <a:rPr lang="en-US" b="1" dirty="0"/>
-              <a:t>Make sure and check that you can access your project data today</a:t>
-            </a:r>
-          </a:p>
-          <a:p>
+            <a:pPr marL="76200" indent="0">
+              <a:buNone/>
+            </a:pPr>
             <a:endParaRPr lang="en-US" dirty="0"/>
           </a:p>
           <a:p>
-            <a:r>
-              <a:rPr lang="en-US" dirty="0"/>
-              <a:t>Thursday:</a:t>
-            </a:r>
-          </a:p>
-          <a:p>
-            <a:pPr lvl="1"/>
-            <a:r>
-              <a:rPr lang="en-US" dirty="0"/>
-              <a:t>Reading (Obermeyer et al; </a:t>
-            </a:r>
-            <a:r>
-              <a:rPr lang="en-US" dirty="0" err="1"/>
-              <a:t>Passi</a:t>
-            </a:r>
-            <a:r>
-              <a:rPr lang="en-US" dirty="0"/>
-              <a:t> &amp; </a:t>
-            </a:r>
-            <a:r>
-              <a:rPr lang="en-US" dirty="0" err="1"/>
-              <a:t>Barocas</a:t>
-            </a:r>
-            <a:r>
-              <a:rPr lang="en-US" dirty="0"/>
-              <a:t>)</a:t>
-            </a:r>
-            <a:br>
-              <a:rPr lang="en-US" dirty="0"/>
-            </a:br>
+            <a:pPr marL="76200" indent="0">
+              <a:buNone/>
+            </a:pPr>
             <a:endParaRPr lang="en-US" dirty="0"/>
           </a:p>
           <a:p>
-            <a:r>
-              <a:rPr lang="en-US" dirty="0"/>
-              <a:t>What’s coming next week:</a:t>
-            </a:r>
-          </a:p>
-          <a:p>
-            <a:pPr lvl="1"/>
-            <a:r>
-              <a:rPr lang="en-US" dirty="0"/>
-              <a:t>Assignment due Monday</a:t>
-            </a:r>
-          </a:p>
-          <a:p>
-            <a:pPr lvl="2">
-              <a:lnSpc>
-                <a:spcPct val="100000"/>
-              </a:lnSpc>
-              <a:spcBef>
-                <a:spcPts val="500"/>
-              </a:spcBef>
+            <a:pPr marL="76200" indent="0">
+              <a:buNone/>
             </a:pPr>
             <a:r>
-              <a:rPr lang="en-US" dirty="0"/>
-              <a:t>Project Formulation and Baselines</a:t>
+              <a:rPr lang="en-US" sz="3200" dirty="0"/>
+              <a:t>What types of common mismatch errors might affect groups differently, resulting in downstream fairness impacts?</a:t>
             </a:r>
-          </a:p>
-          <a:p>
-            <a:pPr lvl="1">
-              <a:lnSpc>
-                <a:spcPct val="100000"/>
-              </a:lnSpc>
-              <a:spcBef>
-                <a:spcPts val="500"/>
-              </a:spcBef>
-            </a:pPr>
-            <a:r>
-              <a:rPr lang="en-US" dirty="0"/>
-              <a:t>Readings</a:t>
-            </a:r>
+            <a:endParaRPr lang="en-US" dirty="0"/>
           </a:p>
         </p:txBody>
       </p:sp>
     </p:spTree>
     <p:extLst>
       <p:ext uri="{BB962C8B-B14F-4D97-AF65-F5344CB8AC3E}">
-        <p14:creationId xmlns:p14="http://schemas.microsoft.com/office/powerpoint/2010/main" val="390960049"/>
+        <p14:creationId xmlns:p14="http://schemas.microsoft.com/office/powerpoint/2010/main" val="2960122765"/>
       </p:ext>
     </p:extLst>
   </p:cSld>
@@ -20964,6 +21027,169 @@
     <p:extLst>
       <p:ext uri="{BB962C8B-B14F-4D97-AF65-F5344CB8AC3E}">
         <p14:creationId xmlns:p14="http://schemas.microsoft.com/office/powerpoint/2010/main" val="2576858030"/>
+      </p:ext>
+    </p:extLst>
+  </p:cSld>
+  <p:clrMapOvr>
+    <a:masterClrMapping/>
+  </p:clrMapOvr>
+</p:sld>
+</file>
+
+<file path=ppt/slides/slide30.xml><?xml version="1.0" encoding="utf-8"?>
+<p:sld xmlns:a="http://schemas.openxmlformats.org/drawingml/2006/main" xmlns:r="http://schemas.openxmlformats.org/officeDocument/2006/relationships" xmlns:p="http://schemas.openxmlformats.org/presentationml/2006/main">
+  <p:cSld>
+    <p:spTree>
+      <p:nvGrpSpPr>
+        <p:cNvPr id="1" name=""/>
+        <p:cNvGrpSpPr/>
+        <p:nvPr/>
+      </p:nvGrpSpPr>
+      <p:grpSpPr>
+        <a:xfrm>
+          <a:off x="0" y="0"/>
+          <a:ext cx="0" cy="0"/>
+          <a:chOff x="0" y="0"/>
+          <a:chExt cx="0" cy="0"/>
+        </a:xfrm>
+      </p:grpSpPr>
+      <p:sp>
+        <p:nvSpPr>
+          <p:cNvPr id="3" name="Title 2">
+            <a:extLst>
+              <a:ext uri="{FF2B5EF4-FFF2-40B4-BE49-F238E27FC236}">
+                <a16:creationId xmlns:a16="http://schemas.microsoft.com/office/drawing/2014/main" id="{9323871C-7CA8-1448-8FFC-1AE6E1838941}"/>
+              </a:ext>
+            </a:extLst>
+          </p:cNvPr>
+          <p:cNvSpPr>
+            <a:spLocks noGrp="1"/>
+          </p:cNvSpPr>
+          <p:nvPr>
+            <p:ph type="title"/>
+          </p:nvPr>
+        </p:nvSpPr>
+        <p:spPr/>
+        <p:txBody>
+          <a:bodyPr/>
+          <a:lstStyle/>
+          <a:p>
+            <a:r>
+              <a:rPr lang="en-US" dirty="0"/>
+              <a:t>Things to remember</a:t>
+            </a:r>
+          </a:p>
+        </p:txBody>
+      </p:sp>
+      <p:sp>
+        <p:nvSpPr>
+          <p:cNvPr id="4" name="Text Placeholder 3">
+            <a:extLst>
+              <a:ext uri="{FF2B5EF4-FFF2-40B4-BE49-F238E27FC236}">
+                <a16:creationId xmlns:a16="http://schemas.microsoft.com/office/drawing/2014/main" id="{5E600BA7-FA45-884F-9820-9E5F2CB7AA48}"/>
+              </a:ext>
+            </a:extLst>
+          </p:cNvPr>
+          <p:cNvSpPr>
+            <a:spLocks noGrp="1"/>
+          </p:cNvSpPr>
+          <p:nvPr>
+            <p:ph type="body" idx="1"/>
+          </p:nvPr>
+        </p:nvSpPr>
+        <p:spPr/>
+        <p:txBody>
+          <a:bodyPr/>
+          <a:lstStyle/>
+          <a:p>
+            <a:r>
+              <a:rPr lang="en-US" b="1" dirty="0"/>
+              <a:t>Make sure and check that you can access your project data today</a:t>
+            </a:r>
+          </a:p>
+          <a:p>
+            <a:endParaRPr lang="en-US" dirty="0"/>
+          </a:p>
+          <a:p>
+            <a:r>
+              <a:rPr lang="en-US" dirty="0"/>
+              <a:t>Thursday:</a:t>
+            </a:r>
+          </a:p>
+          <a:p>
+            <a:pPr lvl="1"/>
+            <a:r>
+              <a:rPr lang="en-US" dirty="0"/>
+              <a:t>Reading (Obermeyer et al; </a:t>
+            </a:r>
+            <a:r>
+              <a:rPr lang="en-US" dirty="0" err="1"/>
+              <a:t>Passi</a:t>
+            </a:r>
+            <a:r>
+              <a:rPr lang="en-US" dirty="0"/>
+              <a:t> &amp; </a:t>
+            </a:r>
+            <a:r>
+              <a:rPr lang="en-US" dirty="0" err="1"/>
+              <a:t>Barocas</a:t>
+            </a:r>
+            <a:r>
+              <a:rPr lang="en-US" dirty="0"/>
+              <a:t>)</a:t>
+            </a:r>
+            <a:br>
+              <a:rPr lang="en-US" dirty="0"/>
+            </a:br>
+            <a:endParaRPr lang="en-US" dirty="0"/>
+          </a:p>
+          <a:p>
+            <a:r>
+              <a:rPr lang="en-US" dirty="0"/>
+              <a:t>What’s coming next week:</a:t>
+            </a:r>
+          </a:p>
+          <a:p>
+            <a:pPr lvl="1"/>
+            <a:r>
+              <a:rPr lang="en-US" dirty="0"/>
+              <a:t>Assignment due Monday</a:t>
+            </a:r>
+          </a:p>
+          <a:p>
+            <a:pPr lvl="2">
+              <a:lnSpc>
+                <a:spcPct val="100000"/>
+              </a:lnSpc>
+              <a:spcBef>
+                <a:spcPts val="500"/>
+              </a:spcBef>
+            </a:pPr>
+            <a:r>
+              <a:rPr lang="en-US" dirty="0"/>
+              <a:t>Project Formulation and Baselines</a:t>
+            </a:r>
+          </a:p>
+          <a:p>
+            <a:pPr lvl="1">
+              <a:lnSpc>
+                <a:spcPct val="100000"/>
+              </a:lnSpc>
+              <a:spcBef>
+                <a:spcPts val="500"/>
+              </a:spcBef>
+            </a:pPr>
+            <a:r>
+              <a:rPr lang="en-US" dirty="0"/>
+              <a:t>Readings</a:t>
+            </a:r>
+          </a:p>
+        </p:txBody>
+      </p:sp>
+    </p:spTree>
+    <p:extLst>
+      <p:ext uri="{BB962C8B-B14F-4D97-AF65-F5344CB8AC3E}">
+        <p14:creationId xmlns:p14="http://schemas.microsoft.com/office/powerpoint/2010/main" val="390960049"/>
       </p:ext>
     </p:extLst>
   </p:cSld>

--- a/Lectures/Lecture3-Data.pptx
+++ b/Lectures/Lecture3-Data.pptx
@@ -5,39 +5,34 @@
     <p:sldMasterId id="2147483648" r:id="rId1"/>
   </p:sldMasterIdLst>
   <p:notesMasterIdLst>
-    <p:notesMasterId r:id="rId32"/>
+    <p:notesMasterId r:id="rId27"/>
   </p:notesMasterIdLst>
   <p:sldIdLst>
     <p:sldId id="256" r:id="rId2"/>
     <p:sldId id="281" r:id="rId3"/>
     <p:sldId id="297" r:id="rId4"/>
-    <p:sldId id="273" r:id="rId5"/>
-    <p:sldId id="274" r:id="rId6"/>
-    <p:sldId id="275" r:id="rId7"/>
-    <p:sldId id="276" r:id="rId8"/>
-    <p:sldId id="277" r:id="rId9"/>
-    <p:sldId id="270" r:id="rId10"/>
-    <p:sldId id="299" r:id="rId11"/>
-    <p:sldId id="300" r:id="rId12"/>
-    <p:sldId id="301" r:id="rId13"/>
-    <p:sldId id="295" r:id="rId14"/>
-    <p:sldId id="282" r:id="rId15"/>
-    <p:sldId id="285" r:id="rId16"/>
-    <p:sldId id="283" r:id="rId17"/>
-    <p:sldId id="260" r:id="rId18"/>
-    <p:sldId id="303" r:id="rId19"/>
-    <p:sldId id="261" r:id="rId20"/>
-    <p:sldId id="287" r:id="rId21"/>
-    <p:sldId id="262" r:id="rId22"/>
-    <p:sldId id="288" r:id="rId23"/>
-    <p:sldId id="289" r:id="rId24"/>
-    <p:sldId id="290" r:id="rId25"/>
-    <p:sldId id="280" r:id="rId26"/>
-    <p:sldId id="291" r:id="rId27"/>
-    <p:sldId id="293" r:id="rId28"/>
-    <p:sldId id="296" r:id="rId29"/>
-    <p:sldId id="302" r:id="rId30"/>
-    <p:sldId id="298" r:id="rId31"/>
+    <p:sldId id="270" r:id="rId5"/>
+    <p:sldId id="299" r:id="rId6"/>
+    <p:sldId id="300" r:id="rId7"/>
+    <p:sldId id="301" r:id="rId8"/>
+    <p:sldId id="295" r:id="rId9"/>
+    <p:sldId id="282" r:id="rId10"/>
+    <p:sldId id="285" r:id="rId11"/>
+    <p:sldId id="283" r:id="rId12"/>
+    <p:sldId id="260" r:id="rId13"/>
+    <p:sldId id="303" r:id="rId14"/>
+    <p:sldId id="261" r:id="rId15"/>
+    <p:sldId id="287" r:id="rId16"/>
+    <p:sldId id="262" r:id="rId17"/>
+    <p:sldId id="288" r:id="rId18"/>
+    <p:sldId id="289" r:id="rId19"/>
+    <p:sldId id="290" r:id="rId20"/>
+    <p:sldId id="280" r:id="rId21"/>
+    <p:sldId id="291" r:id="rId22"/>
+    <p:sldId id="293" r:id="rId23"/>
+    <p:sldId id="296" r:id="rId24"/>
+    <p:sldId id="302" r:id="rId25"/>
+    <p:sldId id="298" r:id="rId26"/>
   </p:sldIdLst>
   <p:sldSz cx="12192000" cy="6858000"/>
   <p:notesSz cx="6858000" cy="9144000"/>
@@ -275,7 +270,7 @@
       <p15:sldGuideLst xmlns:p15="http://schemas.microsoft.com/office/powerpoint/2012/main"/>
     </p:ext>
     <p:ext uri="http://customooxmlschemas.google.com/">
-      <go:slidesCustomData xmlns="" xmlns:mc="http://schemas.openxmlformats.org/markup-compatibility/2006" xmlns:mv="urn:schemas-microsoft-com:mac:vml" xmlns:c="http://schemas.openxmlformats.org/drawingml/2006/chart" xmlns:dgm="http://schemas.openxmlformats.org/drawingml/2006/diagram" xmlns:o="urn:schemas-microsoft-com:office:office" xmlns:v="urn:schemas-microsoft-com:vml" xmlns:pvml="urn:schemas-microsoft-com:office:powerpoint" xmlns:com="http://schemas.openxmlformats.org/drawingml/2006/compatibility" xmlns:p14="http://schemas.microsoft.com/office/powerpoint/2010/main" xmlns:p15="http://schemas.microsoft.com/office/powerpoint/2012/main" xmlns:go="http://customooxmlschemas.google.com/" r:id="rId33" roundtripDataSignature="AMtx7mjFyVUGRZWio+dc9dxzYsimUxNJbg=="/>
+      <go:slidesCustomData xmlns:go="http://customooxmlschemas.google.com/" xmlns:p15="http://schemas.microsoft.com/office/powerpoint/2012/main" xmlns:p14="http://schemas.microsoft.com/office/powerpoint/2010/main" xmlns:com="http://schemas.openxmlformats.org/drawingml/2006/compatibility" xmlns:pvml="urn:schemas-microsoft-com:office:powerpoint" xmlns:v="urn:schemas-microsoft-com:vml" xmlns:o="urn:schemas-microsoft-com:office:office" xmlns:dgm="http://schemas.openxmlformats.org/drawingml/2006/diagram" xmlns:c="http://schemas.openxmlformats.org/drawingml/2006/chart" xmlns:mv="urn:schemas-microsoft-com:mac:vml" xmlns:mc="http://schemas.openxmlformats.org/markup-compatibility/2006" xmlns="" r:id="rId33" roundtripDataSignature="AMtx7mjFyVUGRZWio+dc9dxzYsimUxNJbg=="/>
     </p:ext>
   </p:extLst>
 </p:presentation>
@@ -11593,586 +11588,6 @@
   <p:cSld>
     <p:spTree>
       <p:nvGrpSpPr>
-        <p:cNvPr id="1" name="Shape 201"/>
-        <p:cNvGrpSpPr/>
-        <p:nvPr/>
-      </p:nvGrpSpPr>
-      <p:grpSpPr>
-        <a:xfrm>
-          <a:off x="0" y="0"/>
-          <a:ext cx="0" cy="0"/>
-          <a:chOff x="0" y="0"/>
-          <a:chExt cx="0" cy="0"/>
-        </a:xfrm>
-      </p:grpSpPr>
-      <p:sp>
-        <p:nvSpPr>
-          <p:cNvPr id="202" name="Google Shape;202;p17:notes"/>
-          <p:cNvSpPr txBox="1">
-            <a:spLocks noGrp="1"/>
-          </p:cNvSpPr>
-          <p:nvPr>
-            <p:ph type="body" idx="1"/>
-          </p:nvPr>
-        </p:nvSpPr>
-        <p:spPr>
-          <a:xfrm>
-            <a:off x="685800" y="4400550"/>
-            <a:ext cx="5486400" cy="3600450"/>
-          </a:xfrm>
-          <a:prstGeom prst="rect">
-            <a:avLst/>
-          </a:prstGeom>
-        </p:spPr>
-        <p:txBody>
-          <a:bodyPr spcFirstLastPara="1" wrap="square" lIns="91425" tIns="45700" rIns="91425" bIns="45700" anchor="t" anchorCtr="0">
-            <a:noAutofit/>
-          </a:bodyPr>
-          <a:lstStyle/>
-          <a:p>
-            <a:pPr marL="0" lvl="0" indent="0" algn="l" rtl="0">
-              <a:spcBef>
-                <a:spcPts val="0"/>
-              </a:spcBef>
-              <a:spcAft>
-                <a:spcPts val="0"/>
-              </a:spcAft>
-              <a:buNone/>
-            </a:pPr>
-            <a:endParaRPr/>
-          </a:p>
-        </p:txBody>
-      </p:sp>
-      <p:sp>
-        <p:nvSpPr>
-          <p:cNvPr id="203" name="Google Shape;203;p17:notes"/>
-          <p:cNvSpPr>
-            <a:spLocks noGrp="1" noRot="1" noChangeAspect="1"/>
-          </p:cNvSpPr>
-          <p:nvPr>
-            <p:ph type="sldImg" idx="2"/>
-          </p:nvPr>
-        </p:nvSpPr>
-        <p:spPr>
-          <a:xfrm>
-            <a:off x="685800" y="1143000"/>
-            <a:ext cx="5486400" cy="3086100"/>
-          </a:xfrm>
-          <a:custGeom>
-            <a:avLst/>
-            <a:gdLst/>
-            <a:ahLst/>
-            <a:cxnLst/>
-            <a:rect l="l" t="t" r="r" b="b"/>
-            <a:pathLst>
-              <a:path w="120000" h="120000" extrusionOk="0">
-                <a:moveTo>
-                  <a:pt x="0" y="0"/>
-                </a:moveTo>
-                <a:lnTo>
-                  <a:pt x="120000" y="0"/>
-                </a:lnTo>
-                <a:lnTo>
-                  <a:pt x="120000" y="120000"/>
-                </a:lnTo>
-                <a:lnTo>
-                  <a:pt x="0" y="120000"/>
-                </a:lnTo>
-                <a:close/>
-              </a:path>
-            </a:pathLst>
-          </a:custGeom>
-        </p:spPr>
-      </p:sp>
-    </p:spTree>
-  </p:cSld>
-  <p:clrMapOvr>
-    <a:masterClrMapping/>
-  </p:clrMapOvr>
-</p:notes>
-</file>
-
-<file path=ppt/notesSlides/notesSlide3.xml><?xml version="1.0" encoding="utf-8"?>
-<p:notes xmlns:a="http://schemas.openxmlformats.org/drawingml/2006/main" xmlns:r="http://schemas.openxmlformats.org/officeDocument/2006/relationships" xmlns:p="http://schemas.openxmlformats.org/presentationml/2006/main" showMasterSp="0" showMasterPhAnim="0">
-  <p:cSld>
-    <p:spTree>
-      <p:nvGrpSpPr>
-        <p:cNvPr id="1" name="Shape 207"/>
-        <p:cNvGrpSpPr/>
-        <p:nvPr/>
-      </p:nvGrpSpPr>
-      <p:grpSpPr>
-        <a:xfrm>
-          <a:off x="0" y="0"/>
-          <a:ext cx="0" cy="0"/>
-          <a:chOff x="0" y="0"/>
-          <a:chExt cx="0" cy="0"/>
-        </a:xfrm>
-      </p:grpSpPr>
-      <p:sp>
-        <p:nvSpPr>
-          <p:cNvPr id="208" name="Google Shape;208;p18:notes"/>
-          <p:cNvSpPr>
-            <a:spLocks noGrp="1" noRot="1" noChangeAspect="1"/>
-          </p:cNvSpPr>
-          <p:nvPr>
-            <p:ph type="sldImg" idx="2"/>
-          </p:nvPr>
-        </p:nvSpPr>
-        <p:spPr>
-          <a:xfrm>
-            <a:off x="685800" y="1143000"/>
-            <a:ext cx="5486400" cy="3086100"/>
-          </a:xfrm>
-          <a:custGeom>
-            <a:avLst/>
-            <a:gdLst/>
-            <a:ahLst/>
-            <a:cxnLst/>
-            <a:rect l="l" t="t" r="r" b="b"/>
-            <a:pathLst>
-              <a:path w="120000" h="120000" extrusionOk="0">
-                <a:moveTo>
-                  <a:pt x="0" y="0"/>
-                </a:moveTo>
-                <a:lnTo>
-                  <a:pt x="120000" y="0"/>
-                </a:lnTo>
-                <a:lnTo>
-                  <a:pt x="120000" y="120000"/>
-                </a:lnTo>
-                <a:lnTo>
-                  <a:pt x="0" y="120000"/>
-                </a:lnTo>
-                <a:close/>
-              </a:path>
-            </a:pathLst>
-          </a:custGeom>
-          <a:noFill/>
-          <a:ln w="12700" cap="flat" cmpd="sng">
-            <a:solidFill>
-              <a:srgbClr val="000000"/>
-            </a:solidFill>
-            <a:prstDash val="solid"/>
-            <a:round/>
-            <a:headEnd type="none" w="sm" len="sm"/>
-            <a:tailEnd type="none" w="sm" len="sm"/>
-          </a:ln>
-        </p:spPr>
-      </p:sp>
-      <p:sp>
-        <p:nvSpPr>
-          <p:cNvPr id="209" name="Google Shape;209;p18:notes"/>
-          <p:cNvSpPr txBox="1">
-            <a:spLocks noGrp="1"/>
-          </p:cNvSpPr>
-          <p:nvPr>
-            <p:ph type="body" idx="1"/>
-          </p:nvPr>
-        </p:nvSpPr>
-        <p:spPr>
-          <a:xfrm>
-            <a:off x="685800" y="4400550"/>
-            <a:ext cx="5486400" cy="3600450"/>
-          </a:xfrm>
-          <a:prstGeom prst="rect">
-            <a:avLst/>
-          </a:prstGeom>
-          <a:noFill/>
-          <a:ln>
-            <a:noFill/>
-          </a:ln>
-        </p:spPr>
-        <p:txBody>
-          <a:bodyPr spcFirstLastPara="1" wrap="square" lIns="91425" tIns="45700" rIns="91425" bIns="45700" anchor="t" anchorCtr="0">
-            <a:noAutofit/>
-          </a:bodyPr>
-          <a:lstStyle/>
-          <a:p>
-            <a:pPr marL="0" lvl="0" indent="0" algn="l" rtl="0">
-              <a:spcBef>
-                <a:spcPts val="0"/>
-              </a:spcBef>
-              <a:spcAft>
-                <a:spcPts val="0"/>
-              </a:spcAft>
-              <a:buNone/>
-            </a:pPr>
-            <a:endParaRPr/>
-          </a:p>
-        </p:txBody>
-      </p:sp>
-      <p:sp>
-        <p:nvSpPr>
-          <p:cNvPr id="210" name="Google Shape;210;p18:notes"/>
-          <p:cNvSpPr txBox="1">
-            <a:spLocks noGrp="1"/>
-          </p:cNvSpPr>
-          <p:nvPr>
-            <p:ph type="sldNum" idx="12"/>
-          </p:nvPr>
-        </p:nvSpPr>
-        <p:spPr>
-          <a:xfrm>
-            <a:off x="3884613" y="8685213"/>
-            <a:ext cx="2971800" cy="458787"/>
-          </a:xfrm>
-          <a:prstGeom prst="rect">
-            <a:avLst/>
-          </a:prstGeom>
-          <a:noFill/>
-          <a:ln>
-            <a:noFill/>
-          </a:ln>
-        </p:spPr>
-        <p:txBody>
-          <a:bodyPr spcFirstLastPara="1" wrap="square" lIns="91425" tIns="45700" rIns="91425" bIns="45700" anchor="b" anchorCtr="0">
-            <a:noAutofit/>
-          </a:bodyPr>
-          <a:lstStyle/>
-          <a:p>
-            <a:pPr marL="0" lvl="0" indent="0" algn="r" rtl="0">
-              <a:spcBef>
-                <a:spcPts val="0"/>
-              </a:spcBef>
-              <a:spcAft>
-                <a:spcPts val="0"/>
-              </a:spcAft>
-              <a:buNone/>
-            </a:pPr>
-            <a:fld id="{00000000-1234-1234-1234-123412341234}" type="slidenum">
-              <a:rPr lang="en-US"/>
-              <a:t>5</a:t>
-            </a:fld>
-            <a:endParaRPr/>
-          </a:p>
-        </p:txBody>
-      </p:sp>
-    </p:spTree>
-  </p:cSld>
-  <p:clrMapOvr>
-    <a:masterClrMapping/>
-  </p:clrMapOvr>
-</p:notes>
-</file>
-
-<file path=ppt/notesSlides/notesSlide4.xml><?xml version="1.0" encoding="utf-8"?>
-<p:notes xmlns:a="http://schemas.openxmlformats.org/drawingml/2006/main" xmlns:r="http://schemas.openxmlformats.org/officeDocument/2006/relationships" xmlns:p="http://schemas.openxmlformats.org/presentationml/2006/main" showMasterSp="0" showMasterPhAnim="0">
-  <p:cSld>
-    <p:spTree>
-      <p:nvGrpSpPr>
-        <p:cNvPr id="1" name="Shape 224"/>
-        <p:cNvGrpSpPr/>
-        <p:nvPr/>
-      </p:nvGrpSpPr>
-      <p:grpSpPr>
-        <a:xfrm>
-          <a:off x="0" y="0"/>
-          <a:ext cx="0" cy="0"/>
-          <a:chOff x="0" y="0"/>
-          <a:chExt cx="0" cy="0"/>
-        </a:xfrm>
-      </p:grpSpPr>
-      <p:sp>
-        <p:nvSpPr>
-          <p:cNvPr id="225" name="Google Shape;225;p19:notes"/>
-          <p:cNvSpPr txBox="1">
-            <a:spLocks noGrp="1"/>
-          </p:cNvSpPr>
-          <p:nvPr>
-            <p:ph type="body" idx="1"/>
-          </p:nvPr>
-        </p:nvSpPr>
-        <p:spPr>
-          <a:xfrm>
-            <a:off x="685800" y="4400550"/>
-            <a:ext cx="5486400" cy="3600450"/>
-          </a:xfrm>
-          <a:prstGeom prst="rect">
-            <a:avLst/>
-          </a:prstGeom>
-        </p:spPr>
-        <p:txBody>
-          <a:bodyPr spcFirstLastPara="1" wrap="square" lIns="91425" tIns="45700" rIns="91425" bIns="45700" anchor="t" anchorCtr="0">
-            <a:noAutofit/>
-          </a:bodyPr>
-          <a:lstStyle/>
-          <a:p>
-            <a:pPr marL="0" lvl="0" indent="0" algn="l" rtl="0">
-              <a:spcBef>
-                <a:spcPts val="0"/>
-              </a:spcBef>
-              <a:spcAft>
-                <a:spcPts val="0"/>
-              </a:spcAft>
-              <a:buNone/>
-            </a:pPr>
-            <a:endParaRPr/>
-          </a:p>
-        </p:txBody>
-      </p:sp>
-      <p:sp>
-        <p:nvSpPr>
-          <p:cNvPr id="226" name="Google Shape;226;p19:notes"/>
-          <p:cNvSpPr>
-            <a:spLocks noGrp="1" noRot="1" noChangeAspect="1"/>
-          </p:cNvSpPr>
-          <p:nvPr>
-            <p:ph type="sldImg" idx="2"/>
-          </p:nvPr>
-        </p:nvSpPr>
-        <p:spPr>
-          <a:xfrm>
-            <a:off x="685800" y="1143000"/>
-            <a:ext cx="5486400" cy="3086100"/>
-          </a:xfrm>
-          <a:custGeom>
-            <a:avLst/>
-            <a:gdLst/>
-            <a:ahLst/>
-            <a:cxnLst/>
-            <a:rect l="l" t="t" r="r" b="b"/>
-            <a:pathLst>
-              <a:path w="120000" h="120000" extrusionOk="0">
-                <a:moveTo>
-                  <a:pt x="0" y="0"/>
-                </a:moveTo>
-                <a:lnTo>
-                  <a:pt x="120000" y="0"/>
-                </a:lnTo>
-                <a:lnTo>
-                  <a:pt x="120000" y="120000"/>
-                </a:lnTo>
-                <a:lnTo>
-                  <a:pt x="0" y="120000"/>
-                </a:lnTo>
-                <a:close/>
-              </a:path>
-            </a:pathLst>
-          </a:custGeom>
-        </p:spPr>
-      </p:sp>
-    </p:spTree>
-  </p:cSld>
-  <p:clrMapOvr>
-    <a:masterClrMapping/>
-  </p:clrMapOvr>
-</p:notes>
-</file>
-
-<file path=ppt/notesSlides/notesSlide5.xml><?xml version="1.0" encoding="utf-8"?>
-<p:notes xmlns:a="http://schemas.openxmlformats.org/drawingml/2006/main" xmlns:r="http://schemas.openxmlformats.org/officeDocument/2006/relationships" xmlns:p="http://schemas.openxmlformats.org/presentationml/2006/main" showMasterSp="0" showMasterPhAnim="0">
-  <p:cSld>
-    <p:spTree>
-      <p:nvGrpSpPr>
-        <p:cNvPr id="1" name="Shape 238"/>
-        <p:cNvGrpSpPr/>
-        <p:nvPr/>
-      </p:nvGrpSpPr>
-      <p:grpSpPr>
-        <a:xfrm>
-          <a:off x="0" y="0"/>
-          <a:ext cx="0" cy="0"/>
-          <a:chOff x="0" y="0"/>
-          <a:chExt cx="0" cy="0"/>
-        </a:xfrm>
-      </p:grpSpPr>
-      <p:sp>
-        <p:nvSpPr>
-          <p:cNvPr id="239" name="Google Shape;239;p20:notes"/>
-          <p:cNvSpPr txBox="1">
-            <a:spLocks noGrp="1"/>
-          </p:cNvSpPr>
-          <p:nvPr>
-            <p:ph type="body" idx="1"/>
-          </p:nvPr>
-        </p:nvSpPr>
-        <p:spPr>
-          <a:xfrm>
-            <a:off x="685800" y="4400550"/>
-            <a:ext cx="5486400" cy="3600450"/>
-          </a:xfrm>
-          <a:prstGeom prst="rect">
-            <a:avLst/>
-          </a:prstGeom>
-        </p:spPr>
-        <p:txBody>
-          <a:bodyPr spcFirstLastPara="1" wrap="square" lIns="91425" tIns="45700" rIns="91425" bIns="45700" anchor="t" anchorCtr="0">
-            <a:noAutofit/>
-          </a:bodyPr>
-          <a:lstStyle/>
-          <a:p>
-            <a:pPr marL="0" lvl="0" indent="0" algn="l" rtl="0">
-              <a:spcBef>
-                <a:spcPts val="0"/>
-              </a:spcBef>
-              <a:spcAft>
-                <a:spcPts val="0"/>
-              </a:spcAft>
-              <a:buNone/>
-            </a:pPr>
-            <a:endParaRPr/>
-          </a:p>
-        </p:txBody>
-      </p:sp>
-      <p:sp>
-        <p:nvSpPr>
-          <p:cNvPr id="240" name="Google Shape;240;p20:notes"/>
-          <p:cNvSpPr>
-            <a:spLocks noGrp="1" noRot="1" noChangeAspect="1"/>
-          </p:cNvSpPr>
-          <p:nvPr>
-            <p:ph type="sldImg" idx="2"/>
-          </p:nvPr>
-        </p:nvSpPr>
-        <p:spPr>
-          <a:xfrm>
-            <a:off x="685800" y="1143000"/>
-            <a:ext cx="5486400" cy="3086100"/>
-          </a:xfrm>
-          <a:custGeom>
-            <a:avLst/>
-            <a:gdLst/>
-            <a:ahLst/>
-            <a:cxnLst/>
-            <a:rect l="l" t="t" r="r" b="b"/>
-            <a:pathLst>
-              <a:path w="120000" h="120000" extrusionOk="0">
-                <a:moveTo>
-                  <a:pt x="0" y="0"/>
-                </a:moveTo>
-                <a:lnTo>
-                  <a:pt x="120000" y="0"/>
-                </a:lnTo>
-                <a:lnTo>
-                  <a:pt x="120000" y="120000"/>
-                </a:lnTo>
-                <a:lnTo>
-                  <a:pt x="0" y="120000"/>
-                </a:lnTo>
-                <a:close/>
-              </a:path>
-            </a:pathLst>
-          </a:custGeom>
-        </p:spPr>
-      </p:sp>
-    </p:spTree>
-  </p:cSld>
-  <p:clrMapOvr>
-    <a:masterClrMapping/>
-  </p:clrMapOvr>
-</p:notes>
-</file>
-
-<file path=ppt/notesSlides/notesSlide6.xml><?xml version="1.0" encoding="utf-8"?>
-<p:notes xmlns:a="http://schemas.openxmlformats.org/drawingml/2006/main" xmlns:r="http://schemas.openxmlformats.org/officeDocument/2006/relationships" xmlns:p="http://schemas.openxmlformats.org/presentationml/2006/main" showMasterSp="0" showMasterPhAnim="0">
-  <p:cSld>
-    <p:spTree>
-      <p:nvGrpSpPr>
-        <p:cNvPr id="1" name="Shape 244"/>
-        <p:cNvGrpSpPr/>
-        <p:nvPr/>
-      </p:nvGrpSpPr>
-      <p:grpSpPr>
-        <a:xfrm>
-          <a:off x="0" y="0"/>
-          <a:ext cx="0" cy="0"/>
-          <a:chOff x="0" y="0"/>
-          <a:chExt cx="0" cy="0"/>
-        </a:xfrm>
-      </p:grpSpPr>
-      <p:sp>
-        <p:nvSpPr>
-          <p:cNvPr id="245" name="Google Shape;245;p22:notes"/>
-          <p:cNvSpPr txBox="1">
-            <a:spLocks noGrp="1"/>
-          </p:cNvSpPr>
-          <p:nvPr>
-            <p:ph type="body" idx="1"/>
-          </p:nvPr>
-        </p:nvSpPr>
-        <p:spPr>
-          <a:xfrm>
-            <a:off x="685800" y="4400550"/>
-            <a:ext cx="5486400" cy="3600450"/>
-          </a:xfrm>
-          <a:prstGeom prst="rect">
-            <a:avLst/>
-          </a:prstGeom>
-        </p:spPr>
-        <p:txBody>
-          <a:bodyPr spcFirstLastPara="1" wrap="square" lIns="91425" tIns="45700" rIns="91425" bIns="45700" anchor="t" anchorCtr="0">
-            <a:noAutofit/>
-          </a:bodyPr>
-          <a:lstStyle/>
-          <a:p>
-            <a:pPr marL="0" lvl="0" indent="0" algn="l" rtl="0">
-              <a:spcBef>
-                <a:spcPts val="0"/>
-              </a:spcBef>
-              <a:spcAft>
-                <a:spcPts val="0"/>
-              </a:spcAft>
-              <a:buNone/>
-            </a:pPr>
-            <a:endParaRPr/>
-          </a:p>
-        </p:txBody>
-      </p:sp>
-      <p:sp>
-        <p:nvSpPr>
-          <p:cNvPr id="246" name="Google Shape;246;p22:notes"/>
-          <p:cNvSpPr>
-            <a:spLocks noGrp="1" noRot="1" noChangeAspect="1"/>
-          </p:cNvSpPr>
-          <p:nvPr>
-            <p:ph type="sldImg" idx="2"/>
-          </p:nvPr>
-        </p:nvSpPr>
-        <p:spPr>
-          <a:xfrm>
-            <a:off x="685800" y="1143000"/>
-            <a:ext cx="5486400" cy="3086100"/>
-          </a:xfrm>
-          <a:custGeom>
-            <a:avLst/>
-            <a:gdLst/>
-            <a:ahLst/>
-            <a:cxnLst/>
-            <a:rect l="l" t="t" r="r" b="b"/>
-            <a:pathLst>
-              <a:path w="120000" h="120000" extrusionOk="0">
-                <a:moveTo>
-                  <a:pt x="0" y="0"/>
-                </a:moveTo>
-                <a:lnTo>
-                  <a:pt x="120000" y="0"/>
-                </a:lnTo>
-                <a:lnTo>
-                  <a:pt x="120000" y="120000"/>
-                </a:lnTo>
-                <a:lnTo>
-                  <a:pt x="0" y="120000"/>
-                </a:lnTo>
-                <a:close/>
-              </a:path>
-            </a:pathLst>
-          </a:custGeom>
-        </p:spPr>
-      </p:sp>
-    </p:spTree>
-  </p:cSld>
-  <p:clrMapOvr>
-    <a:masterClrMapping/>
-  </p:clrMapOvr>
-</p:notes>
-</file>
-
-<file path=ppt/notesSlides/notesSlide7.xml><?xml version="1.0" encoding="utf-8"?>
-<p:notes xmlns:a="http://schemas.openxmlformats.org/drawingml/2006/main" xmlns:r="http://schemas.openxmlformats.org/officeDocument/2006/relationships" xmlns:p="http://schemas.openxmlformats.org/presentationml/2006/main" showMasterSp="0" showMasterPhAnim="0">
-  <p:cSld>
-    <p:spTree>
-      <p:nvGrpSpPr>
         <p:cNvPr id="1" name="Shape 160"/>
         <p:cNvGrpSpPr/>
         <p:nvPr/>
@@ -17800,651 +17215,6 @@
       </p:grpSpPr>
       <p:sp>
         <p:nvSpPr>
-          <p:cNvPr id="8194" name="Rectangle 2"/>
-          <p:cNvSpPr>
-            <a:spLocks noGrp="1" noChangeArrowheads="1"/>
-          </p:cNvSpPr>
-          <p:nvPr>
-            <p:ph type="title"/>
-          </p:nvPr>
-        </p:nvSpPr>
-        <p:spPr/>
-        <p:txBody>
-          <a:bodyPr/>
-          <a:lstStyle/>
-          <a:p>
-            <a:r>
-              <a:rPr lang="en-US" altLang="en-US" dirty="0"/>
-              <a:t> Working with Your Project Team</a:t>
-            </a:r>
-          </a:p>
-        </p:txBody>
-      </p:sp>
-      <p:sp>
-        <p:nvSpPr>
-          <p:cNvPr id="8195" name="Rectangle 3"/>
-          <p:cNvSpPr>
-            <a:spLocks noGrp="1" noChangeArrowheads="1"/>
-          </p:cNvSpPr>
-          <p:nvPr>
-            <p:ph type="body" idx="1"/>
-          </p:nvPr>
-        </p:nvSpPr>
-        <p:spPr/>
-        <p:txBody>
-          <a:bodyPr/>
-          <a:lstStyle/>
-          <a:p>
-            <a:pPr>
-              <a:lnSpc>
-                <a:spcPct val="150000"/>
-              </a:lnSpc>
-            </a:pPr>
-            <a:r>
-              <a:rPr lang="en-US" altLang="en-US" dirty="0"/>
-              <a:t>Spend some time up front figuring out how to work as a team and work styles</a:t>
-            </a:r>
-            <a:br>
-              <a:rPr lang="en-US" altLang="en-US" dirty="0"/>
-            </a:br>
-            <a:endParaRPr lang="en-US" altLang="en-US" dirty="0"/>
-          </a:p>
-          <a:p>
-            <a:pPr>
-              <a:lnSpc>
-                <a:spcPct val="150000"/>
-              </a:lnSpc>
-            </a:pPr>
-            <a:r>
-              <a:rPr lang="en-US" altLang="en-US" dirty="0"/>
-              <a:t>Everyone should participate in </a:t>
-            </a:r>
-            <a:r>
-              <a:rPr lang="en-US" altLang="en-US" b="1" dirty="0">
-                <a:solidFill>
-                  <a:srgbClr val="FF0000"/>
-                </a:solidFill>
-              </a:rPr>
-              <a:t>all</a:t>
-            </a:r>
-            <a:r>
-              <a:rPr lang="en-US" altLang="en-US" dirty="0"/>
-              <a:t> aspects of project</a:t>
-            </a:r>
-          </a:p>
-          <a:p>
-            <a:pPr lvl="1">
-              <a:lnSpc>
-                <a:spcPct val="100000"/>
-              </a:lnSpc>
-            </a:pPr>
-            <a:r>
-              <a:rPr lang="en-US" altLang="en-US" dirty="0"/>
-              <a:t>No individual should do the majority of the coding, report writing, etc.</a:t>
-            </a:r>
-            <a:br>
-              <a:rPr lang="en-US" altLang="en-US" dirty="0"/>
-            </a:br>
-            <a:br>
-              <a:rPr lang="en-US" altLang="en-US" dirty="0"/>
-            </a:br>
-            <a:endParaRPr lang="en-US" altLang="en-US" dirty="0"/>
-          </a:p>
-          <a:p>
-            <a:pPr>
-              <a:lnSpc>
-                <a:spcPct val="150000"/>
-              </a:lnSpc>
-            </a:pPr>
-            <a:r>
-              <a:rPr lang="en-US" altLang="en-US" dirty="0"/>
-              <a:t>However, you should divide up different pieces of the work</a:t>
-            </a:r>
-          </a:p>
-          <a:p>
-            <a:pPr lvl="1">
-              <a:lnSpc>
-                <a:spcPct val="100000"/>
-              </a:lnSpc>
-            </a:pPr>
-            <a:r>
-              <a:rPr lang="en-US" altLang="en-US" dirty="0"/>
-              <a:t>For instance, working on different parts of the pipeline code in parallel or splitting up sections of the report</a:t>
-            </a:r>
-          </a:p>
-        </p:txBody>
-      </p:sp>
-    </p:spTree>
-    <p:extLst>
-      <p:ext uri="{BB962C8B-B14F-4D97-AF65-F5344CB8AC3E}">
-        <p14:creationId xmlns:p14="http://schemas.microsoft.com/office/powerpoint/2010/main" val="3853540615"/>
-      </p:ext>
-    </p:extLst>
-  </p:cSld>
-  <p:clrMapOvr>
-    <a:masterClrMapping/>
-  </p:clrMapOvr>
-</p:sld>
-</file>
-
-<file path=ppt/slides/slide11.xml><?xml version="1.0" encoding="utf-8"?>
-<p:sld xmlns:a="http://schemas.openxmlformats.org/drawingml/2006/main" xmlns:r="http://schemas.openxmlformats.org/officeDocument/2006/relationships" xmlns:p="http://schemas.openxmlformats.org/presentationml/2006/main">
-  <p:cSld>
-    <p:spTree>
-      <p:nvGrpSpPr>
-        <p:cNvPr id="1" name=""/>
-        <p:cNvGrpSpPr/>
-        <p:nvPr/>
-      </p:nvGrpSpPr>
-      <p:grpSpPr>
-        <a:xfrm>
-          <a:off x="0" y="0"/>
-          <a:ext cx="0" cy="0"/>
-          <a:chOff x="0" y="0"/>
-          <a:chExt cx="0" cy="0"/>
-        </a:xfrm>
-      </p:grpSpPr>
-      <p:sp>
-        <p:nvSpPr>
-          <p:cNvPr id="8194" name="Rectangle 2"/>
-          <p:cNvSpPr>
-            <a:spLocks noGrp="1" noChangeArrowheads="1"/>
-          </p:cNvSpPr>
-          <p:nvPr>
-            <p:ph type="title"/>
-          </p:nvPr>
-        </p:nvSpPr>
-        <p:spPr/>
-        <p:txBody>
-          <a:bodyPr/>
-          <a:lstStyle/>
-          <a:p>
-            <a:r>
-              <a:rPr lang="en-US" altLang="en-US" dirty="0"/>
-              <a:t> Working with Your Project Team</a:t>
-            </a:r>
-          </a:p>
-        </p:txBody>
-      </p:sp>
-      <p:sp>
-        <p:nvSpPr>
-          <p:cNvPr id="8195" name="Rectangle 3"/>
-          <p:cNvSpPr>
-            <a:spLocks noGrp="1" noChangeArrowheads="1"/>
-          </p:cNvSpPr>
-          <p:nvPr>
-            <p:ph type="body" idx="1"/>
-          </p:nvPr>
-        </p:nvSpPr>
-        <p:spPr>
-          <a:xfrm>
-            <a:off x="207750" y="1548990"/>
-            <a:ext cx="11776400" cy="4555200"/>
-          </a:xfrm>
-        </p:spPr>
-        <p:txBody>
-          <a:bodyPr/>
-          <a:lstStyle/>
-          <a:p>
-            <a:pPr>
-              <a:lnSpc>
-                <a:spcPct val="150000"/>
-              </a:lnSpc>
-            </a:pPr>
-            <a:r>
-              <a:rPr lang="en-US" altLang="en-US" dirty="0"/>
-              <a:t>We’re providing class time to make it easier to coordinate with your group and get feedback from peers and instructors, but you won’t be able to complete the project just in this allotted time</a:t>
-            </a:r>
-            <a:br>
-              <a:rPr lang="en-US" altLang="en-US" dirty="0"/>
-            </a:br>
-            <a:endParaRPr lang="en-US" altLang="en-US" dirty="0"/>
-          </a:p>
-          <a:p>
-            <a:pPr>
-              <a:lnSpc>
-                <a:spcPct val="150000"/>
-              </a:lnSpc>
-            </a:pPr>
-            <a:r>
-              <a:rPr lang="en-US" altLang="en-US" dirty="0"/>
-              <a:t>Tools for coordination:</a:t>
-            </a:r>
-          </a:p>
-          <a:p>
-            <a:pPr lvl="1">
-              <a:lnSpc>
-                <a:spcPct val="150000"/>
-              </a:lnSpc>
-            </a:pPr>
-            <a:r>
-              <a:rPr lang="en-US" altLang="en-US" dirty="0"/>
-              <a:t>Slack: we’ll create group-level and project-level channels. Additionally, feel free to use group DMs and video calls with your group to coordinate as well.</a:t>
-            </a:r>
-          </a:p>
-          <a:p>
-            <a:pPr lvl="1">
-              <a:lnSpc>
-                <a:spcPct val="150000"/>
-              </a:lnSpc>
-            </a:pPr>
-            <a:r>
-              <a:rPr lang="en-US" altLang="en-US" dirty="0"/>
-              <a:t>Many good free options for task tracking/management: </a:t>
-            </a:r>
-            <a:r>
-              <a:rPr lang="en-US" altLang="en-US" dirty="0" err="1"/>
-              <a:t>github</a:t>
-            </a:r>
-            <a:r>
-              <a:rPr lang="en-US" altLang="en-US" dirty="0"/>
-              <a:t> issues or project boards, </a:t>
-            </a:r>
-            <a:r>
-              <a:rPr lang="en-US" altLang="en-US" dirty="0" err="1"/>
-              <a:t>trello</a:t>
-            </a:r>
-            <a:r>
-              <a:rPr lang="en-US" altLang="en-US" dirty="0"/>
-              <a:t>, etc.</a:t>
-            </a:r>
-          </a:p>
-        </p:txBody>
-      </p:sp>
-    </p:spTree>
-    <p:extLst>
-      <p:ext uri="{BB962C8B-B14F-4D97-AF65-F5344CB8AC3E}">
-        <p14:creationId xmlns:p14="http://schemas.microsoft.com/office/powerpoint/2010/main" val="2143740766"/>
-      </p:ext>
-    </p:extLst>
-  </p:cSld>
-  <p:clrMapOvr>
-    <a:masterClrMapping/>
-  </p:clrMapOvr>
-</p:sld>
-</file>
-
-<file path=ppt/slides/slide12.xml><?xml version="1.0" encoding="utf-8"?>
-<p:sld xmlns:a="http://schemas.openxmlformats.org/drawingml/2006/main" xmlns:r="http://schemas.openxmlformats.org/officeDocument/2006/relationships" xmlns:p="http://schemas.openxmlformats.org/presentationml/2006/main">
-  <p:cSld>
-    <p:spTree>
-      <p:nvGrpSpPr>
-        <p:cNvPr id="1" name=""/>
-        <p:cNvGrpSpPr/>
-        <p:nvPr/>
-      </p:nvGrpSpPr>
-      <p:grpSpPr>
-        <a:xfrm>
-          <a:off x="0" y="0"/>
-          <a:ext cx="0" cy="0"/>
-          <a:chOff x="0" y="0"/>
-          <a:chExt cx="0" cy="0"/>
-        </a:xfrm>
-      </p:grpSpPr>
-      <p:sp>
-        <p:nvSpPr>
-          <p:cNvPr id="8194" name="Rectangle 2"/>
-          <p:cNvSpPr>
-            <a:spLocks noGrp="1" noChangeArrowheads="1"/>
-          </p:cNvSpPr>
-          <p:nvPr>
-            <p:ph type="title"/>
-          </p:nvPr>
-        </p:nvSpPr>
-        <p:spPr/>
-        <p:txBody>
-          <a:bodyPr/>
-          <a:lstStyle/>
-          <a:p>
-            <a:r>
-              <a:rPr lang="en-US" altLang="en-US" dirty="0"/>
-              <a:t> Working with Your Project Team</a:t>
-            </a:r>
-          </a:p>
-        </p:txBody>
-      </p:sp>
-      <p:sp>
-        <p:nvSpPr>
-          <p:cNvPr id="8195" name="Rectangle 3"/>
-          <p:cNvSpPr>
-            <a:spLocks noGrp="1" noChangeArrowheads="1"/>
-          </p:cNvSpPr>
-          <p:nvPr>
-            <p:ph type="body" idx="1"/>
-          </p:nvPr>
-        </p:nvSpPr>
-        <p:spPr>
-          <a:xfrm>
-            <a:off x="207750" y="1548990"/>
-            <a:ext cx="11776400" cy="4555200"/>
-          </a:xfrm>
-        </p:spPr>
-        <p:txBody>
-          <a:bodyPr/>
-          <a:lstStyle/>
-          <a:p>
-            <a:pPr>
-              <a:lnSpc>
-                <a:spcPct val="150000"/>
-              </a:lnSpc>
-            </a:pPr>
-            <a:r>
-              <a:rPr lang="en-US" altLang="en-US" dirty="0"/>
-              <a:t>Active participation in the group work throughout the entire semester is required by all the team members, and a very large component of your grade</a:t>
-            </a:r>
-            <a:br>
-              <a:rPr lang="en-US" altLang="en-US" dirty="0"/>
-            </a:br>
-            <a:endParaRPr lang="en-US" altLang="en-US" dirty="0"/>
-          </a:p>
-          <a:p>
-            <a:pPr>
-              <a:lnSpc>
-                <a:spcPct val="150000"/>
-              </a:lnSpc>
-            </a:pPr>
-            <a:r>
-              <a:rPr lang="en-US" altLang="en-US" dirty="0"/>
-              <a:t>Collaboration is encouraged, both within and across teams! Learning from each others’ strengths is a big benefit of group work, and you should feel free to discuss strategies and approaches with other teams (i.e., it’s not a competition)</a:t>
-            </a:r>
-            <a:br>
-              <a:rPr lang="en-US" altLang="en-US" dirty="0"/>
-            </a:br>
-            <a:endParaRPr lang="en-US" altLang="en-US" dirty="0"/>
-          </a:p>
-          <a:p>
-            <a:pPr>
-              <a:lnSpc>
-                <a:spcPct val="150000"/>
-              </a:lnSpc>
-            </a:pPr>
-            <a:r>
-              <a:rPr lang="en-US" altLang="en-US" dirty="0"/>
-              <a:t>Pacing your work is important. You won’t be able to do everything the week before the final report, and if everyone tries to, you’ll break the server.</a:t>
-            </a:r>
-          </a:p>
-        </p:txBody>
-      </p:sp>
-    </p:spTree>
-    <p:extLst>
-      <p:ext uri="{BB962C8B-B14F-4D97-AF65-F5344CB8AC3E}">
-        <p14:creationId xmlns:p14="http://schemas.microsoft.com/office/powerpoint/2010/main" val="2457927461"/>
-      </p:ext>
-    </p:extLst>
-  </p:cSld>
-  <p:clrMapOvr>
-    <a:masterClrMapping/>
-  </p:clrMapOvr>
-</p:sld>
-</file>
-
-<file path=ppt/slides/slide13.xml><?xml version="1.0" encoding="utf-8"?>
-<p:sld xmlns:a="http://schemas.openxmlformats.org/drawingml/2006/main" xmlns:r="http://schemas.openxmlformats.org/officeDocument/2006/relationships" xmlns:p="http://schemas.openxmlformats.org/presentationml/2006/main">
-  <p:cSld>
-    <p:spTree>
-      <p:nvGrpSpPr>
-        <p:cNvPr id="1" name=""/>
-        <p:cNvGrpSpPr/>
-        <p:nvPr/>
-      </p:nvGrpSpPr>
-      <p:grpSpPr>
-        <a:xfrm>
-          <a:off x="0" y="0"/>
-          <a:ext cx="0" cy="0"/>
-          <a:chOff x="0" y="0"/>
-          <a:chExt cx="0" cy="0"/>
-        </a:xfrm>
-      </p:grpSpPr>
-      <p:sp>
-        <p:nvSpPr>
-          <p:cNvPr id="2" name="Title 1">
-            <a:extLst>
-              <a:ext uri="{FF2B5EF4-FFF2-40B4-BE49-F238E27FC236}">
-                <a16:creationId xmlns:a16="http://schemas.microsoft.com/office/drawing/2014/main" id="{94CF2A94-A63F-6149-AA28-2E35B60E3D3E}"/>
-              </a:ext>
-            </a:extLst>
-          </p:cNvPr>
-          <p:cNvSpPr>
-            <a:spLocks noGrp="1"/>
-          </p:cNvSpPr>
-          <p:nvPr>
-            <p:ph type="title"/>
-          </p:nvPr>
-        </p:nvSpPr>
-        <p:spPr/>
-        <p:txBody>
-          <a:bodyPr/>
-          <a:lstStyle/>
-          <a:p>
-            <a:endParaRPr lang="en-US"/>
-          </a:p>
-        </p:txBody>
-      </p:sp>
-      <p:graphicFrame>
-        <p:nvGraphicFramePr>
-          <p:cNvPr id="3" name="Diagram 2">
-            <a:extLst>
-              <a:ext uri="{FF2B5EF4-FFF2-40B4-BE49-F238E27FC236}">
-                <a16:creationId xmlns:a16="http://schemas.microsoft.com/office/drawing/2014/main" id="{8E902576-68A9-6E48-B0FE-5B1889953DC8}"/>
-              </a:ext>
-            </a:extLst>
-          </p:cNvPr>
-          <p:cNvGraphicFramePr/>
-          <p:nvPr>
-            <p:extLst>
-              <p:ext uri="{D42A27DB-BD31-4B8C-83A1-F6EECF244321}">
-                <p14:modId xmlns:p14="http://schemas.microsoft.com/office/powerpoint/2010/main" val="1737878827"/>
-              </p:ext>
-            </p:extLst>
-          </p:nvPr>
-        </p:nvGraphicFramePr>
-        <p:xfrm>
-          <a:off x="180467" y="0"/>
-          <a:ext cx="11776400" cy="6858000"/>
-        </p:xfrm>
-        <a:graphic>
-          <a:graphicData uri="http://schemas.openxmlformats.org/drawingml/2006/diagram">
-            <dgm:relIds xmlns:dgm="http://schemas.openxmlformats.org/drawingml/2006/diagram" xmlns:r="http://schemas.openxmlformats.org/officeDocument/2006/relationships" r:dm="rId2" r:lo="rId3" r:qs="rId4" r:cs="rId5"/>
-          </a:graphicData>
-        </a:graphic>
-      </p:graphicFrame>
-      <p:sp>
-        <p:nvSpPr>
-          <p:cNvPr id="4" name="Rectangle 3">
-            <a:extLst>
-              <a:ext uri="{FF2B5EF4-FFF2-40B4-BE49-F238E27FC236}">
-                <a16:creationId xmlns:a16="http://schemas.microsoft.com/office/drawing/2014/main" id="{E2C99BF2-C81A-5246-89D3-E49BCDCAD699}"/>
-              </a:ext>
-            </a:extLst>
-          </p:cNvPr>
-          <p:cNvSpPr/>
-          <p:nvPr/>
-        </p:nvSpPr>
-        <p:spPr>
-          <a:xfrm>
-            <a:off x="3226525" y="274320"/>
-            <a:ext cx="2534195" cy="1789611"/>
-          </a:xfrm>
-          <a:prstGeom prst="rect">
-            <a:avLst/>
-          </a:prstGeom>
-          <a:noFill/>
-          <a:ln w="76200">
-            <a:solidFill>
-              <a:srgbClr val="C00000"/>
-            </a:solidFill>
-          </a:ln>
-        </p:spPr>
-        <p:style>
-          <a:lnRef idx="2">
-            <a:schemeClr val="accent1">
-              <a:shade val="50000"/>
-            </a:schemeClr>
-          </a:lnRef>
-          <a:fillRef idx="1">
-            <a:schemeClr val="accent1"/>
-          </a:fillRef>
-          <a:effectRef idx="0">
-            <a:schemeClr val="accent1"/>
-          </a:effectRef>
-          <a:fontRef idx="minor">
-            <a:schemeClr val="lt1"/>
-          </a:fontRef>
-        </p:style>
-        <p:txBody>
-          <a:bodyPr rtlCol="0" anchor="ctr"/>
-          <a:lstStyle/>
-          <a:p>
-            <a:pPr algn="ctr"/>
-            <a:endParaRPr lang="en-US"/>
-          </a:p>
-        </p:txBody>
-      </p:sp>
-    </p:spTree>
-    <p:extLst>
-      <p:ext uri="{BB962C8B-B14F-4D97-AF65-F5344CB8AC3E}">
-        <p14:creationId xmlns:p14="http://schemas.microsoft.com/office/powerpoint/2010/main" val="2624855364"/>
-      </p:ext>
-    </p:extLst>
-  </p:cSld>
-  <p:clrMapOvr>
-    <a:masterClrMapping/>
-  </p:clrMapOvr>
-</p:sld>
-</file>
-
-<file path=ppt/slides/slide14.xml><?xml version="1.0" encoding="utf-8"?>
-<p:sld xmlns:a="http://schemas.openxmlformats.org/drawingml/2006/main" xmlns:r="http://schemas.openxmlformats.org/officeDocument/2006/relationships" xmlns:p="http://schemas.openxmlformats.org/presentationml/2006/main">
-  <p:cSld>
-    <p:spTree>
-      <p:nvGrpSpPr>
-        <p:cNvPr id="1" name=""/>
-        <p:cNvGrpSpPr/>
-        <p:nvPr/>
-      </p:nvGrpSpPr>
-      <p:grpSpPr>
-        <a:xfrm>
-          <a:off x="0" y="0"/>
-          <a:ext cx="0" cy="0"/>
-          <a:chOff x="0" y="0"/>
-          <a:chExt cx="0" cy="0"/>
-        </a:xfrm>
-      </p:grpSpPr>
-      <p:sp>
-        <p:nvSpPr>
-          <p:cNvPr id="2" name="Title 1">
-            <a:extLst>
-              <a:ext uri="{FF2B5EF4-FFF2-40B4-BE49-F238E27FC236}">
-                <a16:creationId xmlns:a16="http://schemas.microsoft.com/office/drawing/2014/main" id="{21359BA9-BA2B-D148-89DA-A99081B1FF81}"/>
-              </a:ext>
-            </a:extLst>
-          </p:cNvPr>
-          <p:cNvSpPr>
-            <a:spLocks noGrp="1"/>
-          </p:cNvSpPr>
-          <p:nvPr>
-            <p:ph type="title"/>
-          </p:nvPr>
-        </p:nvSpPr>
-        <p:spPr/>
-        <p:txBody>
-          <a:bodyPr/>
-          <a:lstStyle/>
-          <a:p>
-            <a:r>
-              <a:rPr lang="en-US" dirty="0"/>
-              <a:t>Challenges</a:t>
-            </a:r>
-          </a:p>
-        </p:txBody>
-      </p:sp>
-      <p:sp>
-        <p:nvSpPr>
-          <p:cNvPr id="3" name="Text Placeholder 2">
-            <a:extLst>
-              <a:ext uri="{FF2B5EF4-FFF2-40B4-BE49-F238E27FC236}">
-                <a16:creationId xmlns:a16="http://schemas.microsoft.com/office/drawing/2014/main" id="{DDA03E0F-5F3D-5B4D-8232-BF72B84A198E}"/>
-              </a:ext>
-            </a:extLst>
-          </p:cNvPr>
-          <p:cNvSpPr>
-            <a:spLocks noGrp="1"/>
-          </p:cNvSpPr>
-          <p:nvPr>
-            <p:ph type="body" idx="1"/>
-          </p:nvPr>
-        </p:nvSpPr>
-        <p:spPr/>
-        <p:txBody>
-          <a:bodyPr/>
-          <a:lstStyle/>
-          <a:p>
-            <a:r>
-              <a:rPr lang="en-US" dirty="0"/>
-              <a:t>Political</a:t>
-            </a:r>
-          </a:p>
-          <a:p>
-            <a:r>
-              <a:rPr lang="en-US" dirty="0"/>
-              <a:t>Internal Awareness</a:t>
-            </a:r>
-          </a:p>
-          <a:p>
-            <a:r>
-              <a:rPr lang="en-US" dirty="0"/>
-              <a:t>Legal/Contractual</a:t>
-            </a:r>
-          </a:p>
-          <a:p>
-            <a:r>
-              <a:rPr lang="en-US" dirty="0"/>
-              <a:t>Ethical</a:t>
-            </a:r>
-          </a:p>
-          <a:p>
-            <a:r>
-              <a:rPr lang="en-US" dirty="0"/>
-              <a:t>Technical</a:t>
-            </a:r>
-          </a:p>
-          <a:p>
-            <a:endParaRPr lang="en-US" dirty="0"/>
-          </a:p>
-        </p:txBody>
-      </p:sp>
-    </p:spTree>
-    <p:extLst>
-      <p:ext uri="{BB962C8B-B14F-4D97-AF65-F5344CB8AC3E}">
-        <p14:creationId xmlns:p14="http://schemas.microsoft.com/office/powerpoint/2010/main" val="1721185332"/>
-      </p:ext>
-    </p:extLst>
-  </p:cSld>
-  <p:clrMapOvr>
-    <a:masterClrMapping/>
-  </p:clrMapOvr>
-</p:sld>
-</file>
-
-<file path=ppt/slides/slide15.xml><?xml version="1.0" encoding="utf-8"?>
-<p:sld xmlns:a="http://schemas.openxmlformats.org/drawingml/2006/main" xmlns:r="http://schemas.openxmlformats.org/officeDocument/2006/relationships" xmlns:p="http://schemas.openxmlformats.org/presentationml/2006/main">
-  <p:cSld>
-    <p:spTree>
-      <p:nvGrpSpPr>
-        <p:cNvPr id="1" name=""/>
-        <p:cNvGrpSpPr/>
-        <p:nvPr/>
-      </p:nvGrpSpPr>
-      <p:grpSpPr>
-        <a:xfrm>
-          <a:off x="0" y="0"/>
-          <a:ext cx="0" cy="0"/>
-          <a:chOff x="0" y="0"/>
-          <a:chExt cx="0" cy="0"/>
-        </a:xfrm>
-      </p:grpSpPr>
-      <p:sp>
-        <p:nvSpPr>
           <p:cNvPr id="2" name="Title 1">
             <a:extLst>
               <a:ext uri="{FF2B5EF4-FFF2-40B4-BE49-F238E27FC236}">
@@ -18586,7 +17356,7 @@
 </p:sld>
 </file>
 
-<file path=ppt/slides/slide16.xml><?xml version="1.0" encoding="utf-8"?>
+<file path=ppt/slides/slide11.xml><?xml version="1.0" encoding="utf-8"?>
 <p:sld xmlns:a="http://schemas.openxmlformats.org/drawingml/2006/main" xmlns:r="http://schemas.openxmlformats.org/officeDocument/2006/relationships" xmlns:p="http://schemas.openxmlformats.org/presentationml/2006/main">
   <p:cSld>
     <p:spTree>
@@ -18696,7 +17466,7 @@
 </p:sld>
 </file>
 
-<file path=ppt/slides/slide17.xml><?xml version="1.0" encoding="utf-8"?>
+<file path=ppt/slides/slide12.xml><?xml version="1.0" encoding="utf-8"?>
 <p:sld xmlns:a="http://schemas.openxmlformats.org/drawingml/2006/main" xmlns:r="http://schemas.openxmlformats.org/officeDocument/2006/relationships" xmlns:p="http://schemas.openxmlformats.org/presentationml/2006/main">
   <p:cSld>
     <p:spTree>
@@ -18816,7 +17586,7 @@
 </p:sld>
 </file>
 
-<file path=ppt/slides/slide18.xml><?xml version="1.0" encoding="utf-8"?>
+<file path=ppt/slides/slide13.xml><?xml version="1.0" encoding="utf-8"?>
 <p:sld xmlns:a="http://schemas.openxmlformats.org/drawingml/2006/main" xmlns:r="http://schemas.openxmlformats.org/officeDocument/2006/relationships" xmlns:p="http://schemas.openxmlformats.org/presentationml/2006/main">
   <p:cSld>
     <p:spTree>
@@ -18938,7 +17708,7 @@
 </p:sld>
 </file>
 
-<file path=ppt/slides/slide19.xml><?xml version="1.0" encoding="utf-8"?>
+<file path=ppt/slides/slide14.xml><?xml version="1.0" encoding="utf-8"?>
 <p:sld xmlns:a="http://schemas.openxmlformats.org/drawingml/2006/main" xmlns:r="http://schemas.openxmlformats.org/officeDocument/2006/relationships" xmlns:p="http://schemas.openxmlformats.org/presentationml/2006/main">
   <p:cSld>
     <p:spTree>
@@ -19072,170 +17842,7 @@
 </p:sld>
 </file>
 
-<file path=ppt/slides/slide2.xml><?xml version="1.0" encoding="utf-8"?>
-<p:sld xmlns:a="http://schemas.openxmlformats.org/drawingml/2006/main" xmlns:r="http://schemas.openxmlformats.org/officeDocument/2006/relationships" xmlns:p="http://schemas.openxmlformats.org/presentationml/2006/main">
-  <p:cSld>
-    <p:spTree>
-      <p:nvGrpSpPr>
-        <p:cNvPr id="1" name=""/>
-        <p:cNvGrpSpPr/>
-        <p:nvPr/>
-      </p:nvGrpSpPr>
-      <p:grpSpPr>
-        <a:xfrm>
-          <a:off x="0" y="0"/>
-          <a:ext cx="0" cy="0"/>
-          <a:chOff x="0" y="0"/>
-          <a:chExt cx="0" cy="0"/>
-        </a:xfrm>
-      </p:grpSpPr>
-      <p:sp>
-        <p:nvSpPr>
-          <p:cNvPr id="3" name="Title 2">
-            <a:extLst>
-              <a:ext uri="{FF2B5EF4-FFF2-40B4-BE49-F238E27FC236}">
-                <a16:creationId xmlns:a16="http://schemas.microsoft.com/office/drawing/2014/main" id="{9323871C-7CA8-1448-8FFC-1AE6E1838941}"/>
-              </a:ext>
-            </a:extLst>
-          </p:cNvPr>
-          <p:cNvSpPr>
-            <a:spLocks noGrp="1"/>
-          </p:cNvSpPr>
-          <p:nvPr>
-            <p:ph type="title"/>
-          </p:nvPr>
-        </p:nvSpPr>
-        <p:spPr/>
-        <p:txBody>
-          <a:bodyPr/>
-          <a:lstStyle/>
-          <a:p>
-            <a:r>
-              <a:rPr lang="en-US" dirty="0"/>
-              <a:t>Things to remember</a:t>
-            </a:r>
-          </a:p>
-        </p:txBody>
-      </p:sp>
-      <p:sp>
-        <p:nvSpPr>
-          <p:cNvPr id="4" name="Text Placeholder 3">
-            <a:extLst>
-              <a:ext uri="{FF2B5EF4-FFF2-40B4-BE49-F238E27FC236}">
-                <a16:creationId xmlns:a16="http://schemas.microsoft.com/office/drawing/2014/main" id="{5E600BA7-FA45-884F-9820-9E5F2CB7AA48}"/>
-              </a:ext>
-            </a:extLst>
-          </p:cNvPr>
-          <p:cNvSpPr>
-            <a:spLocks noGrp="1"/>
-          </p:cNvSpPr>
-          <p:nvPr>
-            <p:ph type="body" idx="1"/>
-          </p:nvPr>
-        </p:nvSpPr>
-        <p:spPr/>
-        <p:txBody>
-          <a:bodyPr/>
-          <a:lstStyle/>
-          <a:p>
-            <a:r>
-              <a:rPr lang="en-US" b="1" dirty="0"/>
-              <a:t>Make sure and check that you can access your project data today</a:t>
-            </a:r>
-          </a:p>
-          <a:p>
-            <a:endParaRPr lang="en-US" dirty="0"/>
-          </a:p>
-          <a:p>
-            <a:r>
-              <a:rPr lang="en-US" dirty="0"/>
-              <a:t>Thursday:</a:t>
-            </a:r>
-          </a:p>
-          <a:p>
-            <a:pPr lvl="1"/>
-            <a:r>
-              <a:rPr lang="en-US" dirty="0"/>
-              <a:t>Readings (Obermeyer et al; </a:t>
-            </a:r>
-            <a:r>
-              <a:rPr lang="en-US" dirty="0" err="1"/>
-              <a:t>Passi</a:t>
-            </a:r>
-            <a:r>
-              <a:rPr lang="en-US" dirty="0"/>
-              <a:t> &amp; </a:t>
-            </a:r>
-            <a:r>
-              <a:rPr lang="en-US" dirty="0" err="1"/>
-              <a:t>Barocas</a:t>
-            </a:r>
-            <a:r>
-              <a:rPr lang="en-US" dirty="0"/>
-              <a:t>)</a:t>
-            </a:r>
-            <a:br>
-              <a:rPr lang="en-US" dirty="0"/>
-            </a:br>
-            <a:endParaRPr lang="en-US" dirty="0"/>
-          </a:p>
-          <a:p>
-            <a:r>
-              <a:rPr lang="en-US" dirty="0"/>
-              <a:t>What’s coming next week:</a:t>
-            </a:r>
-          </a:p>
-          <a:p>
-            <a:pPr lvl="1"/>
-            <a:r>
-              <a:rPr lang="en-US" dirty="0"/>
-              <a:t>Assignment due Monday</a:t>
-            </a:r>
-          </a:p>
-          <a:p>
-            <a:pPr lvl="2">
-              <a:lnSpc>
-                <a:spcPct val="100000"/>
-              </a:lnSpc>
-              <a:spcBef>
-                <a:spcPts val="500"/>
-              </a:spcBef>
-            </a:pPr>
-            <a:r>
-              <a:rPr lang="en-US" dirty="0"/>
-              <a:t>Project Formulation and Baselines</a:t>
-            </a:r>
-          </a:p>
-          <a:p>
-            <a:pPr lvl="1">
-              <a:lnSpc>
-                <a:spcPct val="100000"/>
-              </a:lnSpc>
-              <a:spcBef>
-                <a:spcPts val="500"/>
-              </a:spcBef>
-            </a:pPr>
-            <a:r>
-              <a:rPr lang="en-US" dirty="0"/>
-              <a:t>Readings</a:t>
-            </a:r>
-          </a:p>
-        </p:txBody>
-      </p:sp>
-    </p:spTree>
-    <p:extLst>
-      <p:ext uri="{BB962C8B-B14F-4D97-AF65-F5344CB8AC3E}">
-        <p14:creationId xmlns:p14="http://schemas.microsoft.com/office/powerpoint/2010/main" val="1285932549"/>
-      </p:ext>
-    </p:extLst>
-  </p:cSld>
-  <p:clrMapOvr>
-    <a:masterClrMapping/>
-  </p:clrMapOvr>
-</p:sld>
-</file>
-
-<file path=ppt/slides/slide20.xml><?xml version="1.0" encoding="utf-8"?>
+<file path=ppt/slides/slide15.xml><?xml version="1.0" encoding="utf-8"?>
 <p:sld xmlns:a="http://schemas.openxmlformats.org/drawingml/2006/main" xmlns:r="http://schemas.openxmlformats.org/officeDocument/2006/relationships" xmlns:p="http://schemas.openxmlformats.org/presentationml/2006/main">
   <p:cSld>
     <p:spTree>
@@ -19372,7 +17979,7 @@
 </p:sld>
 </file>
 
-<file path=ppt/slides/slide21.xml><?xml version="1.0" encoding="utf-8"?>
+<file path=ppt/slides/slide16.xml><?xml version="1.0" encoding="utf-8"?>
 <p:sld xmlns:a="http://schemas.openxmlformats.org/drawingml/2006/main" xmlns:r="http://schemas.openxmlformats.org/officeDocument/2006/relationships" xmlns:p="http://schemas.openxmlformats.org/presentationml/2006/main">
   <p:cSld>
     <p:spTree>
@@ -19460,7 +18067,7 @@
 </p:sld>
 </file>
 
-<file path=ppt/slides/slide22.xml><?xml version="1.0" encoding="utf-8"?>
+<file path=ppt/slides/slide17.xml><?xml version="1.0" encoding="utf-8"?>
 <p:sld xmlns:a="http://schemas.openxmlformats.org/drawingml/2006/main" xmlns:r="http://schemas.openxmlformats.org/officeDocument/2006/relationships" xmlns:p="http://schemas.openxmlformats.org/presentationml/2006/main">
   <p:cSld>
     <p:spTree>
@@ -20119,7 +18726,7 @@
 </p:sld>
 </file>
 
-<file path=ppt/slides/slide23.xml><?xml version="1.0" encoding="utf-8"?>
+<file path=ppt/slides/slide18.xml><?xml version="1.0" encoding="utf-8"?>
 <p:sld xmlns:a="http://schemas.openxmlformats.org/drawingml/2006/main" xmlns:r="http://schemas.openxmlformats.org/officeDocument/2006/relationships" xmlns:p="http://schemas.openxmlformats.org/presentationml/2006/main">
   <p:cSld>
     <p:spTree>
@@ -20211,7 +18818,7 @@
 </p:sld>
 </file>
 
-<file path=ppt/slides/slide24.xml><?xml version="1.0" encoding="utf-8"?>
+<file path=ppt/slides/slide19.xml><?xml version="1.0" encoding="utf-8"?>
 <p:sld xmlns:a="http://schemas.openxmlformats.org/drawingml/2006/main" xmlns:r="http://schemas.openxmlformats.org/officeDocument/2006/relationships" xmlns:p="http://schemas.openxmlformats.org/presentationml/2006/main">
   <p:cSld>
     <p:spTree>
@@ -20291,7 +18898,170 @@
 </p:sld>
 </file>
 
-<file path=ppt/slides/slide25.xml><?xml version="1.0" encoding="utf-8"?>
+<file path=ppt/slides/slide2.xml><?xml version="1.0" encoding="utf-8"?>
+<p:sld xmlns:a="http://schemas.openxmlformats.org/drawingml/2006/main" xmlns:r="http://schemas.openxmlformats.org/officeDocument/2006/relationships" xmlns:p="http://schemas.openxmlformats.org/presentationml/2006/main">
+  <p:cSld>
+    <p:spTree>
+      <p:nvGrpSpPr>
+        <p:cNvPr id="1" name=""/>
+        <p:cNvGrpSpPr/>
+        <p:nvPr/>
+      </p:nvGrpSpPr>
+      <p:grpSpPr>
+        <a:xfrm>
+          <a:off x="0" y="0"/>
+          <a:ext cx="0" cy="0"/>
+          <a:chOff x="0" y="0"/>
+          <a:chExt cx="0" cy="0"/>
+        </a:xfrm>
+      </p:grpSpPr>
+      <p:sp>
+        <p:nvSpPr>
+          <p:cNvPr id="3" name="Title 2">
+            <a:extLst>
+              <a:ext uri="{FF2B5EF4-FFF2-40B4-BE49-F238E27FC236}">
+                <a16:creationId xmlns:a16="http://schemas.microsoft.com/office/drawing/2014/main" id="{9323871C-7CA8-1448-8FFC-1AE6E1838941}"/>
+              </a:ext>
+            </a:extLst>
+          </p:cNvPr>
+          <p:cNvSpPr>
+            <a:spLocks noGrp="1"/>
+          </p:cNvSpPr>
+          <p:nvPr>
+            <p:ph type="title"/>
+          </p:nvPr>
+        </p:nvSpPr>
+        <p:spPr/>
+        <p:txBody>
+          <a:bodyPr/>
+          <a:lstStyle/>
+          <a:p>
+            <a:r>
+              <a:rPr lang="en-US" dirty="0"/>
+              <a:t>Things to remember</a:t>
+            </a:r>
+          </a:p>
+        </p:txBody>
+      </p:sp>
+      <p:sp>
+        <p:nvSpPr>
+          <p:cNvPr id="4" name="Text Placeholder 3">
+            <a:extLst>
+              <a:ext uri="{FF2B5EF4-FFF2-40B4-BE49-F238E27FC236}">
+                <a16:creationId xmlns:a16="http://schemas.microsoft.com/office/drawing/2014/main" id="{5E600BA7-FA45-884F-9820-9E5F2CB7AA48}"/>
+              </a:ext>
+            </a:extLst>
+          </p:cNvPr>
+          <p:cNvSpPr>
+            <a:spLocks noGrp="1"/>
+          </p:cNvSpPr>
+          <p:nvPr>
+            <p:ph type="body" idx="1"/>
+          </p:nvPr>
+        </p:nvSpPr>
+        <p:spPr/>
+        <p:txBody>
+          <a:bodyPr/>
+          <a:lstStyle/>
+          <a:p>
+            <a:r>
+              <a:rPr lang="en-US" b="1" dirty="0"/>
+              <a:t>Make sure and check that you can access your project data today</a:t>
+            </a:r>
+          </a:p>
+          <a:p>
+            <a:endParaRPr lang="en-US" dirty="0"/>
+          </a:p>
+          <a:p>
+            <a:r>
+              <a:rPr lang="en-US" dirty="0"/>
+              <a:t>Thursday:</a:t>
+            </a:r>
+          </a:p>
+          <a:p>
+            <a:pPr lvl="1"/>
+            <a:r>
+              <a:rPr lang="en-US" dirty="0"/>
+              <a:t>Readings (Obermeyer et al; </a:t>
+            </a:r>
+            <a:r>
+              <a:rPr lang="en-US" dirty="0" err="1"/>
+              <a:t>Passi</a:t>
+            </a:r>
+            <a:r>
+              <a:rPr lang="en-US" dirty="0"/>
+              <a:t> &amp; </a:t>
+            </a:r>
+            <a:r>
+              <a:rPr lang="en-US" dirty="0" err="1"/>
+              <a:t>Barocas</a:t>
+            </a:r>
+            <a:r>
+              <a:rPr lang="en-US" dirty="0"/>
+              <a:t>)</a:t>
+            </a:r>
+            <a:br>
+              <a:rPr lang="en-US" dirty="0"/>
+            </a:br>
+            <a:endParaRPr lang="en-US" dirty="0"/>
+          </a:p>
+          <a:p>
+            <a:r>
+              <a:rPr lang="en-US" dirty="0"/>
+              <a:t>What’s coming next week:</a:t>
+            </a:r>
+          </a:p>
+          <a:p>
+            <a:pPr lvl="1"/>
+            <a:r>
+              <a:rPr lang="en-US" dirty="0"/>
+              <a:t>Assignment due Monday</a:t>
+            </a:r>
+          </a:p>
+          <a:p>
+            <a:pPr lvl="2">
+              <a:lnSpc>
+                <a:spcPct val="100000"/>
+              </a:lnSpc>
+              <a:spcBef>
+                <a:spcPts val="500"/>
+              </a:spcBef>
+            </a:pPr>
+            <a:r>
+              <a:rPr lang="en-US" dirty="0"/>
+              <a:t>Project Formulation and Baselines</a:t>
+            </a:r>
+          </a:p>
+          <a:p>
+            <a:pPr lvl="1">
+              <a:lnSpc>
+                <a:spcPct val="100000"/>
+              </a:lnSpc>
+              <a:spcBef>
+                <a:spcPts val="500"/>
+              </a:spcBef>
+            </a:pPr>
+            <a:r>
+              <a:rPr lang="en-US" dirty="0"/>
+              <a:t>Readings</a:t>
+            </a:r>
+          </a:p>
+        </p:txBody>
+      </p:sp>
+    </p:spTree>
+    <p:extLst>
+      <p:ext uri="{BB962C8B-B14F-4D97-AF65-F5344CB8AC3E}">
+        <p14:creationId xmlns:p14="http://schemas.microsoft.com/office/powerpoint/2010/main" val="1285932549"/>
+      </p:ext>
+    </p:extLst>
+  </p:cSld>
+  <p:clrMapOvr>
+    <a:masterClrMapping/>
+  </p:clrMapOvr>
+</p:sld>
+</file>
+
+<file path=ppt/slides/slide20.xml><?xml version="1.0" encoding="utf-8"?>
 <p:sld xmlns:a="http://schemas.openxmlformats.org/drawingml/2006/main" xmlns:r="http://schemas.openxmlformats.org/officeDocument/2006/relationships" xmlns:p="http://schemas.openxmlformats.org/presentationml/2006/main">
   <p:cSld>
     <p:spTree>
@@ -20473,7 +19243,7 @@
 </p:sld>
 </file>
 
-<file path=ppt/slides/slide26.xml><?xml version="1.0" encoding="utf-8"?>
+<file path=ppt/slides/slide21.xml><?xml version="1.0" encoding="utf-8"?>
 <p:sld xmlns:a="http://schemas.openxmlformats.org/drawingml/2006/main" xmlns:r="http://schemas.openxmlformats.org/officeDocument/2006/relationships" xmlns:p="http://schemas.openxmlformats.org/presentationml/2006/main">
   <p:cSld>
     <p:spTree>
@@ -20608,7 +19378,7 @@
 </p:sld>
 </file>
 
-<file path=ppt/slides/slide27.xml><?xml version="1.0" encoding="utf-8"?>
+<file path=ppt/slides/slide22.xml><?xml version="1.0" encoding="utf-8"?>
 <p:sld xmlns:a="http://schemas.openxmlformats.org/drawingml/2006/main" xmlns:r="http://schemas.openxmlformats.org/officeDocument/2006/relationships" xmlns:p="http://schemas.openxmlformats.org/presentationml/2006/main">
   <p:cSld>
     <p:spTree>
@@ -20703,7 +19473,7 @@
 </p:sld>
 </file>
 
-<file path=ppt/slides/slide28.xml><?xml version="1.0" encoding="utf-8"?>
+<file path=ppt/slides/slide23.xml><?xml version="1.0" encoding="utf-8"?>
 <p:sld xmlns:a="http://schemas.openxmlformats.org/drawingml/2006/main" xmlns:r="http://schemas.openxmlformats.org/officeDocument/2006/relationships" xmlns:p="http://schemas.openxmlformats.org/presentationml/2006/main">
   <p:cSld>
     <p:spTree>
@@ -20805,7 +19575,7 @@
 </p:sld>
 </file>
 
-<file path=ppt/slides/slide29.xml><?xml version="1.0" encoding="utf-8"?>
+<file path=ppt/slides/slide24.xml><?xml version="1.0" encoding="utf-8"?>
 <p:sld xmlns:a="http://schemas.openxmlformats.org/drawingml/2006/main" xmlns:r="http://schemas.openxmlformats.org/officeDocument/2006/relationships" xmlns:p="http://schemas.openxmlformats.org/presentationml/2006/main">
   <p:cSld>
     <p:spTree>
@@ -20898,6 +19668,169 @@
     <p:extLst>
       <p:ext uri="{BB962C8B-B14F-4D97-AF65-F5344CB8AC3E}">
         <p14:creationId xmlns:p14="http://schemas.microsoft.com/office/powerpoint/2010/main" val="2960122765"/>
+      </p:ext>
+    </p:extLst>
+  </p:cSld>
+  <p:clrMapOvr>
+    <a:masterClrMapping/>
+  </p:clrMapOvr>
+</p:sld>
+</file>
+
+<file path=ppt/slides/slide25.xml><?xml version="1.0" encoding="utf-8"?>
+<p:sld xmlns:a="http://schemas.openxmlformats.org/drawingml/2006/main" xmlns:r="http://schemas.openxmlformats.org/officeDocument/2006/relationships" xmlns:p="http://schemas.openxmlformats.org/presentationml/2006/main">
+  <p:cSld>
+    <p:spTree>
+      <p:nvGrpSpPr>
+        <p:cNvPr id="1" name=""/>
+        <p:cNvGrpSpPr/>
+        <p:nvPr/>
+      </p:nvGrpSpPr>
+      <p:grpSpPr>
+        <a:xfrm>
+          <a:off x="0" y="0"/>
+          <a:ext cx="0" cy="0"/>
+          <a:chOff x="0" y="0"/>
+          <a:chExt cx="0" cy="0"/>
+        </a:xfrm>
+      </p:grpSpPr>
+      <p:sp>
+        <p:nvSpPr>
+          <p:cNvPr id="3" name="Title 2">
+            <a:extLst>
+              <a:ext uri="{FF2B5EF4-FFF2-40B4-BE49-F238E27FC236}">
+                <a16:creationId xmlns:a16="http://schemas.microsoft.com/office/drawing/2014/main" id="{9323871C-7CA8-1448-8FFC-1AE6E1838941}"/>
+              </a:ext>
+            </a:extLst>
+          </p:cNvPr>
+          <p:cNvSpPr>
+            <a:spLocks noGrp="1"/>
+          </p:cNvSpPr>
+          <p:nvPr>
+            <p:ph type="title"/>
+          </p:nvPr>
+        </p:nvSpPr>
+        <p:spPr/>
+        <p:txBody>
+          <a:bodyPr/>
+          <a:lstStyle/>
+          <a:p>
+            <a:r>
+              <a:rPr lang="en-US" dirty="0"/>
+              <a:t>Things to remember</a:t>
+            </a:r>
+          </a:p>
+        </p:txBody>
+      </p:sp>
+      <p:sp>
+        <p:nvSpPr>
+          <p:cNvPr id="4" name="Text Placeholder 3">
+            <a:extLst>
+              <a:ext uri="{FF2B5EF4-FFF2-40B4-BE49-F238E27FC236}">
+                <a16:creationId xmlns:a16="http://schemas.microsoft.com/office/drawing/2014/main" id="{5E600BA7-FA45-884F-9820-9E5F2CB7AA48}"/>
+              </a:ext>
+            </a:extLst>
+          </p:cNvPr>
+          <p:cNvSpPr>
+            <a:spLocks noGrp="1"/>
+          </p:cNvSpPr>
+          <p:nvPr>
+            <p:ph type="body" idx="1"/>
+          </p:nvPr>
+        </p:nvSpPr>
+        <p:spPr/>
+        <p:txBody>
+          <a:bodyPr/>
+          <a:lstStyle/>
+          <a:p>
+            <a:r>
+              <a:rPr lang="en-US" b="1" dirty="0"/>
+              <a:t>Make sure and check that you can access your project data today</a:t>
+            </a:r>
+          </a:p>
+          <a:p>
+            <a:endParaRPr lang="en-US" dirty="0"/>
+          </a:p>
+          <a:p>
+            <a:r>
+              <a:rPr lang="en-US" dirty="0"/>
+              <a:t>Thursday:</a:t>
+            </a:r>
+          </a:p>
+          <a:p>
+            <a:pPr lvl="1"/>
+            <a:r>
+              <a:rPr lang="en-US" dirty="0"/>
+              <a:t>Reading (Obermeyer et al; </a:t>
+            </a:r>
+            <a:r>
+              <a:rPr lang="en-US" dirty="0" err="1"/>
+              <a:t>Passi</a:t>
+            </a:r>
+            <a:r>
+              <a:rPr lang="en-US" dirty="0"/>
+              <a:t> &amp; </a:t>
+            </a:r>
+            <a:r>
+              <a:rPr lang="en-US" dirty="0" err="1"/>
+              <a:t>Barocas</a:t>
+            </a:r>
+            <a:r>
+              <a:rPr lang="en-US" dirty="0"/>
+              <a:t>)</a:t>
+            </a:r>
+            <a:br>
+              <a:rPr lang="en-US" dirty="0"/>
+            </a:br>
+            <a:endParaRPr lang="en-US" dirty="0"/>
+          </a:p>
+          <a:p>
+            <a:r>
+              <a:rPr lang="en-US" dirty="0"/>
+              <a:t>What’s coming next week:</a:t>
+            </a:r>
+          </a:p>
+          <a:p>
+            <a:pPr lvl="1"/>
+            <a:r>
+              <a:rPr lang="en-US" dirty="0"/>
+              <a:t>Assignment due Monday</a:t>
+            </a:r>
+          </a:p>
+          <a:p>
+            <a:pPr lvl="2">
+              <a:lnSpc>
+                <a:spcPct val="100000"/>
+              </a:lnSpc>
+              <a:spcBef>
+                <a:spcPts val="500"/>
+              </a:spcBef>
+            </a:pPr>
+            <a:r>
+              <a:rPr lang="en-US" dirty="0"/>
+              <a:t>Project Formulation and Baselines</a:t>
+            </a:r>
+          </a:p>
+          <a:p>
+            <a:pPr lvl="1">
+              <a:lnSpc>
+                <a:spcPct val="100000"/>
+              </a:lnSpc>
+              <a:spcBef>
+                <a:spcPts val="500"/>
+              </a:spcBef>
+            </a:pPr>
+            <a:r>
+              <a:rPr lang="en-US" dirty="0"/>
+              <a:t>Readings</a:t>
+            </a:r>
+          </a:p>
+        </p:txBody>
+      </p:sp>
+    </p:spTree>
+    <p:extLst>
+      <p:ext uri="{BB962C8B-B14F-4D97-AF65-F5344CB8AC3E}">
+        <p14:creationId xmlns:p14="http://schemas.microsoft.com/office/powerpoint/2010/main" val="390960049"/>
       </p:ext>
     </p:extLst>
   </p:cSld>
@@ -21036,2444 +19969,7 @@
 </p:sld>
 </file>
 
-<file path=ppt/slides/slide30.xml><?xml version="1.0" encoding="utf-8"?>
-<p:sld xmlns:a="http://schemas.openxmlformats.org/drawingml/2006/main" xmlns:r="http://schemas.openxmlformats.org/officeDocument/2006/relationships" xmlns:p="http://schemas.openxmlformats.org/presentationml/2006/main">
-  <p:cSld>
-    <p:spTree>
-      <p:nvGrpSpPr>
-        <p:cNvPr id="1" name=""/>
-        <p:cNvGrpSpPr/>
-        <p:nvPr/>
-      </p:nvGrpSpPr>
-      <p:grpSpPr>
-        <a:xfrm>
-          <a:off x="0" y="0"/>
-          <a:ext cx="0" cy="0"/>
-          <a:chOff x="0" y="0"/>
-          <a:chExt cx="0" cy="0"/>
-        </a:xfrm>
-      </p:grpSpPr>
-      <p:sp>
-        <p:nvSpPr>
-          <p:cNvPr id="3" name="Title 2">
-            <a:extLst>
-              <a:ext uri="{FF2B5EF4-FFF2-40B4-BE49-F238E27FC236}">
-                <a16:creationId xmlns:a16="http://schemas.microsoft.com/office/drawing/2014/main" id="{9323871C-7CA8-1448-8FFC-1AE6E1838941}"/>
-              </a:ext>
-            </a:extLst>
-          </p:cNvPr>
-          <p:cNvSpPr>
-            <a:spLocks noGrp="1"/>
-          </p:cNvSpPr>
-          <p:nvPr>
-            <p:ph type="title"/>
-          </p:nvPr>
-        </p:nvSpPr>
-        <p:spPr/>
-        <p:txBody>
-          <a:bodyPr/>
-          <a:lstStyle/>
-          <a:p>
-            <a:r>
-              <a:rPr lang="en-US" dirty="0"/>
-              <a:t>Things to remember</a:t>
-            </a:r>
-          </a:p>
-        </p:txBody>
-      </p:sp>
-      <p:sp>
-        <p:nvSpPr>
-          <p:cNvPr id="4" name="Text Placeholder 3">
-            <a:extLst>
-              <a:ext uri="{FF2B5EF4-FFF2-40B4-BE49-F238E27FC236}">
-                <a16:creationId xmlns:a16="http://schemas.microsoft.com/office/drawing/2014/main" id="{5E600BA7-FA45-884F-9820-9E5F2CB7AA48}"/>
-              </a:ext>
-            </a:extLst>
-          </p:cNvPr>
-          <p:cNvSpPr>
-            <a:spLocks noGrp="1"/>
-          </p:cNvSpPr>
-          <p:nvPr>
-            <p:ph type="body" idx="1"/>
-          </p:nvPr>
-        </p:nvSpPr>
-        <p:spPr/>
-        <p:txBody>
-          <a:bodyPr/>
-          <a:lstStyle/>
-          <a:p>
-            <a:r>
-              <a:rPr lang="en-US" b="1" dirty="0"/>
-              <a:t>Make sure and check that you can access your project data today</a:t>
-            </a:r>
-          </a:p>
-          <a:p>
-            <a:endParaRPr lang="en-US" dirty="0"/>
-          </a:p>
-          <a:p>
-            <a:r>
-              <a:rPr lang="en-US" dirty="0"/>
-              <a:t>Thursday:</a:t>
-            </a:r>
-          </a:p>
-          <a:p>
-            <a:pPr lvl="1"/>
-            <a:r>
-              <a:rPr lang="en-US" dirty="0"/>
-              <a:t>Reading (Obermeyer et al; </a:t>
-            </a:r>
-            <a:r>
-              <a:rPr lang="en-US" dirty="0" err="1"/>
-              <a:t>Passi</a:t>
-            </a:r>
-            <a:r>
-              <a:rPr lang="en-US" dirty="0"/>
-              <a:t> &amp; </a:t>
-            </a:r>
-            <a:r>
-              <a:rPr lang="en-US" dirty="0" err="1"/>
-              <a:t>Barocas</a:t>
-            </a:r>
-            <a:r>
-              <a:rPr lang="en-US" dirty="0"/>
-              <a:t>)</a:t>
-            </a:r>
-            <a:br>
-              <a:rPr lang="en-US" dirty="0"/>
-            </a:br>
-            <a:endParaRPr lang="en-US" dirty="0"/>
-          </a:p>
-          <a:p>
-            <a:r>
-              <a:rPr lang="en-US" dirty="0"/>
-              <a:t>What’s coming next week:</a:t>
-            </a:r>
-          </a:p>
-          <a:p>
-            <a:pPr lvl="1"/>
-            <a:r>
-              <a:rPr lang="en-US" dirty="0"/>
-              <a:t>Assignment due Monday</a:t>
-            </a:r>
-          </a:p>
-          <a:p>
-            <a:pPr lvl="2">
-              <a:lnSpc>
-                <a:spcPct val="100000"/>
-              </a:lnSpc>
-              <a:spcBef>
-                <a:spcPts val="500"/>
-              </a:spcBef>
-            </a:pPr>
-            <a:r>
-              <a:rPr lang="en-US" dirty="0"/>
-              <a:t>Project Formulation and Baselines</a:t>
-            </a:r>
-          </a:p>
-          <a:p>
-            <a:pPr lvl="1">
-              <a:lnSpc>
-                <a:spcPct val="100000"/>
-              </a:lnSpc>
-              <a:spcBef>
-                <a:spcPts val="500"/>
-              </a:spcBef>
-            </a:pPr>
-            <a:r>
-              <a:rPr lang="en-US" dirty="0"/>
-              <a:t>Readings</a:t>
-            </a:r>
-          </a:p>
-        </p:txBody>
-      </p:sp>
-    </p:spTree>
-    <p:extLst>
-      <p:ext uri="{BB962C8B-B14F-4D97-AF65-F5344CB8AC3E}">
-        <p14:creationId xmlns:p14="http://schemas.microsoft.com/office/powerpoint/2010/main" val="390960049"/>
-      </p:ext>
-    </p:extLst>
-  </p:cSld>
-  <p:clrMapOvr>
-    <a:masterClrMapping/>
-  </p:clrMapOvr>
-</p:sld>
-</file>
-
 <file path=ppt/slides/slide4.xml><?xml version="1.0" encoding="utf-8"?>
-<p:sld xmlns:a="http://schemas.openxmlformats.org/drawingml/2006/main" xmlns:r="http://schemas.openxmlformats.org/officeDocument/2006/relationships" xmlns:p="http://schemas.openxmlformats.org/presentationml/2006/main">
-  <p:cSld>
-    <p:spTree>
-      <p:nvGrpSpPr>
-        <p:cNvPr id="1" name="Shape 204"/>
-        <p:cNvGrpSpPr/>
-        <p:nvPr/>
-      </p:nvGrpSpPr>
-      <p:grpSpPr>
-        <a:xfrm>
-          <a:off x="0" y="0"/>
-          <a:ext cx="0" cy="0"/>
-          <a:chOff x="0" y="0"/>
-          <a:chExt cx="0" cy="0"/>
-        </a:xfrm>
-      </p:grpSpPr>
-      <p:sp>
-        <p:nvSpPr>
-          <p:cNvPr id="205" name="Google Shape;205;p17"/>
-          <p:cNvSpPr txBox="1">
-            <a:spLocks noGrp="1"/>
-          </p:cNvSpPr>
-          <p:nvPr>
-            <p:ph type="body" idx="1"/>
-          </p:nvPr>
-        </p:nvSpPr>
-        <p:spPr>
-          <a:xfrm>
-            <a:off x="415600" y="1536633"/>
-            <a:ext cx="11360700" cy="4555200"/>
-          </a:xfrm>
-          <a:prstGeom prst="rect">
-            <a:avLst/>
-          </a:prstGeom>
-          <a:noFill/>
-          <a:ln>
-            <a:noFill/>
-          </a:ln>
-        </p:spPr>
-        <p:txBody>
-          <a:bodyPr spcFirstLastPara="1" wrap="square" lIns="91425" tIns="45700" rIns="91425" bIns="45700" anchor="t" anchorCtr="0">
-            <a:noAutofit/>
-          </a:bodyPr>
-          <a:lstStyle/>
-          <a:p>
-            <a:pPr marL="257168" lvl="0" indent="-257168" algn="l" rtl="0">
-              <a:spcBef>
-                <a:spcPts val="0"/>
-              </a:spcBef>
-              <a:spcAft>
-                <a:spcPts val="0"/>
-              </a:spcAft>
-              <a:buClr>
-                <a:srgbClr val="000000"/>
-              </a:buClr>
-              <a:buSzPts val="3200"/>
-              <a:buChar char="●"/>
-            </a:pPr>
-            <a:r>
-              <a:rPr lang="en-US" sz="3200" dirty="0">
-                <a:solidFill>
-                  <a:srgbClr val="000000"/>
-                </a:solidFill>
-              </a:rPr>
-              <a:t>How do we </a:t>
-            </a:r>
-            <a:r>
-              <a:rPr lang="en-US" sz="3200" b="1" dirty="0">
-                <a:solidFill>
-                  <a:srgbClr val="FF0000"/>
-                </a:solidFill>
-              </a:rPr>
-              <a:t>define</a:t>
-            </a:r>
-            <a:r>
-              <a:rPr lang="en-US" sz="3200" dirty="0">
-                <a:solidFill>
-                  <a:srgbClr val="000000"/>
-                </a:solidFill>
-              </a:rPr>
-              <a:t> equity?</a:t>
-            </a:r>
-            <a:endParaRPr dirty="0">
-              <a:solidFill>
-                <a:srgbClr val="000000"/>
-              </a:solidFill>
-            </a:endParaRPr>
-          </a:p>
-          <a:p>
-            <a:pPr marL="257168" lvl="0" indent="-53968" algn="l" rtl="0">
-              <a:spcBef>
-                <a:spcPts val="640"/>
-              </a:spcBef>
-              <a:spcAft>
-                <a:spcPts val="0"/>
-              </a:spcAft>
-              <a:buClr>
-                <a:schemeClr val="dk1"/>
-              </a:buClr>
-              <a:buSzPts val="3200"/>
-              <a:buNone/>
-            </a:pPr>
-            <a:endParaRPr sz="3200" dirty="0">
-              <a:solidFill>
-                <a:srgbClr val="000000"/>
-              </a:solidFill>
-            </a:endParaRPr>
-          </a:p>
-          <a:p>
-            <a:pPr marL="257168" lvl="0" indent="-53968" algn="l" rtl="0">
-              <a:spcBef>
-                <a:spcPts val="640"/>
-              </a:spcBef>
-              <a:spcAft>
-                <a:spcPts val="0"/>
-              </a:spcAft>
-              <a:buClr>
-                <a:schemeClr val="dk1"/>
-              </a:buClr>
-              <a:buSzPts val="3200"/>
-              <a:buNone/>
-            </a:pPr>
-            <a:endParaRPr sz="3200" dirty="0">
-              <a:solidFill>
-                <a:srgbClr val="000000"/>
-              </a:solidFill>
-            </a:endParaRPr>
-          </a:p>
-          <a:p>
-            <a:pPr marL="257168" lvl="0" indent="-257168" algn="l" rtl="0">
-              <a:spcBef>
-                <a:spcPts val="640"/>
-              </a:spcBef>
-              <a:spcAft>
-                <a:spcPts val="0"/>
-              </a:spcAft>
-              <a:buClr>
-                <a:srgbClr val="000000"/>
-              </a:buClr>
-              <a:buSzPts val="3200"/>
-              <a:buChar char="●"/>
-            </a:pPr>
-            <a:r>
-              <a:rPr lang="en-US" sz="3200" dirty="0">
-                <a:solidFill>
-                  <a:srgbClr val="000000"/>
-                </a:solidFill>
-              </a:rPr>
-              <a:t>How do we </a:t>
-            </a:r>
-            <a:r>
-              <a:rPr lang="en-US" sz="3200" b="1" dirty="0">
-                <a:solidFill>
-                  <a:srgbClr val="FF0000"/>
-                </a:solidFill>
-              </a:rPr>
-              <a:t>detect</a:t>
-            </a:r>
-            <a:r>
-              <a:rPr lang="en-US" sz="3200" dirty="0">
-                <a:solidFill>
-                  <a:srgbClr val="000000"/>
-                </a:solidFill>
-              </a:rPr>
-              <a:t> inequity? </a:t>
-            </a:r>
-            <a:endParaRPr dirty="0">
-              <a:solidFill>
-                <a:srgbClr val="000000"/>
-              </a:solidFill>
-            </a:endParaRPr>
-          </a:p>
-          <a:p>
-            <a:pPr marL="257168" lvl="0" indent="-53968" algn="l" rtl="0">
-              <a:spcBef>
-                <a:spcPts val="640"/>
-              </a:spcBef>
-              <a:spcAft>
-                <a:spcPts val="0"/>
-              </a:spcAft>
-              <a:buClr>
-                <a:schemeClr val="dk1"/>
-              </a:buClr>
-              <a:buSzPts val="3200"/>
-              <a:buNone/>
-            </a:pPr>
-            <a:endParaRPr sz="3200" dirty="0">
-              <a:solidFill>
-                <a:srgbClr val="000000"/>
-              </a:solidFill>
-            </a:endParaRPr>
-          </a:p>
-          <a:p>
-            <a:pPr marL="0" lvl="0" indent="0" algn="l" rtl="0">
-              <a:spcBef>
-                <a:spcPts val="640"/>
-              </a:spcBef>
-              <a:spcAft>
-                <a:spcPts val="0"/>
-              </a:spcAft>
-              <a:buClr>
-                <a:schemeClr val="dk1"/>
-              </a:buClr>
-              <a:buSzPts val="3200"/>
-              <a:buNone/>
-            </a:pPr>
-            <a:endParaRPr sz="3200" dirty="0">
-              <a:solidFill>
-                <a:srgbClr val="000000"/>
-              </a:solidFill>
-            </a:endParaRPr>
-          </a:p>
-          <a:p>
-            <a:pPr marL="257168" lvl="0" indent="-257168" algn="l" rtl="0">
-              <a:spcBef>
-                <a:spcPts val="640"/>
-              </a:spcBef>
-              <a:spcAft>
-                <a:spcPts val="0"/>
-              </a:spcAft>
-              <a:buClr>
-                <a:srgbClr val="000000"/>
-              </a:buClr>
-              <a:buSzPts val="3200"/>
-              <a:buChar char="●"/>
-            </a:pPr>
-            <a:r>
-              <a:rPr lang="en-US" sz="3200" dirty="0">
-                <a:solidFill>
-                  <a:srgbClr val="000000"/>
-                </a:solidFill>
-              </a:rPr>
-              <a:t>How do we </a:t>
-            </a:r>
-            <a:r>
-              <a:rPr lang="en-US" sz="3200" b="1" dirty="0">
-                <a:solidFill>
-                  <a:srgbClr val="FF0000"/>
-                </a:solidFill>
-              </a:rPr>
-              <a:t>increase</a:t>
-            </a:r>
-            <a:r>
-              <a:rPr lang="en-US" sz="3200" dirty="0">
-                <a:solidFill>
-                  <a:srgbClr val="000000"/>
-                </a:solidFill>
-              </a:rPr>
-              <a:t> equity?</a:t>
-            </a:r>
-            <a:endParaRPr dirty="0">
-              <a:solidFill>
-                <a:srgbClr val="000000"/>
-              </a:solidFill>
-            </a:endParaRPr>
-          </a:p>
-          <a:p>
-            <a:pPr marL="257168" lvl="0" indent="-53968" algn="l" rtl="0">
-              <a:spcBef>
-                <a:spcPts val="640"/>
-              </a:spcBef>
-              <a:spcAft>
-                <a:spcPts val="0"/>
-              </a:spcAft>
-              <a:buClr>
-                <a:schemeClr val="dk1"/>
-              </a:buClr>
-              <a:buSzPts val="3200"/>
-              <a:buNone/>
-            </a:pPr>
-            <a:endParaRPr sz="3200" dirty="0">
-              <a:solidFill>
-                <a:srgbClr val="000000"/>
-              </a:solidFill>
-            </a:endParaRPr>
-          </a:p>
-        </p:txBody>
-      </p:sp>
-      <p:sp>
-        <p:nvSpPr>
-          <p:cNvPr id="206" name="Google Shape;206;p17"/>
-          <p:cNvSpPr txBox="1">
-            <a:spLocks noGrp="1"/>
-          </p:cNvSpPr>
-          <p:nvPr>
-            <p:ph type="title"/>
-          </p:nvPr>
-        </p:nvSpPr>
-        <p:spPr>
-          <a:xfrm>
-            <a:off x="415600" y="6"/>
-            <a:ext cx="11360700" cy="1356900"/>
-          </a:xfrm>
-          <a:prstGeom prst="rect">
-            <a:avLst/>
-          </a:prstGeom>
-          <a:noFill/>
-          <a:ln>
-            <a:noFill/>
-          </a:ln>
-        </p:spPr>
-        <p:txBody>
-          <a:bodyPr spcFirstLastPara="1" wrap="square" lIns="91425" tIns="45700" rIns="91425" bIns="45700" anchor="ctr" anchorCtr="0">
-            <a:noAutofit/>
-          </a:bodyPr>
-          <a:lstStyle/>
-          <a:p>
-            <a:pPr marL="0" lvl="0" indent="0" algn="ctr" rtl="0">
-              <a:spcBef>
-                <a:spcPts val="0"/>
-              </a:spcBef>
-              <a:spcAft>
-                <a:spcPts val="0"/>
-              </a:spcAft>
-              <a:buNone/>
-            </a:pPr>
-            <a:r>
-              <a:rPr lang="en-US" sz="4800"/>
-              <a:t>Creating a more equitable society</a:t>
-            </a:r>
-            <a:endParaRPr sz="4800"/>
-          </a:p>
-        </p:txBody>
-      </p:sp>
-    </p:spTree>
-  </p:cSld>
-  <p:clrMapOvr>
-    <a:masterClrMapping/>
-  </p:clrMapOvr>
-</p:sld>
-</file>
-
-<file path=ppt/slides/slide5.xml><?xml version="1.0" encoding="utf-8"?>
-<p:sld xmlns:a="http://schemas.openxmlformats.org/drawingml/2006/main" xmlns:r="http://schemas.openxmlformats.org/officeDocument/2006/relationships" xmlns:p="http://schemas.openxmlformats.org/presentationml/2006/main">
-  <p:cSld>
-    <p:spTree>
-      <p:nvGrpSpPr>
-        <p:cNvPr id="1" name="Shape 211"/>
-        <p:cNvGrpSpPr/>
-        <p:nvPr/>
-      </p:nvGrpSpPr>
-      <p:grpSpPr>
-        <a:xfrm>
-          <a:off x="0" y="0"/>
-          <a:ext cx="0" cy="0"/>
-          <a:chOff x="0" y="0"/>
-          <a:chExt cx="0" cy="0"/>
-        </a:xfrm>
-      </p:grpSpPr>
-      <p:grpSp>
-        <p:nvGrpSpPr>
-          <p:cNvPr id="212" name="Google Shape;212;p18"/>
-          <p:cNvGrpSpPr/>
-          <p:nvPr/>
-        </p:nvGrpSpPr>
-        <p:grpSpPr>
-          <a:xfrm>
-            <a:off x="476065" y="1789909"/>
-            <a:ext cx="11222544" cy="4559157"/>
-            <a:chOff x="0" y="131652"/>
-            <a:chExt cx="11222544" cy="4559157"/>
-          </a:xfrm>
-        </p:grpSpPr>
-        <p:sp>
-          <p:nvSpPr>
-            <p:cNvPr id="213" name="Google Shape;213;p18"/>
-            <p:cNvSpPr/>
-            <p:nvPr/>
-          </p:nvSpPr>
-          <p:spPr>
-            <a:xfrm>
-              <a:off x="0" y="131652"/>
-              <a:ext cx="3507045" cy="2104226"/>
-            </a:xfrm>
-            <a:prstGeom prst="rect">
-              <a:avLst/>
-            </a:prstGeom>
-            <a:solidFill>
-              <a:srgbClr val="BF504D"/>
-            </a:solidFill>
-            <a:ln w="25400" cap="flat" cmpd="sng">
-              <a:solidFill>
-                <a:schemeClr val="lt1"/>
-              </a:solidFill>
-              <a:prstDash val="solid"/>
-              <a:round/>
-              <a:headEnd type="none" w="sm" len="sm"/>
-              <a:tailEnd type="none" w="sm" len="sm"/>
-            </a:ln>
-          </p:spPr>
-          <p:txBody>
-            <a:bodyPr spcFirstLastPara="1" wrap="square" lIns="91425" tIns="91425" rIns="91425" bIns="91425" anchor="ctr" anchorCtr="0">
-              <a:noAutofit/>
-            </a:bodyPr>
-            <a:lstStyle/>
-            <a:p>
-              <a:pPr marL="0" lvl="0" indent="0" algn="l" rtl="0">
-                <a:spcBef>
-                  <a:spcPts val="0"/>
-                </a:spcBef>
-                <a:spcAft>
-                  <a:spcPts val="0"/>
-                </a:spcAft>
-                <a:buNone/>
-              </a:pPr>
-              <a:endParaRPr/>
-            </a:p>
-          </p:txBody>
-        </p:sp>
-        <p:sp>
-          <p:nvSpPr>
-            <p:cNvPr id="214" name="Google Shape;214;p18"/>
-            <p:cNvSpPr txBox="1"/>
-            <p:nvPr/>
-          </p:nvSpPr>
-          <p:spPr>
-            <a:xfrm>
-              <a:off x="0" y="131652"/>
-              <a:ext cx="3507045" cy="2104226"/>
-            </a:xfrm>
-            <a:prstGeom prst="rect">
-              <a:avLst/>
-            </a:prstGeom>
-            <a:noFill/>
-            <a:ln>
-              <a:noFill/>
-            </a:ln>
-          </p:spPr>
-          <p:txBody>
-            <a:bodyPr spcFirstLastPara="1" wrap="square" lIns="76200" tIns="76200" rIns="76200" bIns="76200" anchor="ctr" anchorCtr="0">
-              <a:noAutofit/>
-            </a:bodyPr>
-            <a:lstStyle/>
-            <a:p>
-              <a:pPr marL="0" marR="0" lvl="0" indent="0" algn="ctr" rtl="0">
-                <a:lnSpc>
-                  <a:spcPct val="90000"/>
-                </a:lnSpc>
-                <a:spcBef>
-                  <a:spcPts val="0"/>
-                </a:spcBef>
-                <a:spcAft>
-                  <a:spcPts val="0"/>
-                </a:spcAft>
-                <a:buClr>
-                  <a:schemeClr val="lt1"/>
-                </a:buClr>
-                <a:buSzPts val="2000"/>
-                <a:buFont typeface="Calibri"/>
-                <a:buNone/>
-              </a:pPr>
-              <a:r>
-                <a:rPr lang="en-US" sz="2000" b="0" i="0" u="none" strike="noStrike" cap="none">
-                  <a:solidFill>
-                    <a:schemeClr val="lt1"/>
-                  </a:solidFill>
-                  <a:latin typeface="Calibri"/>
-                  <a:ea typeface="Calibri"/>
-                  <a:cs typeface="Calibri"/>
-                  <a:sym typeface="Calibri"/>
-                </a:rPr>
-                <a:t>Privacy</a:t>
-              </a:r>
-              <a:endParaRPr/>
-            </a:p>
-          </p:txBody>
-        </p:sp>
-        <p:sp>
-          <p:nvSpPr>
-            <p:cNvPr id="215" name="Google Shape;215;p18"/>
-            <p:cNvSpPr/>
-            <p:nvPr/>
-          </p:nvSpPr>
-          <p:spPr>
-            <a:xfrm>
-              <a:off x="3857749" y="131652"/>
-              <a:ext cx="3507045" cy="2104226"/>
-            </a:xfrm>
-            <a:prstGeom prst="rect">
-              <a:avLst/>
-            </a:prstGeom>
-            <a:solidFill>
-              <a:srgbClr val="BD754F"/>
-            </a:solidFill>
-            <a:ln w="25400" cap="flat" cmpd="sng">
-              <a:solidFill>
-                <a:schemeClr val="lt1"/>
-              </a:solidFill>
-              <a:prstDash val="solid"/>
-              <a:round/>
-              <a:headEnd type="none" w="sm" len="sm"/>
-              <a:tailEnd type="none" w="sm" len="sm"/>
-            </a:ln>
-          </p:spPr>
-          <p:txBody>
-            <a:bodyPr spcFirstLastPara="1" wrap="square" lIns="91425" tIns="91425" rIns="91425" bIns="91425" anchor="ctr" anchorCtr="0">
-              <a:noAutofit/>
-            </a:bodyPr>
-            <a:lstStyle/>
-            <a:p>
-              <a:pPr marL="0" lvl="0" indent="0" algn="l" rtl="0">
-                <a:spcBef>
-                  <a:spcPts val="0"/>
-                </a:spcBef>
-                <a:spcAft>
-                  <a:spcPts val="0"/>
-                </a:spcAft>
-                <a:buNone/>
-              </a:pPr>
-              <a:endParaRPr/>
-            </a:p>
-          </p:txBody>
-        </p:sp>
-        <p:sp>
-          <p:nvSpPr>
-            <p:cNvPr id="216" name="Google Shape;216;p18"/>
-            <p:cNvSpPr txBox="1"/>
-            <p:nvPr/>
-          </p:nvSpPr>
-          <p:spPr>
-            <a:xfrm>
-              <a:off x="3857749" y="131652"/>
-              <a:ext cx="3507045" cy="2104226"/>
-            </a:xfrm>
-            <a:prstGeom prst="rect">
-              <a:avLst/>
-            </a:prstGeom>
-            <a:noFill/>
-            <a:ln>
-              <a:noFill/>
-            </a:ln>
-          </p:spPr>
-          <p:txBody>
-            <a:bodyPr spcFirstLastPara="1" wrap="square" lIns="76200" tIns="76200" rIns="76200" bIns="76200" anchor="ctr" anchorCtr="0">
-              <a:noAutofit/>
-            </a:bodyPr>
-            <a:lstStyle/>
-            <a:p>
-              <a:pPr marL="0" marR="0" lvl="0" indent="0" algn="ctr" rtl="0">
-                <a:lnSpc>
-                  <a:spcPct val="90000"/>
-                </a:lnSpc>
-                <a:spcBef>
-                  <a:spcPts val="0"/>
-                </a:spcBef>
-                <a:spcAft>
-                  <a:spcPts val="0"/>
-                </a:spcAft>
-                <a:buClr>
-                  <a:schemeClr val="lt1"/>
-                </a:buClr>
-                <a:buSzPts val="2000"/>
-                <a:buFont typeface="Calibri"/>
-                <a:buNone/>
-              </a:pPr>
-              <a:r>
-                <a:rPr lang="en-US" sz="2000" b="0" i="0" u="none" strike="noStrike" cap="none">
-                  <a:solidFill>
-                    <a:schemeClr val="lt1"/>
-                  </a:solidFill>
-                  <a:latin typeface="Calibri"/>
-                  <a:ea typeface="Calibri"/>
-                  <a:cs typeface="Calibri"/>
-                  <a:sym typeface="Calibri"/>
-                </a:rPr>
-                <a:t>Data Ownership</a:t>
-              </a:r>
-              <a:endParaRPr/>
-            </a:p>
-          </p:txBody>
-        </p:sp>
-        <p:sp>
-          <p:nvSpPr>
-            <p:cNvPr id="217" name="Google Shape;217;p18"/>
-            <p:cNvSpPr/>
-            <p:nvPr/>
-          </p:nvSpPr>
-          <p:spPr>
-            <a:xfrm>
-              <a:off x="7715499" y="131652"/>
-              <a:ext cx="3507045" cy="2104226"/>
-            </a:xfrm>
-            <a:prstGeom prst="rect">
-              <a:avLst/>
-            </a:prstGeom>
-            <a:solidFill>
-              <a:srgbClr val="BB9952"/>
-            </a:solidFill>
-            <a:ln w="25400" cap="flat" cmpd="sng">
-              <a:solidFill>
-                <a:schemeClr val="lt1"/>
-              </a:solidFill>
-              <a:prstDash val="solid"/>
-              <a:round/>
-              <a:headEnd type="none" w="sm" len="sm"/>
-              <a:tailEnd type="none" w="sm" len="sm"/>
-            </a:ln>
-          </p:spPr>
-          <p:txBody>
-            <a:bodyPr spcFirstLastPara="1" wrap="square" lIns="91425" tIns="91425" rIns="91425" bIns="91425" anchor="ctr" anchorCtr="0">
-              <a:noAutofit/>
-            </a:bodyPr>
-            <a:lstStyle/>
-            <a:p>
-              <a:pPr marL="0" lvl="0" indent="0" algn="l" rtl="0">
-                <a:spcBef>
-                  <a:spcPts val="0"/>
-                </a:spcBef>
-                <a:spcAft>
-                  <a:spcPts val="0"/>
-                </a:spcAft>
-                <a:buNone/>
-              </a:pPr>
-              <a:endParaRPr/>
-            </a:p>
-          </p:txBody>
-        </p:sp>
-        <p:sp>
-          <p:nvSpPr>
-            <p:cNvPr id="218" name="Google Shape;218;p18"/>
-            <p:cNvSpPr txBox="1"/>
-            <p:nvPr/>
-          </p:nvSpPr>
-          <p:spPr>
-            <a:xfrm>
-              <a:off x="7715499" y="131652"/>
-              <a:ext cx="3507045" cy="2104226"/>
-            </a:xfrm>
-            <a:prstGeom prst="rect">
-              <a:avLst/>
-            </a:prstGeom>
-            <a:noFill/>
-            <a:ln>
-              <a:noFill/>
-            </a:ln>
-          </p:spPr>
-          <p:txBody>
-            <a:bodyPr spcFirstLastPara="1" wrap="square" lIns="76200" tIns="76200" rIns="76200" bIns="76200" anchor="ctr" anchorCtr="0">
-              <a:noAutofit/>
-            </a:bodyPr>
-            <a:lstStyle/>
-            <a:p>
-              <a:pPr marL="0" marR="0" lvl="0" indent="0" algn="ctr" rtl="0">
-                <a:lnSpc>
-                  <a:spcPct val="90000"/>
-                </a:lnSpc>
-                <a:spcBef>
-                  <a:spcPts val="0"/>
-                </a:spcBef>
-                <a:spcAft>
-                  <a:spcPts val="0"/>
-                </a:spcAft>
-                <a:buClr>
-                  <a:schemeClr val="lt1"/>
-                </a:buClr>
-                <a:buSzPts val="2000"/>
-                <a:buFont typeface="Calibri"/>
-                <a:buNone/>
-              </a:pPr>
-              <a:r>
-                <a:rPr lang="en-US" sz="2000" b="0" i="0" u="none" strike="noStrike" cap="none">
-                  <a:solidFill>
-                    <a:schemeClr val="lt1"/>
-                  </a:solidFill>
-                  <a:latin typeface="Calibri"/>
-                  <a:ea typeface="Calibri"/>
-                  <a:cs typeface="Calibri"/>
-                  <a:sym typeface="Calibri"/>
-                </a:rPr>
-                <a:t>Bias, Equity, &amp; Fairness</a:t>
-              </a:r>
-              <a:endParaRPr/>
-            </a:p>
-          </p:txBody>
-        </p:sp>
-        <p:sp>
-          <p:nvSpPr>
-            <p:cNvPr id="219" name="Google Shape;219;p18"/>
-            <p:cNvSpPr/>
-            <p:nvPr/>
-          </p:nvSpPr>
-          <p:spPr>
-            <a:xfrm>
-              <a:off x="1928874" y="2586583"/>
-              <a:ext cx="3507045" cy="2104226"/>
-            </a:xfrm>
-            <a:prstGeom prst="rect">
-              <a:avLst/>
-            </a:prstGeom>
-            <a:solidFill>
-              <a:srgbClr val="BABA55"/>
-            </a:solidFill>
-            <a:ln w="25400" cap="flat" cmpd="sng">
-              <a:solidFill>
-                <a:schemeClr val="lt1"/>
-              </a:solidFill>
-              <a:prstDash val="solid"/>
-              <a:round/>
-              <a:headEnd type="none" w="sm" len="sm"/>
-              <a:tailEnd type="none" w="sm" len="sm"/>
-            </a:ln>
-          </p:spPr>
-          <p:txBody>
-            <a:bodyPr spcFirstLastPara="1" wrap="square" lIns="91425" tIns="91425" rIns="91425" bIns="91425" anchor="ctr" anchorCtr="0">
-              <a:noAutofit/>
-            </a:bodyPr>
-            <a:lstStyle/>
-            <a:p>
-              <a:pPr marL="0" lvl="0" indent="0" algn="l" rtl="0">
-                <a:spcBef>
-                  <a:spcPts val="0"/>
-                </a:spcBef>
-                <a:spcAft>
-                  <a:spcPts val="0"/>
-                </a:spcAft>
-                <a:buNone/>
-              </a:pPr>
-              <a:endParaRPr/>
-            </a:p>
-          </p:txBody>
-        </p:sp>
-        <p:sp>
-          <p:nvSpPr>
-            <p:cNvPr id="220" name="Google Shape;220;p18"/>
-            <p:cNvSpPr txBox="1"/>
-            <p:nvPr/>
-          </p:nvSpPr>
-          <p:spPr>
-            <a:xfrm>
-              <a:off x="1928874" y="2586583"/>
-              <a:ext cx="3507045" cy="2104226"/>
-            </a:xfrm>
-            <a:prstGeom prst="rect">
-              <a:avLst/>
-            </a:prstGeom>
-            <a:noFill/>
-            <a:ln>
-              <a:noFill/>
-            </a:ln>
-          </p:spPr>
-          <p:txBody>
-            <a:bodyPr spcFirstLastPara="1" wrap="square" lIns="76200" tIns="76200" rIns="76200" bIns="76200" anchor="ctr" anchorCtr="0">
-              <a:noAutofit/>
-            </a:bodyPr>
-            <a:lstStyle/>
-            <a:p>
-              <a:pPr marL="0" marR="0" lvl="0" indent="0" algn="ctr" rtl="0">
-                <a:lnSpc>
-                  <a:spcPct val="90000"/>
-                </a:lnSpc>
-                <a:spcBef>
-                  <a:spcPts val="0"/>
-                </a:spcBef>
-                <a:spcAft>
-                  <a:spcPts val="0"/>
-                </a:spcAft>
-                <a:buClr>
-                  <a:schemeClr val="lt1"/>
-                </a:buClr>
-                <a:buSzPts val="2000"/>
-                <a:buFont typeface="Calibri"/>
-                <a:buNone/>
-              </a:pPr>
-              <a:r>
-                <a:rPr lang="en-US" sz="2000" b="0" i="0" u="none" strike="noStrike" cap="none">
-                  <a:solidFill>
-                    <a:schemeClr val="lt1"/>
-                  </a:solidFill>
-                  <a:latin typeface="Calibri"/>
-                  <a:ea typeface="Calibri"/>
-                  <a:cs typeface="Calibri"/>
-                  <a:sym typeface="Calibri"/>
-                </a:rPr>
-                <a:t>Transparency</a:t>
-              </a:r>
-              <a:endParaRPr/>
-            </a:p>
-          </p:txBody>
-        </p:sp>
-        <p:sp>
-          <p:nvSpPr>
-            <p:cNvPr id="221" name="Google Shape;221;p18"/>
-            <p:cNvSpPr/>
-            <p:nvPr/>
-          </p:nvSpPr>
-          <p:spPr>
-            <a:xfrm>
-              <a:off x="5786624" y="2586583"/>
-              <a:ext cx="3507045" cy="2104226"/>
-            </a:xfrm>
-            <a:prstGeom prst="rect">
-              <a:avLst/>
-            </a:prstGeom>
-            <a:solidFill>
-              <a:srgbClr val="99B958"/>
-            </a:solidFill>
-            <a:ln w="25400" cap="flat" cmpd="sng">
-              <a:solidFill>
-                <a:schemeClr val="lt1"/>
-              </a:solidFill>
-              <a:prstDash val="solid"/>
-              <a:round/>
-              <a:headEnd type="none" w="sm" len="sm"/>
-              <a:tailEnd type="none" w="sm" len="sm"/>
-            </a:ln>
-          </p:spPr>
-          <p:txBody>
-            <a:bodyPr spcFirstLastPara="1" wrap="square" lIns="91425" tIns="91425" rIns="91425" bIns="91425" anchor="ctr" anchorCtr="0">
-              <a:noAutofit/>
-            </a:bodyPr>
-            <a:lstStyle/>
-            <a:p>
-              <a:pPr marL="0" lvl="0" indent="0" algn="l" rtl="0">
-                <a:spcBef>
-                  <a:spcPts val="0"/>
-                </a:spcBef>
-                <a:spcAft>
-                  <a:spcPts val="0"/>
-                </a:spcAft>
-                <a:buNone/>
-              </a:pPr>
-              <a:endParaRPr/>
-            </a:p>
-          </p:txBody>
-        </p:sp>
-        <p:sp>
-          <p:nvSpPr>
-            <p:cNvPr id="222" name="Google Shape;222;p18"/>
-            <p:cNvSpPr txBox="1"/>
-            <p:nvPr/>
-          </p:nvSpPr>
-          <p:spPr>
-            <a:xfrm>
-              <a:off x="5786624" y="2586583"/>
-              <a:ext cx="3507045" cy="2104226"/>
-            </a:xfrm>
-            <a:prstGeom prst="rect">
-              <a:avLst/>
-            </a:prstGeom>
-            <a:noFill/>
-            <a:ln>
-              <a:noFill/>
-            </a:ln>
-          </p:spPr>
-          <p:txBody>
-            <a:bodyPr spcFirstLastPara="1" wrap="square" lIns="76200" tIns="76200" rIns="76200" bIns="76200" anchor="ctr" anchorCtr="0">
-              <a:noAutofit/>
-            </a:bodyPr>
-            <a:lstStyle/>
-            <a:p>
-              <a:pPr marL="0" marR="0" lvl="0" indent="0" algn="ctr" rtl="0">
-                <a:lnSpc>
-                  <a:spcPct val="90000"/>
-                </a:lnSpc>
-                <a:spcBef>
-                  <a:spcPts val="0"/>
-                </a:spcBef>
-                <a:spcAft>
-                  <a:spcPts val="0"/>
-                </a:spcAft>
-                <a:buClr>
-                  <a:schemeClr val="lt1"/>
-                </a:buClr>
-                <a:buSzPts val="2000"/>
-                <a:buFont typeface="Calibri"/>
-                <a:buNone/>
-              </a:pPr>
-              <a:r>
-                <a:rPr lang="en-US" sz="2000" b="0" i="0" u="none" strike="noStrike" cap="none">
-                  <a:solidFill>
-                    <a:schemeClr val="lt1"/>
-                  </a:solidFill>
-                  <a:latin typeface="Calibri"/>
-                  <a:ea typeface="Calibri"/>
-                  <a:cs typeface="Calibri"/>
-                  <a:sym typeface="Calibri"/>
-                </a:rPr>
-                <a:t>Trustworthiness and Accountability</a:t>
-              </a:r>
-              <a:endParaRPr/>
-            </a:p>
-          </p:txBody>
-        </p:sp>
-      </p:grpSp>
-      <p:sp>
-        <p:nvSpPr>
-          <p:cNvPr id="223" name="Google Shape;223;p18"/>
-          <p:cNvSpPr txBox="1">
-            <a:spLocks noGrp="1"/>
-          </p:cNvSpPr>
-          <p:nvPr>
-            <p:ph type="title"/>
-          </p:nvPr>
-        </p:nvSpPr>
-        <p:spPr>
-          <a:xfrm>
-            <a:off x="415600" y="98980"/>
-            <a:ext cx="11360700" cy="1257900"/>
-          </a:xfrm>
-          <a:prstGeom prst="rect">
-            <a:avLst/>
-          </a:prstGeom>
-          <a:noFill/>
-          <a:ln>
-            <a:noFill/>
-          </a:ln>
-        </p:spPr>
-        <p:txBody>
-          <a:bodyPr spcFirstLastPara="1" wrap="square" lIns="91425" tIns="45700" rIns="91425" bIns="45700" anchor="ctr" anchorCtr="0">
-            <a:noAutofit/>
-          </a:bodyPr>
-          <a:lstStyle/>
-          <a:p>
-            <a:pPr marL="0" lvl="0" indent="0" algn="ctr" rtl="0">
-              <a:spcBef>
-                <a:spcPts val="0"/>
-              </a:spcBef>
-              <a:spcAft>
-                <a:spcPts val="0"/>
-              </a:spcAft>
-              <a:buNone/>
-            </a:pPr>
-            <a:r>
-              <a:rPr lang="en-US" sz="4800"/>
-              <a:t>Data and AI Ethics Issues</a:t>
-            </a:r>
-            <a:endParaRPr sz="4800"/>
-          </a:p>
-        </p:txBody>
-      </p:sp>
-    </p:spTree>
-  </p:cSld>
-  <p:clrMapOvr>
-    <a:masterClrMapping/>
-  </p:clrMapOvr>
-</p:sld>
-</file>
-
-<file path=ppt/slides/slide6.xml><?xml version="1.0" encoding="utf-8"?>
-<p:sld xmlns:a="http://schemas.openxmlformats.org/drawingml/2006/main" xmlns:r="http://schemas.openxmlformats.org/officeDocument/2006/relationships" xmlns:p="http://schemas.openxmlformats.org/presentationml/2006/main">
-  <p:cSld>
-    <p:spTree>
-      <p:nvGrpSpPr>
-        <p:cNvPr id="1" name="Shape 227"/>
-        <p:cNvGrpSpPr/>
-        <p:nvPr/>
-      </p:nvGrpSpPr>
-      <p:grpSpPr>
-        <a:xfrm>
-          <a:off x="0" y="0"/>
-          <a:ext cx="0" cy="0"/>
-          <a:chOff x="0" y="0"/>
-          <a:chExt cx="0" cy="0"/>
-        </a:xfrm>
-      </p:grpSpPr>
-      <p:grpSp>
-        <p:nvGrpSpPr>
-          <p:cNvPr id="228" name="Google Shape;228;p19"/>
-          <p:cNvGrpSpPr/>
-          <p:nvPr/>
-        </p:nvGrpSpPr>
-        <p:grpSpPr>
-          <a:xfrm>
-            <a:off x="3536630" y="1208075"/>
-            <a:ext cx="5380812" cy="5370762"/>
-            <a:chOff x="2465556" y="-14002"/>
-            <a:chExt cx="5380812" cy="5370762"/>
-          </a:xfrm>
-        </p:grpSpPr>
-        <p:sp>
-          <p:nvSpPr>
-            <p:cNvPr id="229" name="Google Shape;229;p19"/>
-            <p:cNvSpPr/>
-            <p:nvPr/>
-          </p:nvSpPr>
-          <p:spPr>
-            <a:xfrm>
-              <a:off x="2465556" y="-14002"/>
-              <a:ext cx="5380812" cy="5356760"/>
-            </a:xfrm>
-            <a:prstGeom prst="ellipse">
-              <a:avLst/>
-            </a:prstGeom>
-            <a:solidFill>
-              <a:srgbClr val="E5B8B7"/>
-            </a:solidFill>
-            <a:ln w="38100" cap="flat" cmpd="sng">
-              <a:solidFill>
-                <a:schemeClr val="lt1"/>
-              </a:solidFill>
-              <a:prstDash val="solid"/>
-              <a:round/>
-              <a:headEnd type="none" w="sm" len="sm"/>
-              <a:tailEnd type="none" w="sm" len="sm"/>
-            </a:ln>
-            <a:effectLst>
-              <a:outerShdw blurRad="40000" dist="20000" dir="5400000" rotWithShape="0">
-                <a:srgbClr val="000000">
-                  <a:alpha val="37647"/>
-                </a:srgbClr>
-              </a:outerShdw>
-            </a:effectLst>
-          </p:spPr>
-          <p:txBody>
-            <a:bodyPr spcFirstLastPara="1" wrap="square" lIns="91425" tIns="91425" rIns="91425" bIns="91425" anchor="ctr" anchorCtr="0">
-              <a:noAutofit/>
-            </a:bodyPr>
-            <a:lstStyle/>
-            <a:p>
-              <a:pPr marL="0" lvl="0" indent="0" algn="l" rtl="0">
-                <a:spcBef>
-                  <a:spcPts val="0"/>
-                </a:spcBef>
-                <a:spcAft>
-                  <a:spcPts val="0"/>
-                </a:spcAft>
-                <a:buNone/>
-              </a:pPr>
-              <a:endParaRPr/>
-            </a:p>
-          </p:txBody>
-        </p:sp>
-        <p:sp>
-          <p:nvSpPr>
-            <p:cNvPr id="230" name="Google Shape;230;p19"/>
-            <p:cNvSpPr txBox="1"/>
-            <p:nvPr/>
-          </p:nvSpPr>
-          <p:spPr>
-            <a:xfrm>
-              <a:off x="4403724" y="253835"/>
-              <a:ext cx="1504475" cy="803514"/>
-            </a:xfrm>
-            <a:prstGeom prst="rect">
-              <a:avLst/>
-            </a:prstGeom>
-            <a:noFill/>
-            <a:ln>
-              <a:noFill/>
-            </a:ln>
-          </p:spPr>
-          <p:txBody>
-            <a:bodyPr spcFirstLastPara="1" wrap="square" lIns="78225" tIns="78225" rIns="78225" bIns="78225" anchor="ctr" anchorCtr="0">
-              <a:noAutofit/>
-            </a:bodyPr>
-            <a:lstStyle/>
-            <a:p>
-              <a:pPr marL="0" marR="0" lvl="0" indent="0" algn="ctr" rtl="0">
-                <a:lnSpc>
-                  <a:spcPct val="90000"/>
-                </a:lnSpc>
-                <a:spcBef>
-                  <a:spcPts val="0"/>
-                </a:spcBef>
-                <a:spcAft>
-                  <a:spcPts val="0"/>
-                </a:spcAft>
-                <a:buClr>
-                  <a:schemeClr val="lt1"/>
-                </a:buClr>
-                <a:buSzPts val="1100"/>
-                <a:buFont typeface="Calibri"/>
-                <a:buNone/>
-              </a:pPr>
-              <a:r>
-                <a:rPr lang="en-US" sz="1100" b="1" i="0" u="none" strike="noStrike" cap="none">
-                  <a:solidFill>
-                    <a:schemeClr val="lt1"/>
-                  </a:solidFill>
-                  <a:latin typeface="Calibri"/>
-                  <a:ea typeface="Calibri"/>
-                  <a:cs typeface="Calibri"/>
-                  <a:sym typeface="Calibri"/>
-                </a:rPr>
-                <a:t>Collection Control</a:t>
-              </a:r>
-              <a:endParaRPr/>
-            </a:p>
-          </p:txBody>
-        </p:sp>
-        <p:sp>
-          <p:nvSpPr>
-            <p:cNvPr id="231" name="Google Shape;231;p19"/>
-            <p:cNvSpPr/>
-            <p:nvPr/>
-          </p:nvSpPr>
-          <p:spPr>
-            <a:xfrm>
-              <a:off x="2889924" y="967291"/>
-              <a:ext cx="4532076" cy="4341419"/>
-            </a:xfrm>
-            <a:prstGeom prst="ellipse">
-              <a:avLst/>
-            </a:prstGeom>
-            <a:solidFill>
-              <a:srgbClr val="D99593">
-                <a:alpha val="81960"/>
-              </a:srgbClr>
-            </a:solidFill>
-            <a:ln w="38100" cap="flat" cmpd="sng">
-              <a:solidFill>
-                <a:schemeClr val="lt1"/>
-              </a:solidFill>
-              <a:prstDash val="solid"/>
-              <a:round/>
-              <a:headEnd type="none" w="sm" len="sm"/>
-              <a:tailEnd type="none" w="sm" len="sm"/>
-            </a:ln>
-            <a:effectLst>
-              <a:outerShdw blurRad="40000" dist="20000" dir="5400000" rotWithShape="0">
-                <a:srgbClr val="000000">
-                  <a:alpha val="37647"/>
-                </a:srgbClr>
-              </a:outerShdw>
-            </a:effectLst>
-          </p:spPr>
-          <p:txBody>
-            <a:bodyPr spcFirstLastPara="1" wrap="square" lIns="91425" tIns="91425" rIns="91425" bIns="91425" anchor="ctr" anchorCtr="0">
-              <a:noAutofit/>
-            </a:bodyPr>
-            <a:lstStyle/>
-            <a:p>
-              <a:pPr marL="0" lvl="0" indent="0" algn="l" rtl="0">
-                <a:spcBef>
-                  <a:spcPts val="0"/>
-                </a:spcBef>
-                <a:spcAft>
-                  <a:spcPts val="0"/>
-                </a:spcAft>
-                <a:buNone/>
-              </a:pPr>
-              <a:endParaRPr/>
-            </a:p>
-          </p:txBody>
-        </p:sp>
-        <p:sp>
-          <p:nvSpPr>
-            <p:cNvPr id="232" name="Google Shape;232;p19"/>
-            <p:cNvSpPr txBox="1"/>
-            <p:nvPr/>
-          </p:nvSpPr>
-          <p:spPr>
-            <a:xfrm>
-              <a:off x="4363982" y="1227776"/>
-              <a:ext cx="1583960" cy="781455"/>
-            </a:xfrm>
-            <a:prstGeom prst="rect">
-              <a:avLst/>
-            </a:prstGeom>
-            <a:noFill/>
-            <a:ln>
-              <a:noFill/>
-            </a:ln>
-          </p:spPr>
-          <p:txBody>
-            <a:bodyPr spcFirstLastPara="1" wrap="square" lIns="78225" tIns="78225" rIns="78225" bIns="78225" anchor="ctr" anchorCtr="0">
-              <a:noAutofit/>
-            </a:bodyPr>
-            <a:lstStyle/>
-            <a:p>
-              <a:pPr marL="0" marR="0" lvl="0" indent="0" algn="ctr" rtl="0">
-                <a:lnSpc>
-                  <a:spcPct val="90000"/>
-                </a:lnSpc>
-                <a:spcBef>
-                  <a:spcPts val="0"/>
-                </a:spcBef>
-                <a:spcAft>
-                  <a:spcPts val="0"/>
-                </a:spcAft>
-                <a:buClr>
-                  <a:schemeClr val="dk1"/>
-                </a:buClr>
-                <a:buSzPts val="1100"/>
-                <a:buFont typeface="Calibri"/>
-                <a:buNone/>
-              </a:pPr>
-              <a:endParaRPr sz="1100" b="1" i="0" u="none" strike="noStrike" cap="none">
-                <a:solidFill>
-                  <a:schemeClr val="lt1"/>
-                </a:solidFill>
-                <a:latin typeface="Calibri"/>
-                <a:ea typeface="Calibri"/>
-                <a:cs typeface="Calibri"/>
-                <a:sym typeface="Calibri"/>
-              </a:endParaRPr>
-            </a:p>
-            <a:p>
-              <a:pPr marL="0" marR="0" lvl="0" indent="0" algn="ctr" rtl="0">
-                <a:lnSpc>
-                  <a:spcPct val="90000"/>
-                </a:lnSpc>
-                <a:spcBef>
-                  <a:spcPts val="385"/>
-                </a:spcBef>
-                <a:spcAft>
-                  <a:spcPts val="0"/>
-                </a:spcAft>
-                <a:buClr>
-                  <a:schemeClr val="dk1"/>
-                </a:buClr>
-                <a:buSzPts val="1100"/>
-                <a:buFont typeface="Calibri"/>
-                <a:buNone/>
-              </a:pPr>
-              <a:endParaRPr sz="1100" b="1" i="0" u="none" strike="noStrike" cap="none">
-                <a:solidFill>
-                  <a:schemeClr val="lt1"/>
-                </a:solidFill>
-                <a:latin typeface="Calibri"/>
-                <a:ea typeface="Calibri"/>
-                <a:cs typeface="Calibri"/>
-                <a:sym typeface="Calibri"/>
-              </a:endParaRPr>
-            </a:p>
-            <a:p>
-              <a:pPr marL="0" marR="0" lvl="0" indent="0" algn="ctr" rtl="0">
-                <a:lnSpc>
-                  <a:spcPct val="90000"/>
-                </a:lnSpc>
-                <a:spcBef>
-                  <a:spcPts val="385"/>
-                </a:spcBef>
-                <a:spcAft>
-                  <a:spcPts val="0"/>
-                </a:spcAft>
-                <a:buClr>
-                  <a:schemeClr val="lt1"/>
-                </a:buClr>
-                <a:buSzPts val="1100"/>
-                <a:buFont typeface="Calibri"/>
-                <a:buNone/>
-              </a:pPr>
-              <a:r>
-                <a:rPr lang="en-US" sz="1100" b="1" i="0" u="none" strike="noStrike" cap="none">
-                  <a:solidFill>
-                    <a:schemeClr val="lt1"/>
-                  </a:solidFill>
-                  <a:latin typeface="Calibri"/>
-                  <a:ea typeface="Calibri"/>
-                  <a:cs typeface="Calibri"/>
-                  <a:sym typeface="Calibri"/>
-                </a:rPr>
-                <a:t>Access Control</a:t>
-              </a:r>
-              <a:endParaRPr/>
-            </a:p>
-          </p:txBody>
-        </p:sp>
-        <p:sp>
-          <p:nvSpPr>
-            <p:cNvPr id="233" name="Google Shape;233;p19"/>
-            <p:cNvSpPr/>
-            <p:nvPr/>
-          </p:nvSpPr>
-          <p:spPr>
-            <a:xfrm>
-              <a:off x="3596373" y="2153278"/>
-              <a:ext cx="3119177" cy="3203482"/>
-            </a:xfrm>
-            <a:prstGeom prst="ellipse">
-              <a:avLst/>
-            </a:prstGeom>
-            <a:solidFill>
-              <a:srgbClr val="953734"/>
-            </a:solidFill>
-            <a:ln w="38100" cap="flat" cmpd="sng">
-              <a:solidFill>
-                <a:schemeClr val="lt1"/>
-              </a:solidFill>
-              <a:prstDash val="solid"/>
-              <a:round/>
-              <a:headEnd type="none" w="sm" len="sm"/>
-              <a:tailEnd type="none" w="sm" len="sm"/>
-            </a:ln>
-            <a:effectLst>
-              <a:outerShdw blurRad="40000" dist="20000" dir="5400000" rotWithShape="0">
-                <a:srgbClr val="000000">
-                  <a:alpha val="37647"/>
-                </a:srgbClr>
-              </a:outerShdw>
-            </a:effectLst>
-          </p:spPr>
-          <p:txBody>
-            <a:bodyPr spcFirstLastPara="1" wrap="square" lIns="91425" tIns="91425" rIns="91425" bIns="91425" anchor="ctr" anchorCtr="0">
-              <a:noAutofit/>
-            </a:bodyPr>
-            <a:lstStyle/>
-            <a:p>
-              <a:pPr marL="0" lvl="0" indent="0" algn="l" rtl="0">
-                <a:spcBef>
-                  <a:spcPts val="0"/>
-                </a:spcBef>
-                <a:spcAft>
-                  <a:spcPts val="0"/>
-                </a:spcAft>
-                <a:buNone/>
-              </a:pPr>
-              <a:endParaRPr/>
-            </a:p>
-          </p:txBody>
-        </p:sp>
-        <p:sp>
-          <p:nvSpPr>
-            <p:cNvPr id="234" name="Google Shape;234;p19"/>
-            <p:cNvSpPr txBox="1"/>
-            <p:nvPr/>
-          </p:nvSpPr>
-          <p:spPr>
-            <a:xfrm>
-              <a:off x="4429194" y="2393539"/>
-              <a:ext cx="1453536" cy="720783"/>
-            </a:xfrm>
-            <a:prstGeom prst="rect">
-              <a:avLst/>
-            </a:prstGeom>
-            <a:noFill/>
-            <a:ln>
-              <a:noFill/>
-            </a:ln>
-          </p:spPr>
-          <p:txBody>
-            <a:bodyPr spcFirstLastPara="1" wrap="square" lIns="78225" tIns="78225" rIns="78225" bIns="78225" anchor="ctr" anchorCtr="0">
-              <a:noAutofit/>
-            </a:bodyPr>
-            <a:lstStyle/>
-            <a:p>
-              <a:pPr marL="0" marR="0" lvl="0" indent="0" algn="ctr" rtl="0">
-                <a:lnSpc>
-                  <a:spcPct val="90000"/>
-                </a:lnSpc>
-                <a:spcBef>
-                  <a:spcPts val="0"/>
-                </a:spcBef>
-                <a:spcAft>
-                  <a:spcPts val="0"/>
-                </a:spcAft>
-                <a:buClr>
-                  <a:schemeClr val="lt1"/>
-                </a:buClr>
-                <a:buSzPts val="1100"/>
-                <a:buFont typeface="Calibri"/>
-                <a:buNone/>
-              </a:pPr>
-              <a:br>
-                <a:rPr lang="en-US" sz="1100" b="1" i="0" u="none" strike="noStrike" cap="none">
-                  <a:solidFill>
-                    <a:schemeClr val="lt1"/>
-                  </a:solidFill>
-                  <a:latin typeface="Calibri"/>
-                  <a:ea typeface="Calibri"/>
-                  <a:cs typeface="Calibri"/>
-                  <a:sym typeface="Calibri"/>
-                </a:rPr>
-              </a:br>
-              <a:br>
-                <a:rPr lang="en-US" sz="1100" b="1" i="0" u="none" strike="noStrike" cap="none">
-                  <a:solidFill>
-                    <a:schemeClr val="lt1"/>
-                  </a:solidFill>
-                  <a:latin typeface="Calibri"/>
-                  <a:ea typeface="Calibri"/>
-                  <a:cs typeface="Calibri"/>
-                  <a:sym typeface="Calibri"/>
-                </a:rPr>
-              </a:br>
-              <a:br>
-                <a:rPr lang="en-US" sz="1100" b="1" i="0" u="none" strike="noStrike" cap="none">
-                  <a:solidFill>
-                    <a:schemeClr val="lt1"/>
-                  </a:solidFill>
-                  <a:latin typeface="Calibri"/>
-                  <a:ea typeface="Calibri"/>
-                  <a:cs typeface="Calibri"/>
-                  <a:sym typeface="Calibri"/>
-                </a:rPr>
-              </a:br>
-              <a:r>
-                <a:rPr lang="en-US" sz="1100" b="1" i="0" u="none" strike="noStrike" cap="none">
-                  <a:solidFill>
-                    <a:schemeClr val="lt1"/>
-                  </a:solidFill>
-                  <a:latin typeface="Calibri"/>
-                  <a:ea typeface="Calibri"/>
-                  <a:cs typeface="Calibri"/>
-                  <a:sym typeface="Calibri"/>
-                </a:rPr>
-                <a:t>Inference Control (Not inferring something about me)</a:t>
-              </a:r>
-              <a:endParaRPr/>
-            </a:p>
-          </p:txBody>
-        </p:sp>
-        <p:sp>
-          <p:nvSpPr>
-            <p:cNvPr id="235" name="Google Shape;235;p19"/>
-            <p:cNvSpPr/>
-            <p:nvPr/>
-          </p:nvSpPr>
-          <p:spPr>
-            <a:xfrm>
-              <a:off x="4215925" y="3630598"/>
-              <a:ext cx="1880073" cy="1726162"/>
-            </a:xfrm>
-            <a:prstGeom prst="ellipse">
-              <a:avLst/>
-            </a:prstGeom>
-            <a:solidFill>
-              <a:srgbClr val="632423"/>
-            </a:solidFill>
-            <a:ln w="38100" cap="flat" cmpd="sng">
-              <a:solidFill>
-                <a:schemeClr val="lt1"/>
-              </a:solidFill>
-              <a:prstDash val="solid"/>
-              <a:round/>
-              <a:headEnd type="none" w="sm" len="sm"/>
-              <a:tailEnd type="none" w="sm" len="sm"/>
-            </a:ln>
-            <a:effectLst>
-              <a:outerShdw blurRad="40000" dist="20000" dir="5400000" rotWithShape="0">
-                <a:srgbClr val="000000">
-                  <a:alpha val="37647"/>
-                </a:srgbClr>
-              </a:outerShdw>
-            </a:effectLst>
-          </p:spPr>
-          <p:txBody>
-            <a:bodyPr spcFirstLastPara="1" wrap="square" lIns="91425" tIns="91425" rIns="91425" bIns="91425" anchor="ctr" anchorCtr="0">
-              <a:noAutofit/>
-            </a:bodyPr>
-            <a:lstStyle/>
-            <a:p>
-              <a:pPr marL="0" lvl="0" indent="0" algn="l" rtl="0">
-                <a:spcBef>
-                  <a:spcPts val="0"/>
-                </a:spcBef>
-                <a:spcAft>
-                  <a:spcPts val="0"/>
-                </a:spcAft>
-                <a:buNone/>
-              </a:pPr>
-              <a:endParaRPr/>
-            </a:p>
-          </p:txBody>
-        </p:sp>
-        <p:sp>
-          <p:nvSpPr>
-            <p:cNvPr id="236" name="Google Shape;236;p19"/>
-            <p:cNvSpPr txBox="1"/>
-            <p:nvPr/>
-          </p:nvSpPr>
-          <p:spPr>
-            <a:xfrm>
-              <a:off x="4491256" y="4062139"/>
-              <a:ext cx="1329412" cy="863081"/>
-            </a:xfrm>
-            <a:prstGeom prst="rect">
-              <a:avLst/>
-            </a:prstGeom>
-            <a:noFill/>
-            <a:ln>
-              <a:noFill/>
-            </a:ln>
-          </p:spPr>
-          <p:txBody>
-            <a:bodyPr spcFirstLastPara="1" wrap="square" lIns="78225" tIns="78225" rIns="78225" bIns="78225" anchor="ctr" anchorCtr="0">
-              <a:noAutofit/>
-            </a:bodyPr>
-            <a:lstStyle/>
-            <a:p>
-              <a:pPr marL="0" marR="0" lvl="0" indent="0" algn="ctr" rtl="0">
-                <a:lnSpc>
-                  <a:spcPct val="90000"/>
-                </a:lnSpc>
-                <a:spcBef>
-                  <a:spcPts val="0"/>
-                </a:spcBef>
-                <a:spcAft>
-                  <a:spcPts val="0"/>
-                </a:spcAft>
-                <a:buClr>
-                  <a:schemeClr val="lt1"/>
-                </a:buClr>
-                <a:buSzPts val="1100"/>
-                <a:buFont typeface="Calibri"/>
-                <a:buNone/>
-              </a:pPr>
-              <a:r>
-                <a:rPr lang="en-US" sz="1100" b="1" i="0" u="none" strike="noStrike" cap="none">
-                  <a:solidFill>
-                    <a:schemeClr val="lt1"/>
-                  </a:solidFill>
-                  <a:latin typeface="Calibri"/>
-                  <a:ea typeface="Calibri"/>
-                  <a:cs typeface="Calibri"/>
-                  <a:sym typeface="Calibri"/>
-                </a:rPr>
-                <a:t>Action Control (Not taking actions on me)</a:t>
-              </a:r>
-              <a:endParaRPr/>
-            </a:p>
-          </p:txBody>
-        </p:sp>
-      </p:grpSp>
-      <p:sp>
-        <p:nvSpPr>
-          <p:cNvPr id="237" name="Google Shape;237;p19"/>
-          <p:cNvSpPr txBox="1">
-            <a:spLocks noGrp="1"/>
-          </p:cNvSpPr>
-          <p:nvPr>
-            <p:ph type="title"/>
-          </p:nvPr>
-        </p:nvSpPr>
-        <p:spPr>
-          <a:xfrm>
-            <a:off x="415600" y="6"/>
-            <a:ext cx="11360700" cy="1356900"/>
-          </a:xfrm>
-          <a:prstGeom prst="rect">
-            <a:avLst/>
-          </a:prstGeom>
-          <a:noFill/>
-          <a:ln>
-            <a:noFill/>
-          </a:ln>
-        </p:spPr>
-        <p:txBody>
-          <a:bodyPr spcFirstLastPara="1" wrap="square" lIns="91425" tIns="45700" rIns="91425" bIns="45700" anchor="ctr" anchorCtr="0">
-            <a:noAutofit/>
-          </a:bodyPr>
-          <a:lstStyle/>
-          <a:p>
-            <a:pPr marL="0" lvl="0" indent="0" algn="ctr" rtl="0">
-              <a:spcBef>
-                <a:spcPts val="0"/>
-              </a:spcBef>
-              <a:spcAft>
-                <a:spcPts val="0"/>
-              </a:spcAft>
-              <a:buNone/>
-            </a:pPr>
-            <a:r>
-              <a:rPr lang="en-US" sz="4800"/>
-              <a:t>Levels of control</a:t>
-            </a:r>
-            <a:endParaRPr sz="4800"/>
-          </a:p>
-        </p:txBody>
-      </p:sp>
-    </p:spTree>
-  </p:cSld>
-  <p:clrMapOvr>
-    <a:masterClrMapping/>
-  </p:clrMapOvr>
-</p:sld>
-</file>
-
-<file path=ppt/slides/slide7.xml><?xml version="1.0" encoding="utf-8"?>
-<p:sld xmlns:a="http://schemas.openxmlformats.org/drawingml/2006/main" xmlns:r="http://schemas.openxmlformats.org/officeDocument/2006/relationships" xmlns:p="http://schemas.openxmlformats.org/presentationml/2006/main">
-  <p:cSld>
-    <p:spTree>
-      <p:nvGrpSpPr>
-        <p:cNvPr id="1" name="Shape 241"/>
-        <p:cNvGrpSpPr/>
-        <p:nvPr/>
-      </p:nvGrpSpPr>
-      <p:grpSpPr>
-        <a:xfrm>
-          <a:off x="0" y="0"/>
-          <a:ext cx="0" cy="0"/>
-          <a:chOff x="0" y="0"/>
-          <a:chExt cx="0" cy="0"/>
-        </a:xfrm>
-      </p:grpSpPr>
-      <p:sp>
-        <p:nvSpPr>
-          <p:cNvPr id="242" name="Google Shape;242;p20"/>
-          <p:cNvSpPr txBox="1">
-            <a:spLocks noGrp="1"/>
-          </p:cNvSpPr>
-          <p:nvPr>
-            <p:ph type="body" idx="1"/>
-          </p:nvPr>
-        </p:nvSpPr>
-        <p:spPr>
-          <a:xfrm>
-            <a:off x="415600" y="1689033"/>
-            <a:ext cx="11360700" cy="4555200"/>
-          </a:xfrm>
-          <a:prstGeom prst="rect">
-            <a:avLst/>
-          </a:prstGeom>
-          <a:noFill/>
-          <a:ln>
-            <a:noFill/>
-          </a:ln>
-        </p:spPr>
-        <p:txBody>
-          <a:bodyPr spcFirstLastPara="1" wrap="square" lIns="91425" tIns="45700" rIns="91425" bIns="45700" anchor="t" anchorCtr="0">
-            <a:noAutofit/>
-          </a:bodyPr>
-          <a:lstStyle/>
-          <a:p>
-            <a:pPr marL="257168" lvl="0" indent="-257168" algn="l" rtl="0">
-              <a:spcBef>
-                <a:spcPts val="0"/>
-              </a:spcBef>
-              <a:spcAft>
-                <a:spcPts val="0"/>
-              </a:spcAft>
-              <a:buClr>
-                <a:srgbClr val="000000"/>
-              </a:buClr>
-              <a:buSzPts val="2667"/>
-              <a:buChar char="●"/>
-            </a:pPr>
-            <a:r>
-              <a:rPr lang="en-US" sz="2667">
-                <a:solidFill>
-                  <a:srgbClr val="000000"/>
-                </a:solidFill>
-              </a:rPr>
-              <a:t>Are you using data for purposes it’s intended for? </a:t>
-            </a:r>
-            <a:endParaRPr>
-              <a:solidFill>
-                <a:srgbClr val="000000"/>
-              </a:solidFill>
-            </a:endParaRPr>
-          </a:p>
-          <a:p>
-            <a:pPr marL="257168" lvl="0" indent="-257168" algn="l" rtl="0">
-              <a:spcBef>
-                <a:spcPts val="533"/>
-              </a:spcBef>
-              <a:spcAft>
-                <a:spcPts val="0"/>
-              </a:spcAft>
-              <a:buClr>
-                <a:srgbClr val="000000"/>
-              </a:buClr>
-              <a:buSzPts val="2667"/>
-              <a:buChar char="●"/>
-            </a:pPr>
-            <a:r>
-              <a:rPr lang="en-US" sz="2667">
-                <a:solidFill>
-                  <a:srgbClr val="000000"/>
-                </a:solidFill>
-              </a:rPr>
-              <a:t>How are you protecting the data?</a:t>
-            </a:r>
-            <a:endParaRPr>
-              <a:solidFill>
-                <a:srgbClr val="000000"/>
-              </a:solidFill>
-            </a:endParaRPr>
-          </a:p>
-          <a:p>
-            <a:pPr marL="257168" lvl="0" indent="-257168" algn="l" rtl="0">
-              <a:spcBef>
-                <a:spcPts val="533"/>
-              </a:spcBef>
-              <a:spcAft>
-                <a:spcPts val="0"/>
-              </a:spcAft>
-              <a:buClr>
-                <a:srgbClr val="000000"/>
-              </a:buClr>
-              <a:buSzPts val="2667"/>
-              <a:buChar char="●"/>
-            </a:pPr>
-            <a:r>
-              <a:rPr lang="en-US" sz="2667">
-                <a:solidFill>
-                  <a:srgbClr val="000000"/>
-                </a:solidFill>
-              </a:rPr>
-              <a:t>Do the people who “own” the data know you’re using it?</a:t>
-            </a:r>
-            <a:endParaRPr>
-              <a:solidFill>
-                <a:srgbClr val="000000"/>
-              </a:solidFill>
-            </a:endParaRPr>
-          </a:p>
-          <a:p>
-            <a:pPr marL="257168" lvl="0" indent="-257168" algn="l" rtl="0">
-              <a:spcBef>
-                <a:spcPts val="533"/>
-              </a:spcBef>
-              <a:spcAft>
-                <a:spcPts val="0"/>
-              </a:spcAft>
-              <a:buClr>
-                <a:srgbClr val="000000"/>
-              </a:buClr>
-              <a:buSzPts val="2667"/>
-              <a:buChar char="●"/>
-            </a:pPr>
-            <a:r>
-              <a:rPr lang="en-US" sz="2667">
-                <a:solidFill>
-                  <a:srgbClr val="000000"/>
-                </a:solidFill>
-              </a:rPr>
-              <a:t>Do you have their permission? How was it obtained?</a:t>
-            </a:r>
-            <a:endParaRPr>
-              <a:solidFill>
-                <a:srgbClr val="000000"/>
-              </a:solidFill>
-            </a:endParaRPr>
-          </a:p>
-          <a:p>
-            <a:pPr marL="257168" lvl="0" indent="-257168" algn="l" rtl="0">
-              <a:spcBef>
-                <a:spcPts val="533"/>
-              </a:spcBef>
-              <a:spcAft>
-                <a:spcPts val="0"/>
-              </a:spcAft>
-              <a:buClr>
-                <a:srgbClr val="000000"/>
-              </a:buClr>
-              <a:buSzPts val="2667"/>
-              <a:buChar char="●"/>
-            </a:pPr>
-            <a:r>
-              <a:rPr lang="en-US" sz="2667">
-                <a:solidFill>
-                  <a:srgbClr val="000000"/>
-                </a:solidFill>
-              </a:rPr>
-              <a:t>What actions are you taking on individuals based on this data?</a:t>
-            </a:r>
-            <a:endParaRPr>
-              <a:solidFill>
-                <a:srgbClr val="000000"/>
-              </a:solidFill>
-            </a:endParaRPr>
-          </a:p>
-          <a:p>
-            <a:pPr marL="257168" lvl="0" indent="-257168" algn="l" rtl="0">
-              <a:spcBef>
-                <a:spcPts val="533"/>
-              </a:spcBef>
-              <a:spcAft>
-                <a:spcPts val="0"/>
-              </a:spcAft>
-              <a:buClr>
-                <a:srgbClr val="000000"/>
-              </a:buClr>
-              <a:buSzPts val="2667"/>
-              <a:buChar char="●"/>
-            </a:pPr>
-            <a:r>
-              <a:rPr lang="en-US" sz="2667">
-                <a:solidFill>
-                  <a:srgbClr val="000000"/>
-                </a:solidFill>
-              </a:rPr>
-              <a:t>Do the people you’re targeting know why and if they’re being targeted?</a:t>
-            </a:r>
-            <a:endParaRPr>
-              <a:solidFill>
-                <a:srgbClr val="000000"/>
-              </a:solidFill>
-            </a:endParaRPr>
-          </a:p>
-          <a:p>
-            <a:pPr marL="257168" lvl="0" indent="-257168" algn="l" rtl="0">
-              <a:spcBef>
-                <a:spcPts val="533"/>
-              </a:spcBef>
-              <a:spcAft>
-                <a:spcPts val="0"/>
-              </a:spcAft>
-              <a:buClr>
-                <a:srgbClr val="000000"/>
-              </a:buClr>
-              <a:buSzPts val="2667"/>
-              <a:buChar char="●"/>
-            </a:pPr>
-            <a:r>
-              <a:rPr lang="en-US" sz="2667">
-                <a:solidFill>
-                  <a:srgbClr val="000000"/>
-                </a:solidFill>
-              </a:rPr>
-              <a:t>What recourse do they have?</a:t>
-            </a:r>
-            <a:endParaRPr>
-              <a:solidFill>
-                <a:srgbClr val="000000"/>
-              </a:solidFill>
-            </a:endParaRPr>
-          </a:p>
-          <a:p>
-            <a:pPr marL="257168" lvl="0" indent="-257168" algn="l" rtl="0">
-              <a:spcBef>
-                <a:spcPts val="533"/>
-              </a:spcBef>
-              <a:spcAft>
-                <a:spcPts val="0"/>
-              </a:spcAft>
-              <a:buClr>
-                <a:srgbClr val="000000"/>
-              </a:buClr>
-              <a:buSzPts val="2667"/>
-              <a:buChar char="●"/>
-            </a:pPr>
-            <a:r>
-              <a:rPr lang="en-US" sz="2667">
-                <a:solidFill>
-                  <a:srgbClr val="000000"/>
-                </a:solidFill>
-              </a:rPr>
-              <a:t>Would it make the front page of the national newspaper if they found out what you’re doing?</a:t>
-            </a:r>
-            <a:endParaRPr>
-              <a:solidFill>
-                <a:srgbClr val="000000"/>
-              </a:solidFill>
-            </a:endParaRPr>
-          </a:p>
-          <a:p>
-            <a:pPr marL="257168" lvl="0" indent="-104768" algn="l" rtl="0">
-              <a:spcBef>
-                <a:spcPts val="480"/>
-              </a:spcBef>
-              <a:spcAft>
-                <a:spcPts val="0"/>
-              </a:spcAft>
-              <a:buClr>
-                <a:schemeClr val="dk1"/>
-              </a:buClr>
-              <a:buSzPts val="2400"/>
-              <a:buNone/>
-            </a:pPr>
-            <a:endParaRPr>
-              <a:solidFill>
-                <a:srgbClr val="000000"/>
-              </a:solidFill>
-            </a:endParaRPr>
-          </a:p>
-        </p:txBody>
-      </p:sp>
-      <p:sp>
-        <p:nvSpPr>
-          <p:cNvPr id="243" name="Google Shape;243;p20"/>
-          <p:cNvSpPr txBox="1">
-            <a:spLocks noGrp="1"/>
-          </p:cNvSpPr>
-          <p:nvPr>
-            <p:ph type="title"/>
-          </p:nvPr>
-        </p:nvSpPr>
-        <p:spPr>
-          <a:xfrm>
-            <a:off x="415600" y="6"/>
-            <a:ext cx="11360700" cy="1356900"/>
-          </a:xfrm>
-          <a:prstGeom prst="rect">
-            <a:avLst/>
-          </a:prstGeom>
-          <a:noFill/>
-          <a:ln>
-            <a:noFill/>
-          </a:ln>
-        </p:spPr>
-        <p:txBody>
-          <a:bodyPr spcFirstLastPara="1" wrap="square" lIns="91425" tIns="45700" rIns="91425" bIns="45700" anchor="ctr" anchorCtr="0">
-            <a:noAutofit/>
-          </a:bodyPr>
-          <a:lstStyle/>
-          <a:p>
-            <a:pPr marL="0" lvl="0" indent="0" algn="ctr" rtl="0">
-              <a:spcBef>
-                <a:spcPts val="0"/>
-              </a:spcBef>
-              <a:spcAft>
-                <a:spcPts val="0"/>
-              </a:spcAft>
-              <a:buNone/>
-            </a:pPr>
-            <a:r>
-              <a:rPr lang="en-US" sz="4800"/>
-              <a:t>Data Ethics Questions</a:t>
-            </a:r>
-            <a:endParaRPr sz="4800"/>
-          </a:p>
-        </p:txBody>
-      </p:sp>
-    </p:spTree>
-  </p:cSld>
-  <p:clrMapOvr>
-    <a:masterClrMapping/>
-  </p:clrMapOvr>
-</p:sld>
-</file>
-
-<file path=ppt/slides/slide8.xml><?xml version="1.0" encoding="utf-8"?>
-<p:sld xmlns:a="http://schemas.openxmlformats.org/drawingml/2006/main" xmlns:r="http://schemas.openxmlformats.org/officeDocument/2006/relationships" xmlns:p="http://schemas.openxmlformats.org/presentationml/2006/main">
-  <p:cSld>
-    <p:spTree>
-      <p:nvGrpSpPr>
-        <p:cNvPr id="1" name="Shape 247"/>
-        <p:cNvGrpSpPr/>
-        <p:nvPr/>
-      </p:nvGrpSpPr>
-      <p:grpSpPr>
-        <a:xfrm>
-          <a:off x="0" y="0"/>
-          <a:ext cx="0" cy="0"/>
-          <a:chOff x="0" y="0"/>
-          <a:chExt cx="0" cy="0"/>
-        </a:xfrm>
-      </p:grpSpPr>
-      <p:sp>
-        <p:nvSpPr>
-          <p:cNvPr id="248" name="Google Shape;248;p22"/>
-          <p:cNvSpPr txBox="1">
-            <a:spLocks noGrp="1"/>
-          </p:cNvSpPr>
-          <p:nvPr>
-            <p:ph type="body" idx="1"/>
-          </p:nvPr>
-        </p:nvSpPr>
-        <p:spPr>
-          <a:xfrm>
-            <a:off x="415600" y="1689033"/>
-            <a:ext cx="11360700" cy="4555200"/>
-          </a:xfrm>
-          <a:prstGeom prst="rect">
-            <a:avLst/>
-          </a:prstGeom>
-          <a:noFill/>
-          <a:ln>
-            <a:noFill/>
-          </a:ln>
-        </p:spPr>
-        <p:txBody>
-          <a:bodyPr spcFirstLastPara="1" wrap="square" lIns="91425" tIns="45700" rIns="91425" bIns="45700" anchor="t" anchorCtr="0">
-            <a:noAutofit/>
-          </a:bodyPr>
-          <a:lstStyle/>
-          <a:p>
-            <a:pPr marL="257168" lvl="0" indent="-257168" algn="l" rtl="0">
-              <a:spcBef>
-                <a:spcPts val="0"/>
-              </a:spcBef>
-              <a:spcAft>
-                <a:spcPts val="0"/>
-              </a:spcAft>
-              <a:buClr>
-                <a:srgbClr val="000000"/>
-              </a:buClr>
-              <a:buSzPts val="2400"/>
-              <a:buChar char="●"/>
-            </a:pPr>
-            <a:r>
-              <a:rPr lang="en-US" dirty="0">
-                <a:solidFill>
-                  <a:srgbClr val="000000"/>
-                </a:solidFill>
-              </a:rPr>
-              <a:t>Don’t be afraid to ask naïve questions</a:t>
-            </a:r>
-            <a:endParaRPr dirty="0">
-              <a:solidFill>
-                <a:srgbClr val="000000"/>
-              </a:solidFill>
-            </a:endParaRPr>
-          </a:p>
-          <a:p>
-            <a:pPr marL="257168" lvl="0" indent="-104768" algn="l" rtl="0">
-              <a:spcBef>
-                <a:spcPts val="480"/>
-              </a:spcBef>
-              <a:spcAft>
-                <a:spcPts val="0"/>
-              </a:spcAft>
-              <a:buClr>
-                <a:schemeClr val="dk1"/>
-              </a:buClr>
-              <a:buSzPts val="2400"/>
-              <a:buNone/>
-            </a:pPr>
-            <a:endParaRPr sz="1600" dirty="0">
-              <a:solidFill>
-                <a:srgbClr val="000000"/>
-              </a:solidFill>
-            </a:endParaRPr>
-          </a:p>
-          <a:p>
-            <a:pPr marL="257168" lvl="0" indent="-257168" algn="l" rtl="0">
-              <a:spcBef>
-                <a:spcPts val="480"/>
-              </a:spcBef>
-              <a:spcAft>
-                <a:spcPts val="0"/>
-              </a:spcAft>
-              <a:buClr>
-                <a:srgbClr val="000000"/>
-              </a:buClr>
-              <a:buSzPts val="2400"/>
-              <a:buChar char="●"/>
-            </a:pPr>
-            <a:r>
-              <a:rPr lang="en-US" dirty="0">
-                <a:solidFill>
-                  <a:srgbClr val="000000"/>
-                </a:solidFill>
-              </a:rPr>
-              <a:t>Spend time discussing goals and metrics – don’t forget equity as a goal</a:t>
-            </a:r>
-            <a:endParaRPr dirty="0">
-              <a:solidFill>
-                <a:srgbClr val="000000"/>
-              </a:solidFill>
-            </a:endParaRPr>
-          </a:p>
-          <a:p>
-            <a:pPr marL="0" lvl="0" indent="0" algn="l" rtl="0">
-              <a:spcBef>
-                <a:spcPts val="480"/>
-              </a:spcBef>
-              <a:spcAft>
-                <a:spcPts val="0"/>
-              </a:spcAft>
-              <a:buClr>
-                <a:schemeClr val="dk1"/>
-              </a:buClr>
-              <a:buSzPts val="2400"/>
-              <a:buNone/>
-            </a:pPr>
-            <a:endParaRPr sz="1600" dirty="0">
-              <a:solidFill>
-                <a:srgbClr val="000000"/>
-              </a:solidFill>
-            </a:endParaRPr>
-          </a:p>
-          <a:p>
-            <a:pPr marL="257168" lvl="0" indent="-257168" algn="l" rtl="0">
-              <a:spcBef>
-                <a:spcPts val="480"/>
-              </a:spcBef>
-              <a:spcAft>
-                <a:spcPts val="0"/>
-              </a:spcAft>
-              <a:buClr>
-                <a:srgbClr val="000000"/>
-              </a:buClr>
-              <a:buSzPts val="2400"/>
-              <a:buChar char="●"/>
-            </a:pPr>
-            <a:r>
-              <a:rPr lang="en-US" dirty="0">
-                <a:solidFill>
-                  <a:srgbClr val="000000"/>
-                </a:solidFill>
-              </a:rPr>
-              <a:t>Understand what the current process/solution is</a:t>
-            </a:r>
-            <a:endParaRPr dirty="0">
-              <a:solidFill>
-                <a:srgbClr val="000000"/>
-              </a:solidFill>
-            </a:endParaRPr>
-          </a:p>
-          <a:p>
-            <a:pPr marL="257168" lvl="0" indent="-104768" algn="l" rtl="0">
-              <a:spcBef>
-                <a:spcPts val="480"/>
-              </a:spcBef>
-              <a:spcAft>
-                <a:spcPts val="0"/>
-              </a:spcAft>
-              <a:buClr>
-                <a:schemeClr val="dk1"/>
-              </a:buClr>
-              <a:buSzPts val="2400"/>
-              <a:buNone/>
-            </a:pPr>
-            <a:endParaRPr sz="1600" dirty="0">
-              <a:solidFill>
-                <a:srgbClr val="000000"/>
-              </a:solidFill>
-            </a:endParaRPr>
-          </a:p>
-          <a:p>
-            <a:pPr marL="257168" lvl="0" indent="-257168" algn="l" rtl="0">
-              <a:spcBef>
-                <a:spcPts val="480"/>
-              </a:spcBef>
-              <a:spcAft>
-                <a:spcPts val="0"/>
-              </a:spcAft>
-              <a:buClr>
-                <a:srgbClr val="000000"/>
-              </a:buClr>
-              <a:buSzPts val="2400"/>
-              <a:buChar char="●"/>
-            </a:pPr>
-            <a:r>
-              <a:rPr lang="en-US" dirty="0">
-                <a:solidFill>
-                  <a:srgbClr val="000000"/>
-                </a:solidFill>
-              </a:rPr>
-              <a:t>Communication is critical – before, during, and after</a:t>
-            </a:r>
-            <a:endParaRPr dirty="0">
-              <a:solidFill>
-                <a:srgbClr val="000000"/>
-              </a:solidFill>
-            </a:endParaRPr>
-          </a:p>
-          <a:p>
-            <a:pPr marL="257168" lvl="0" indent="-104768" algn="l" rtl="0">
-              <a:spcBef>
-                <a:spcPts val="480"/>
-              </a:spcBef>
-              <a:spcAft>
-                <a:spcPts val="0"/>
-              </a:spcAft>
-              <a:buClr>
-                <a:schemeClr val="dk1"/>
-              </a:buClr>
-              <a:buSzPts val="2400"/>
-              <a:buNone/>
-            </a:pPr>
-            <a:endParaRPr sz="1600" dirty="0">
-              <a:solidFill>
-                <a:srgbClr val="000000"/>
-              </a:solidFill>
-            </a:endParaRPr>
-          </a:p>
-          <a:p>
-            <a:pPr marL="257168" lvl="0" indent="-257168" algn="l" rtl="0">
-              <a:spcBef>
-                <a:spcPts val="480"/>
-              </a:spcBef>
-              <a:spcAft>
-                <a:spcPts val="0"/>
-              </a:spcAft>
-              <a:buClr>
-                <a:srgbClr val="000000"/>
-              </a:buClr>
-              <a:buSzPts val="2400"/>
-              <a:buChar char="●"/>
-            </a:pPr>
-            <a:r>
-              <a:rPr lang="en-US" dirty="0">
-                <a:solidFill>
-                  <a:srgbClr val="000000"/>
-                </a:solidFill>
-              </a:rPr>
-              <a:t>We need to make sure that we tackle these problems responsibly and ethically</a:t>
-            </a:r>
-            <a:endParaRPr dirty="0">
-              <a:solidFill>
-                <a:srgbClr val="000000"/>
-              </a:solidFill>
-            </a:endParaRPr>
-          </a:p>
-          <a:p>
-            <a:pPr marL="257168" lvl="0" indent="-104768" algn="l" rtl="0">
-              <a:spcBef>
-                <a:spcPts val="480"/>
-              </a:spcBef>
-              <a:spcAft>
-                <a:spcPts val="0"/>
-              </a:spcAft>
-              <a:buClr>
-                <a:schemeClr val="dk1"/>
-              </a:buClr>
-              <a:buSzPts val="2400"/>
-              <a:buNone/>
-            </a:pPr>
-            <a:endParaRPr sz="1600" dirty="0">
-              <a:solidFill>
-                <a:srgbClr val="000000"/>
-              </a:solidFill>
-            </a:endParaRPr>
-          </a:p>
-          <a:p>
-            <a:pPr marL="257168" lvl="0" indent="-257168" algn="l" rtl="0">
-              <a:spcBef>
-                <a:spcPts val="480"/>
-              </a:spcBef>
-              <a:spcAft>
-                <a:spcPts val="0"/>
-              </a:spcAft>
-              <a:buClr>
-                <a:srgbClr val="000000"/>
-              </a:buClr>
-              <a:buSzPts val="2400"/>
-              <a:buChar char="●"/>
-            </a:pPr>
-            <a:r>
-              <a:rPr lang="en-US" dirty="0">
-                <a:solidFill>
-                  <a:srgbClr val="000000"/>
-                </a:solidFill>
-              </a:rPr>
-              <a:t>Data and ML does not solve problems, people do. Is what you’re doing helping solve the problem?</a:t>
-            </a:r>
-            <a:endParaRPr dirty="0">
-              <a:solidFill>
-                <a:srgbClr val="000000"/>
-              </a:solidFill>
-            </a:endParaRPr>
-          </a:p>
-        </p:txBody>
-      </p:sp>
-      <p:sp>
-        <p:nvSpPr>
-          <p:cNvPr id="249" name="Google Shape;249;p22"/>
-          <p:cNvSpPr txBox="1">
-            <a:spLocks noGrp="1"/>
-          </p:cNvSpPr>
-          <p:nvPr>
-            <p:ph type="title"/>
-          </p:nvPr>
-        </p:nvSpPr>
-        <p:spPr>
-          <a:xfrm>
-            <a:off x="415600" y="6"/>
-            <a:ext cx="11360700" cy="1356900"/>
-          </a:xfrm>
-          <a:prstGeom prst="rect">
-            <a:avLst/>
-          </a:prstGeom>
-          <a:noFill/>
-          <a:ln>
-            <a:noFill/>
-          </a:ln>
-        </p:spPr>
-        <p:txBody>
-          <a:bodyPr spcFirstLastPara="1" wrap="square" lIns="91425" tIns="45700" rIns="91425" bIns="45700" anchor="ctr" anchorCtr="0">
-            <a:noAutofit/>
-          </a:bodyPr>
-          <a:lstStyle/>
-          <a:p>
-            <a:pPr marL="0" lvl="0" indent="0" algn="ctr" rtl="0">
-              <a:spcBef>
-                <a:spcPts val="0"/>
-              </a:spcBef>
-              <a:spcAft>
-                <a:spcPts val="0"/>
-              </a:spcAft>
-              <a:buNone/>
-            </a:pPr>
-            <a:r>
-              <a:rPr lang="en-US" sz="4800"/>
-              <a:t>A Few Things to Remember </a:t>
-            </a:r>
-            <a:endParaRPr sz="4800"/>
-          </a:p>
-        </p:txBody>
-      </p:sp>
-    </p:spTree>
-  </p:cSld>
-  <p:clrMapOvr>
-    <a:masterClrMapping/>
-  </p:clrMapOvr>
-</p:sld>
-</file>
-
-<file path=ppt/slides/slide9.xml><?xml version="1.0" encoding="utf-8"?>
 <p:sld xmlns:a="http://schemas.openxmlformats.org/drawingml/2006/main" xmlns:r="http://schemas.openxmlformats.org/officeDocument/2006/relationships" xmlns:p="http://schemas.openxmlformats.org/presentationml/2006/main">
   <p:cSld>
     <p:spTree>
@@ -23647,6 +20143,651 @@
         </p:spPr>
       </p:pic>
     </p:spTree>
+  </p:cSld>
+  <p:clrMapOvr>
+    <a:masterClrMapping/>
+  </p:clrMapOvr>
+</p:sld>
+</file>
+
+<file path=ppt/slides/slide5.xml><?xml version="1.0" encoding="utf-8"?>
+<p:sld xmlns:a="http://schemas.openxmlformats.org/drawingml/2006/main" xmlns:r="http://schemas.openxmlformats.org/officeDocument/2006/relationships" xmlns:p="http://schemas.openxmlformats.org/presentationml/2006/main">
+  <p:cSld>
+    <p:spTree>
+      <p:nvGrpSpPr>
+        <p:cNvPr id="1" name=""/>
+        <p:cNvGrpSpPr/>
+        <p:nvPr/>
+      </p:nvGrpSpPr>
+      <p:grpSpPr>
+        <a:xfrm>
+          <a:off x="0" y="0"/>
+          <a:ext cx="0" cy="0"/>
+          <a:chOff x="0" y="0"/>
+          <a:chExt cx="0" cy="0"/>
+        </a:xfrm>
+      </p:grpSpPr>
+      <p:sp>
+        <p:nvSpPr>
+          <p:cNvPr id="8194" name="Rectangle 2"/>
+          <p:cNvSpPr>
+            <a:spLocks noGrp="1" noChangeArrowheads="1"/>
+          </p:cNvSpPr>
+          <p:nvPr>
+            <p:ph type="title"/>
+          </p:nvPr>
+        </p:nvSpPr>
+        <p:spPr/>
+        <p:txBody>
+          <a:bodyPr/>
+          <a:lstStyle/>
+          <a:p>
+            <a:r>
+              <a:rPr lang="en-US" altLang="en-US" dirty="0"/>
+              <a:t> Working with Your Project Team</a:t>
+            </a:r>
+          </a:p>
+        </p:txBody>
+      </p:sp>
+      <p:sp>
+        <p:nvSpPr>
+          <p:cNvPr id="8195" name="Rectangle 3"/>
+          <p:cNvSpPr>
+            <a:spLocks noGrp="1" noChangeArrowheads="1"/>
+          </p:cNvSpPr>
+          <p:nvPr>
+            <p:ph type="body" idx="1"/>
+          </p:nvPr>
+        </p:nvSpPr>
+        <p:spPr/>
+        <p:txBody>
+          <a:bodyPr/>
+          <a:lstStyle/>
+          <a:p>
+            <a:pPr>
+              <a:lnSpc>
+                <a:spcPct val="150000"/>
+              </a:lnSpc>
+            </a:pPr>
+            <a:r>
+              <a:rPr lang="en-US" altLang="en-US" dirty="0"/>
+              <a:t>Spend some time up front figuring out how to work as a team and work styles</a:t>
+            </a:r>
+            <a:br>
+              <a:rPr lang="en-US" altLang="en-US" dirty="0"/>
+            </a:br>
+            <a:endParaRPr lang="en-US" altLang="en-US" dirty="0"/>
+          </a:p>
+          <a:p>
+            <a:pPr>
+              <a:lnSpc>
+                <a:spcPct val="150000"/>
+              </a:lnSpc>
+            </a:pPr>
+            <a:r>
+              <a:rPr lang="en-US" altLang="en-US" dirty="0"/>
+              <a:t>Everyone should participate in </a:t>
+            </a:r>
+            <a:r>
+              <a:rPr lang="en-US" altLang="en-US" b="1" dirty="0">
+                <a:solidFill>
+                  <a:srgbClr val="FF0000"/>
+                </a:solidFill>
+              </a:rPr>
+              <a:t>all</a:t>
+            </a:r>
+            <a:r>
+              <a:rPr lang="en-US" altLang="en-US" dirty="0"/>
+              <a:t> aspects of project</a:t>
+            </a:r>
+          </a:p>
+          <a:p>
+            <a:pPr lvl="1">
+              <a:lnSpc>
+                <a:spcPct val="100000"/>
+              </a:lnSpc>
+            </a:pPr>
+            <a:r>
+              <a:rPr lang="en-US" altLang="en-US" dirty="0"/>
+              <a:t>No individual should do the majority of the coding, report writing, etc.</a:t>
+            </a:r>
+            <a:br>
+              <a:rPr lang="en-US" altLang="en-US" dirty="0"/>
+            </a:br>
+            <a:br>
+              <a:rPr lang="en-US" altLang="en-US" dirty="0"/>
+            </a:br>
+            <a:endParaRPr lang="en-US" altLang="en-US" dirty="0"/>
+          </a:p>
+          <a:p>
+            <a:pPr>
+              <a:lnSpc>
+                <a:spcPct val="150000"/>
+              </a:lnSpc>
+            </a:pPr>
+            <a:r>
+              <a:rPr lang="en-US" altLang="en-US" dirty="0"/>
+              <a:t>However, you should divide up different pieces of the work</a:t>
+            </a:r>
+          </a:p>
+          <a:p>
+            <a:pPr lvl="1">
+              <a:lnSpc>
+                <a:spcPct val="100000"/>
+              </a:lnSpc>
+            </a:pPr>
+            <a:r>
+              <a:rPr lang="en-US" altLang="en-US" dirty="0"/>
+              <a:t>For instance, working on different parts of the pipeline code in parallel or splitting up sections of the report</a:t>
+            </a:r>
+          </a:p>
+        </p:txBody>
+      </p:sp>
+    </p:spTree>
+    <p:extLst>
+      <p:ext uri="{BB962C8B-B14F-4D97-AF65-F5344CB8AC3E}">
+        <p14:creationId xmlns:p14="http://schemas.microsoft.com/office/powerpoint/2010/main" val="3853540615"/>
+      </p:ext>
+    </p:extLst>
+  </p:cSld>
+  <p:clrMapOvr>
+    <a:masterClrMapping/>
+  </p:clrMapOvr>
+</p:sld>
+</file>
+
+<file path=ppt/slides/slide6.xml><?xml version="1.0" encoding="utf-8"?>
+<p:sld xmlns:a="http://schemas.openxmlformats.org/drawingml/2006/main" xmlns:r="http://schemas.openxmlformats.org/officeDocument/2006/relationships" xmlns:p="http://schemas.openxmlformats.org/presentationml/2006/main">
+  <p:cSld>
+    <p:spTree>
+      <p:nvGrpSpPr>
+        <p:cNvPr id="1" name=""/>
+        <p:cNvGrpSpPr/>
+        <p:nvPr/>
+      </p:nvGrpSpPr>
+      <p:grpSpPr>
+        <a:xfrm>
+          <a:off x="0" y="0"/>
+          <a:ext cx="0" cy="0"/>
+          <a:chOff x="0" y="0"/>
+          <a:chExt cx="0" cy="0"/>
+        </a:xfrm>
+      </p:grpSpPr>
+      <p:sp>
+        <p:nvSpPr>
+          <p:cNvPr id="8194" name="Rectangle 2"/>
+          <p:cNvSpPr>
+            <a:spLocks noGrp="1" noChangeArrowheads="1"/>
+          </p:cNvSpPr>
+          <p:nvPr>
+            <p:ph type="title"/>
+          </p:nvPr>
+        </p:nvSpPr>
+        <p:spPr/>
+        <p:txBody>
+          <a:bodyPr/>
+          <a:lstStyle/>
+          <a:p>
+            <a:r>
+              <a:rPr lang="en-US" altLang="en-US" dirty="0"/>
+              <a:t> Working with Your Project Team</a:t>
+            </a:r>
+          </a:p>
+        </p:txBody>
+      </p:sp>
+      <p:sp>
+        <p:nvSpPr>
+          <p:cNvPr id="8195" name="Rectangle 3"/>
+          <p:cNvSpPr>
+            <a:spLocks noGrp="1" noChangeArrowheads="1"/>
+          </p:cNvSpPr>
+          <p:nvPr>
+            <p:ph type="body" idx="1"/>
+          </p:nvPr>
+        </p:nvSpPr>
+        <p:spPr>
+          <a:xfrm>
+            <a:off x="207750" y="1548990"/>
+            <a:ext cx="11776400" cy="4555200"/>
+          </a:xfrm>
+        </p:spPr>
+        <p:txBody>
+          <a:bodyPr/>
+          <a:lstStyle/>
+          <a:p>
+            <a:pPr>
+              <a:lnSpc>
+                <a:spcPct val="150000"/>
+              </a:lnSpc>
+            </a:pPr>
+            <a:r>
+              <a:rPr lang="en-US" altLang="en-US" dirty="0"/>
+              <a:t>We’re providing class time to make it easier to coordinate with your group and get feedback from peers and instructors, but you won’t be able to complete the project just in this allotted time</a:t>
+            </a:r>
+            <a:br>
+              <a:rPr lang="en-US" altLang="en-US" dirty="0"/>
+            </a:br>
+            <a:endParaRPr lang="en-US" altLang="en-US" dirty="0"/>
+          </a:p>
+          <a:p>
+            <a:pPr>
+              <a:lnSpc>
+                <a:spcPct val="150000"/>
+              </a:lnSpc>
+            </a:pPr>
+            <a:r>
+              <a:rPr lang="en-US" altLang="en-US" dirty="0"/>
+              <a:t>Tools for coordination:</a:t>
+            </a:r>
+          </a:p>
+          <a:p>
+            <a:pPr lvl="1">
+              <a:lnSpc>
+                <a:spcPct val="150000"/>
+              </a:lnSpc>
+            </a:pPr>
+            <a:r>
+              <a:rPr lang="en-US" altLang="en-US" dirty="0"/>
+              <a:t>Slack: we’ll create group-level and project-level channels. Additionally, feel free to use group DMs and video calls with your group to coordinate as well.</a:t>
+            </a:r>
+          </a:p>
+          <a:p>
+            <a:pPr lvl="1">
+              <a:lnSpc>
+                <a:spcPct val="150000"/>
+              </a:lnSpc>
+            </a:pPr>
+            <a:r>
+              <a:rPr lang="en-US" altLang="en-US" dirty="0"/>
+              <a:t>Many good free options for task tracking/management: </a:t>
+            </a:r>
+            <a:r>
+              <a:rPr lang="en-US" altLang="en-US" dirty="0" err="1"/>
+              <a:t>github</a:t>
+            </a:r>
+            <a:r>
+              <a:rPr lang="en-US" altLang="en-US" dirty="0"/>
+              <a:t> issues or project boards, </a:t>
+            </a:r>
+            <a:r>
+              <a:rPr lang="en-US" altLang="en-US" dirty="0" err="1"/>
+              <a:t>trello</a:t>
+            </a:r>
+            <a:r>
+              <a:rPr lang="en-US" altLang="en-US" dirty="0"/>
+              <a:t>, etc.</a:t>
+            </a:r>
+          </a:p>
+        </p:txBody>
+      </p:sp>
+    </p:spTree>
+    <p:extLst>
+      <p:ext uri="{BB962C8B-B14F-4D97-AF65-F5344CB8AC3E}">
+        <p14:creationId xmlns:p14="http://schemas.microsoft.com/office/powerpoint/2010/main" val="2143740766"/>
+      </p:ext>
+    </p:extLst>
+  </p:cSld>
+  <p:clrMapOvr>
+    <a:masterClrMapping/>
+  </p:clrMapOvr>
+</p:sld>
+</file>
+
+<file path=ppt/slides/slide7.xml><?xml version="1.0" encoding="utf-8"?>
+<p:sld xmlns:a="http://schemas.openxmlformats.org/drawingml/2006/main" xmlns:r="http://schemas.openxmlformats.org/officeDocument/2006/relationships" xmlns:p="http://schemas.openxmlformats.org/presentationml/2006/main">
+  <p:cSld>
+    <p:spTree>
+      <p:nvGrpSpPr>
+        <p:cNvPr id="1" name=""/>
+        <p:cNvGrpSpPr/>
+        <p:nvPr/>
+      </p:nvGrpSpPr>
+      <p:grpSpPr>
+        <a:xfrm>
+          <a:off x="0" y="0"/>
+          <a:ext cx="0" cy="0"/>
+          <a:chOff x="0" y="0"/>
+          <a:chExt cx="0" cy="0"/>
+        </a:xfrm>
+      </p:grpSpPr>
+      <p:sp>
+        <p:nvSpPr>
+          <p:cNvPr id="8194" name="Rectangle 2"/>
+          <p:cNvSpPr>
+            <a:spLocks noGrp="1" noChangeArrowheads="1"/>
+          </p:cNvSpPr>
+          <p:nvPr>
+            <p:ph type="title"/>
+          </p:nvPr>
+        </p:nvSpPr>
+        <p:spPr/>
+        <p:txBody>
+          <a:bodyPr/>
+          <a:lstStyle/>
+          <a:p>
+            <a:r>
+              <a:rPr lang="en-US" altLang="en-US" dirty="0"/>
+              <a:t> Working with Your Project Team</a:t>
+            </a:r>
+          </a:p>
+        </p:txBody>
+      </p:sp>
+      <p:sp>
+        <p:nvSpPr>
+          <p:cNvPr id="8195" name="Rectangle 3"/>
+          <p:cNvSpPr>
+            <a:spLocks noGrp="1" noChangeArrowheads="1"/>
+          </p:cNvSpPr>
+          <p:nvPr>
+            <p:ph type="body" idx="1"/>
+          </p:nvPr>
+        </p:nvSpPr>
+        <p:spPr>
+          <a:xfrm>
+            <a:off x="207750" y="1548990"/>
+            <a:ext cx="11776400" cy="4555200"/>
+          </a:xfrm>
+        </p:spPr>
+        <p:txBody>
+          <a:bodyPr/>
+          <a:lstStyle/>
+          <a:p>
+            <a:pPr>
+              <a:lnSpc>
+                <a:spcPct val="150000"/>
+              </a:lnSpc>
+            </a:pPr>
+            <a:r>
+              <a:rPr lang="en-US" altLang="en-US" dirty="0"/>
+              <a:t>Active participation in the group work throughout the entire semester is required by all the team members, and a very large component of your grade</a:t>
+            </a:r>
+            <a:br>
+              <a:rPr lang="en-US" altLang="en-US" dirty="0"/>
+            </a:br>
+            <a:endParaRPr lang="en-US" altLang="en-US" dirty="0"/>
+          </a:p>
+          <a:p>
+            <a:pPr>
+              <a:lnSpc>
+                <a:spcPct val="150000"/>
+              </a:lnSpc>
+            </a:pPr>
+            <a:r>
+              <a:rPr lang="en-US" altLang="en-US" dirty="0"/>
+              <a:t>Collaboration is encouraged, both within and across teams! Learning from each others’ strengths is a big benefit of group work, and you should feel free to discuss strategies and approaches with other teams (i.e., it’s not a competition)</a:t>
+            </a:r>
+            <a:br>
+              <a:rPr lang="en-US" altLang="en-US" dirty="0"/>
+            </a:br>
+            <a:endParaRPr lang="en-US" altLang="en-US" dirty="0"/>
+          </a:p>
+          <a:p>
+            <a:pPr>
+              <a:lnSpc>
+                <a:spcPct val="150000"/>
+              </a:lnSpc>
+            </a:pPr>
+            <a:r>
+              <a:rPr lang="en-US" altLang="en-US" dirty="0"/>
+              <a:t>Pacing your work is important. You won’t be able to do everything the week before the final report, and if everyone tries to, you’ll break the server.</a:t>
+            </a:r>
+          </a:p>
+        </p:txBody>
+      </p:sp>
+    </p:spTree>
+    <p:extLst>
+      <p:ext uri="{BB962C8B-B14F-4D97-AF65-F5344CB8AC3E}">
+        <p14:creationId xmlns:p14="http://schemas.microsoft.com/office/powerpoint/2010/main" val="2457927461"/>
+      </p:ext>
+    </p:extLst>
+  </p:cSld>
+  <p:clrMapOvr>
+    <a:masterClrMapping/>
+  </p:clrMapOvr>
+</p:sld>
+</file>
+
+<file path=ppt/slides/slide8.xml><?xml version="1.0" encoding="utf-8"?>
+<p:sld xmlns:a="http://schemas.openxmlformats.org/drawingml/2006/main" xmlns:r="http://schemas.openxmlformats.org/officeDocument/2006/relationships" xmlns:p="http://schemas.openxmlformats.org/presentationml/2006/main">
+  <p:cSld>
+    <p:spTree>
+      <p:nvGrpSpPr>
+        <p:cNvPr id="1" name=""/>
+        <p:cNvGrpSpPr/>
+        <p:nvPr/>
+      </p:nvGrpSpPr>
+      <p:grpSpPr>
+        <a:xfrm>
+          <a:off x="0" y="0"/>
+          <a:ext cx="0" cy="0"/>
+          <a:chOff x="0" y="0"/>
+          <a:chExt cx="0" cy="0"/>
+        </a:xfrm>
+      </p:grpSpPr>
+      <p:sp>
+        <p:nvSpPr>
+          <p:cNvPr id="2" name="Title 1">
+            <a:extLst>
+              <a:ext uri="{FF2B5EF4-FFF2-40B4-BE49-F238E27FC236}">
+                <a16:creationId xmlns:a16="http://schemas.microsoft.com/office/drawing/2014/main" id="{94CF2A94-A63F-6149-AA28-2E35B60E3D3E}"/>
+              </a:ext>
+            </a:extLst>
+          </p:cNvPr>
+          <p:cNvSpPr>
+            <a:spLocks noGrp="1"/>
+          </p:cNvSpPr>
+          <p:nvPr>
+            <p:ph type="title"/>
+          </p:nvPr>
+        </p:nvSpPr>
+        <p:spPr/>
+        <p:txBody>
+          <a:bodyPr/>
+          <a:lstStyle/>
+          <a:p>
+            <a:endParaRPr lang="en-US"/>
+          </a:p>
+        </p:txBody>
+      </p:sp>
+      <p:graphicFrame>
+        <p:nvGraphicFramePr>
+          <p:cNvPr id="3" name="Diagram 2">
+            <a:extLst>
+              <a:ext uri="{FF2B5EF4-FFF2-40B4-BE49-F238E27FC236}">
+                <a16:creationId xmlns:a16="http://schemas.microsoft.com/office/drawing/2014/main" id="{8E902576-68A9-6E48-B0FE-5B1889953DC8}"/>
+              </a:ext>
+            </a:extLst>
+          </p:cNvPr>
+          <p:cNvGraphicFramePr/>
+          <p:nvPr>
+            <p:extLst>
+              <p:ext uri="{D42A27DB-BD31-4B8C-83A1-F6EECF244321}">
+                <p14:modId xmlns:p14="http://schemas.microsoft.com/office/powerpoint/2010/main" val="1737878827"/>
+              </p:ext>
+            </p:extLst>
+          </p:nvPr>
+        </p:nvGraphicFramePr>
+        <p:xfrm>
+          <a:off x="180467" y="0"/>
+          <a:ext cx="11776400" cy="6858000"/>
+        </p:xfrm>
+        <a:graphic>
+          <a:graphicData uri="http://schemas.openxmlformats.org/drawingml/2006/diagram">
+            <dgm:relIds xmlns:dgm="http://schemas.openxmlformats.org/drawingml/2006/diagram" xmlns:r="http://schemas.openxmlformats.org/officeDocument/2006/relationships" r:dm="rId2" r:lo="rId3" r:qs="rId4" r:cs="rId5"/>
+          </a:graphicData>
+        </a:graphic>
+      </p:graphicFrame>
+      <p:sp>
+        <p:nvSpPr>
+          <p:cNvPr id="4" name="Rectangle 3">
+            <a:extLst>
+              <a:ext uri="{FF2B5EF4-FFF2-40B4-BE49-F238E27FC236}">
+                <a16:creationId xmlns:a16="http://schemas.microsoft.com/office/drawing/2014/main" id="{E2C99BF2-C81A-5246-89D3-E49BCDCAD699}"/>
+              </a:ext>
+            </a:extLst>
+          </p:cNvPr>
+          <p:cNvSpPr/>
+          <p:nvPr/>
+        </p:nvSpPr>
+        <p:spPr>
+          <a:xfrm>
+            <a:off x="3226525" y="274320"/>
+            <a:ext cx="2534195" cy="1789611"/>
+          </a:xfrm>
+          <a:prstGeom prst="rect">
+            <a:avLst/>
+          </a:prstGeom>
+          <a:noFill/>
+          <a:ln w="76200">
+            <a:solidFill>
+              <a:srgbClr val="C00000"/>
+            </a:solidFill>
+          </a:ln>
+        </p:spPr>
+        <p:style>
+          <a:lnRef idx="2">
+            <a:schemeClr val="accent1">
+              <a:shade val="50000"/>
+            </a:schemeClr>
+          </a:lnRef>
+          <a:fillRef idx="1">
+            <a:schemeClr val="accent1"/>
+          </a:fillRef>
+          <a:effectRef idx="0">
+            <a:schemeClr val="accent1"/>
+          </a:effectRef>
+          <a:fontRef idx="minor">
+            <a:schemeClr val="lt1"/>
+          </a:fontRef>
+        </p:style>
+        <p:txBody>
+          <a:bodyPr rtlCol="0" anchor="ctr"/>
+          <a:lstStyle/>
+          <a:p>
+            <a:pPr algn="ctr"/>
+            <a:endParaRPr lang="en-US"/>
+          </a:p>
+        </p:txBody>
+      </p:sp>
+    </p:spTree>
+    <p:extLst>
+      <p:ext uri="{BB962C8B-B14F-4D97-AF65-F5344CB8AC3E}">
+        <p14:creationId xmlns:p14="http://schemas.microsoft.com/office/powerpoint/2010/main" val="2624855364"/>
+      </p:ext>
+    </p:extLst>
+  </p:cSld>
+  <p:clrMapOvr>
+    <a:masterClrMapping/>
+  </p:clrMapOvr>
+</p:sld>
+</file>
+
+<file path=ppt/slides/slide9.xml><?xml version="1.0" encoding="utf-8"?>
+<p:sld xmlns:a="http://schemas.openxmlformats.org/drawingml/2006/main" xmlns:r="http://schemas.openxmlformats.org/officeDocument/2006/relationships" xmlns:p="http://schemas.openxmlformats.org/presentationml/2006/main">
+  <p:cSld>
+    <p:spTree>
+      <p:nvGrpSpPr>
+        <p:cNvPr id="1" name=""/>
+        <p:cNvGrpSpPr/>
+        <p:nvPr/>
+      </p:nvGrpSpPr>
+      <p:grpSpPr>
+        <a:xfrm>
+          <a:off x="0" y="0"/>
+          <a:ext cx="0" cy="0"/>
+          <a:chOff x="0" y="0"/>
+          <a:chExt cx="0" cy="0"/>
+        </a:xfrm>
+      </p:grpSpPr>
+      <p:sp>
+        <p:nvSpPr>
+          <p:cNvPr id="2" name="Title 1">
+            <a:extLst>
+              <a:ext uri="{FF2B5EF4-FFF2-40B4-BE49-F238E27FC236}">
+                <a16:creationId xmlns:a16="http://schemas.microsoft.com/office/drawing/2014/main" id="{21359BA9-BA2B-D148-89DA-A99081B1FF81}"/>
+              </a:ext>
+            </a:extLst>
+          </p:cNvPr>
+          <p:cNvSpPr>
+            <a:spLocks noGrp="1"/>
+          </p:cNvSpPr>
+          <p:nvPr>
+            <p:ph type="title"/>
+          </p:nvPr>
+        </p:nvSpPr>
+        <p:spPr/>
+        <p:txBody>
+          <a:bodyPr/>
+          <a:lstStyle/>
+          <a:p>
+            <a:r>
+              <a:rPr lang="en-US" dirty="0"/>
+              <a:t>Challenges</a:t>
+            </a:r>
+          </a:p>
+        </p:txBody>
+      </p:sp>
+      <p:sp>
+        <p:nvSpPr>
+          <p:cNvPr id="3" name="Text Placeholder 2">
+            <a:extLst>
+              <a:ext uri="{FF2B5EF4-FFF2-40B4-BE49-F238E27FC236}">
+                <a16:creationId xmlns:a16="http://schemas.microsoft.com/office/drawing/2014/main" id="{DDA03E0F-5F3D-5B4D-8232-BF72B84A198E}"/>
+              </a:ext>
+            </a:extLst>
+          </p:cNvPr>
+          <p:cNvSpPr>
+            <a:spLocks noGrp="1"/>
+          </p:cNvSpPr>
+          <p:nvPr>
+            <p:ph type="body" idx="1"/>
+          </p:nvPr>
+        </p:nvSpPr>
+        <p:spPr/>
+        <p:txBody>
+          <a:bodyPr/>
+          <a:lstStyle/>
+          <a:p>
+            <a:r>
+              <a:rPr lang="en-US" dirty="0"/>
+              <a:t>Political</a:t>
+            </a:r>
+          </a:p>
+          <a:p>
+            <a:r>
+              <a:rPr lang="en-US" dirty="0"/>
+              <a:t>Internal Awareness</a:t>
+            </a:r>
+          </a:p>
+          <a:p>
+            <a:r>
+              <a:rPr lang="en-US" dirty="0"/>
+              <a:t>Legal/Contractual</a:t>
+            </a:r>
+          </a:p>
+          <a:p>
+            <a:r>
+              <a:rPr lang="en-US" dirty="0"/>
+              <a:t>Ethical</a:t>
+            </a:r>
+          </a:p>
+          <a:p>
+            <a:r>
+              <a:rPr lang="en-US" dirty="0"/>
+              <a:t>Technical</a:t>
+            </a:r>
+          </a:p>
+          <a:p>
+            <a:endParaRPr lang="en-US" dirty="0"/>
+          </a:p>
+        </p:txBody>
+      </p:sp>
+    </p:spTree>
+    <p:extLst>
+      <p:ext uri="{BB962C8B-B14F-4D97-AF65-F5344CB8AC3E}">
+        <p14:creationId xmlns:p14="http://schemas.microsoft.com/office/powerpoint/2010/main" val="1721185332"/>
+      </p:ext>
+    </p:extLst>
   </p:cSld>
   <p:clrMapOvr>
     <a:masterClrMapping/>

--- a/Lectures/Lecture3-Data.pptx
+++ b/Lectures/Lecture3-Data.pptx
@@ -270,7 +270,7 @@
       <p15:sldGuideLst xmlns:p15="http://schemas.microsoft.com/office/powerpoint/2012/main"/>
     </p:ext>
     <p:ext uri="http://customooxmlschemas.google.com/">
-      <go:slidesCustomData xmlns:go="http://customooxmlschemas.google.com/" xmlns:p15="http://schemas.microsoft.com/office/powerpoint/2012/main" xmlns:p14="http://schemas.microsoft.com/office/powerpoint/2010/main" xmlns:com="http://schemas.openxmlformats.org/drawingml/2006/compatibility" xmlns:pvml="urn:schemas-microsoft-com:office:powerpoint" xmlns:v="urn:schemas-microsoft-com:vml" xmlns:o="urn:schemas-microsoft-com:office:office" xmlns:dgm="http://schemas.openxmlformats.org/drawingml/2006/diagram" xmlns:c="http://schemas.openxmlformats.org/drawingml/2006/chart" xmlns:mv="urn:schemas-microsoft-com:mac:vml" xmlns:mc="http://schemas.openxmlformats.org/markup-compatibility/2006" xmlns="" r:id="rId33" roundtripDataSignature="AMtx7mjFyVUGRZWio+dc9dxzYsimUxNJbg=="/>
+      <go:slidesCustomData xmlns="" xmlns:mc="http://schemas.openxmlformats.org/markup-compatibility/2006" xmlns:mv="urn:schemas-microsoft-com:mac:vml" xmlns:c="http://schemas.openxmlformats.org/drawingml/2006/chart" xmlns:dgm="http://schemas.openxmlformats.org/drawingml/2006/diagram" xmlns:o="urn:schemas-microsoft-com:office:office" xmlns:v="urn:schemas-microsoft-com:vml" xmlns:pvml="urn:schemas-microsoft-com:office:powerpoint" xmlns:com="http://schemas.openxmlformats.org/drawingml/2006/compatibility" xmlns:p14="http://schemas.microsoft.com/office/powerpoint/2010/main" xmlns:p15="http://schemas.microsoft.com/office/powerpoint/2012/main" xmlns:go="http://customooxmlschemas.google.com/" r:id="rId33" roundtripDataSignature="AMtx7mjFyVUGRZWio+dc9dxzYsimUxNJbg=="/>
     </p:ext>
   </p:extLst>
 </p:presentation>
@@ -18966,7 +18966,7 @@
           <a:p>
             <a:r>
               <a:rPr lang="en-US" b="1" dirty="0"/>
-              <a:t>Make sure and check that you can access your project data today</a:t>
+              <a:t>Make sure and check that you can access your project repo today and download the data</a:t>
             </a:r>
           </a:p>
           <a:p>

--- a/Lectures/Lecture3-Data.pptx
+++ b/Lectures/Lecture3-Data.pptx
@@ -5,34 +5,35 @@
     <p:sldMasterId id="2147483648" r:id="rId1"/>
   </p:sldMasterIdLst>
   <p:notesMasterIdLst>
-    <p:notesMasterId r:id="rId27"/>
+    <p:notesMasterId r:id="rId28"/>
   </p:notesMasterIdLst>
   <p:sldIdLst>
     <p:sldId id="256" r:id="rId2"/>
     <p:sldId id="281" r:id="rId3"/>
     <p:sldId id="297" r:id="rId4"/>
     <p:sldId id="270" r:id="rId5"/>
-    <p:sldId id="299" r:id="rId6"/>
-    <p:sldId id="300" r:id="rId7"/>
-    <p:sldId id="301" r:id="rId8"/>
-    <p:sldId id="295" r:id="rId9"/>
-    <p:sldId id="282" r:id="rId10"/>
-    <p:sldId id="285" r:id="rId11"/>
-    <p:sldId id="283" r:id="rId12"/>
-    <p:sldId id="260" r:id="rId13"/>
-    <p:sldId id="303" r:id="rId14"/>
-    <p:sldId id="261" r:id="rId15"/>
-    <p:sldId id="287" r:id="rId16"/>
-    <p:sldId id="262" r:id="rId17"/>
-    <p:sldId id="288" r:id="rId18"/>
-    <p:sldId id="289" r:id="rId19"/>
-    <p:sldId id="290" r:id="rId20"/>
-    <p:sldId id="280" r:id="rId21"/>
-    <p:sldId id="291" r:id="rId22"/>
-    <p:sldId id="293" r:id="rId23"/>
-    <p:sldId id="296" r:id="rId24"/>
-    <p:sldId id="302" r:id="rId25"/>
-    <p:sldId id="298" r:id="rId26"/>
+    <p:sldId id="304" r:id="rId6"/>
+    <p:sldId id="299" r:id="rId7"/>
+    <p:sldId id="300" r:id="rId8"/>
+    <p:sldId id="301" r:id="rId9"/>
+    <p:sldId id="295" r:id="rId10"/>
+    <p:sldId id="282" r:id="rId11"/>
+    <p:sldId id="285" r:id="rId12"/>
+    <p:sldId id="283" r:id="rId13"/>
+    <p:sldId id="260" r:id="rId14"/>
+    <p:sldId id="303" r:id="rId15"/>
+    <p:sldId id="261" r:id="rId16"/>
+    <p:sldId id="287" r:id="rId17"/>
+    <p:sldId id="262" r:id="rId18"/>
+    <p:sldId id="288" r:id="rId19"/>
+    <p:sldId id="289" r:id="rId20"/>
+    <p:sldId id="290" r:id="rId21"/>
+    <p:sldId id="280" r:id="rId22"/>
+    <p:sldId id="291" r:id="rId23"/>
+    <p:sldId id="293" r:id="rId24"/>
+    <p:sldId id="296" r:id="rId25"/>
+    <p:sldId id="302" r:id="rId26"/>
+    <p:sldId id="298" r:id="rId27"/>
   </p:sldIdLst>
   <p:sldSz cx="12192000" cy="6858000"/>
   <p:notesSz cx="6858000" cy="9144000"/>
@@ -17145,14 +17146,14 @@
               <a:buNone/>
             </a:pPr>
             <a:r>
-              <a:rPr lang="en-US" sz="2800">
+              <a:rPr lang="en-US" sz="2800" dirty="0">
                 <a:solidFill>
                   <a:srgbClr val="595959"/>
                 </a:solidFill>
               </a:rPr>
-              <a:t>Rayid Ghani and Kit Rodolfa</a:t>
+              <a:t>Rayid Ghani</a:t>
             </a:r>
-            <a:endParaRPr sz="2800">
+            <a:endParaRPr sz="2800" dirty="0">
               <a:solidFill>
                 <a:srgbClr val="595959"/>
               </a:solidFill>
@@ -17197,6 +17198,119 @@
 </file>
 
 <file path=ppt/slides/slide10.xml><?xml version="1.0" encoding="utf-8"?>
+<p:sld xmlns:a="http://schemas.openxmlformats.org/drawingml/2006/main" xmlns:r="http://schemas.openxmlformats.org/officeDocument/2006/relationships" xmlns:p="http://schemas.openxmlformats.org/presentationml/2006/main">
+  <p:cSld>
+    <p:spTree>
+      <p:nvGrpSpPr>
+        <p:cNvPr id="1" name=""/>
+        <p:cNvGrpSpPr/>
+        <p:nvPr/>
+      </p:nvGrpSpPr>
+      <p:grpSpPr>
+        <a:xfrm>
+          <a:off x="0" y="0"/>
+          <a:ext cx="0" cy="0"/>
+          <a:chOff x="0" y="0"/>
+          <a:chExt cx="0" cy="0"/>
+        </a:xfrm>
+      </p:grpSpPr>
+      <p:sp>
+        <p:nvSpPr>
+          <p:cNvPr id="2" name="Title 1">
+            <a:extLst>
+              <a:ext uri="{FF2B5EF4-FFF2-40B4-BE49-F238E27FC236}">
+                <a16:creationId xmlns:a16="http://schemas.microsoft.com/office/drawing/2014/main" id="{21359BA9-BA2B-D148-89DA-A99081B1FF81}"/>
+              </a:ext>
+            </a:extLst>
+          </p:cNvPr>
+          <p:cNvSpPr>
+            <a:spLocks noGrp="1"/>
+          </p:cNvSpPr>
+          <p:nvPr>
+            <p:ph type="title"/>
+          </p:nvPr>
+        </p:nvSpPr>
+        <p:spPr/>
+        <p:txBody>
+          <a:bodyPr/>
+          <a:lstStyle/>
+          <a:p>
+            <a:r>
+              <a:rPr lang="en-US" dirty="0"/>
+              <a:t>Challenges</a:t>
+            </a:r>
+          </a:p>
+        </p:txBody>
+      </p:sp>
+      <p:sp>
+        <p:nvSpPr>
+          <p:cNvPr id="3" name="Text Placeholder 2">
+            <a:extLst>
+              <a:ext uri="{FF2B5EF4-FFF2-40B4-BE49-F238E27FC236}">
+                <a16:creationId xmlns:a16="http://schemas.microsoft.com/office/drawing/2014/main" id="{DDA03E0F-5F3D-5B4D-8232-BF72B84A198E}"/>
+              </a:ext>
+            </a:extLst>
+          </p:cNvPr>
+          <p:cNvSpPr>
+            <a:spLocks noGrp="1"/>
+          </p:cNvSpPr>
+          <p:nvPr>
+            <p:ph type="body" idx="1"/>
+          </p:nvPr>
+        </p:nvSpPr>
+        <p:spPr/>
+        <p:txBody>
+          <a:bodyPr/>
+          <a:lstStyle/>
+          <a:p>
+            <a:r>
+              <a:rPr lang="en-US" dirty="0"/>
+              <a:t>Political</a:t>
+            </a:r>
+          </a:p>
+          <a:p>
+            <a:r>
+              <a:rPr lang="en-US" dirty="0"/>
+              <a:t>Internal Awareness</a:t>
+            </a:r>
+          </a:p>
+          <a:p>
+            <a:r>
+              <a:rPr lang="en-US" dirty="0"/>
+              <a:t>Legal/Contractual</a:t>
+            </a:r>
+          </a:p>
+          <a:p>
+            <a:r>
+              <a:rPr lang="en-US" dirty="0"/>
+              <a:t>Ethical</a:t>
+            </a:r>
+          </a:p>
+          <a:p>
+            <a:r>
+              <a:rPr lang="en-US" dirty="0"/>
+              <a:t>Technical</a:t>
+            </a:r>
+          </a:p>
+          <a:p>
+            <a:endParaRPr lang="en-US" dirty="0"/>
+          </a:p>
+        </p:txBody>
+      </p:sp>
+    </p:spTree>
+    <p:extLst>
+      <p:ext uri="{BB962C8B-B14F-4D97-AF65-F5344CB8AC3E}">
+        <p14:creationId xmlns:p14="http://schemas.microsoft.com/office/powerpoint/2010/main" val="1721185332"/>
+      </p:ext>
+    </p:extLst>
+  </p:cSld>
+  <p:clrMapOvr>
+    <a:masterClrMapping/>
+  </p:clrMapOvr>
+</p:sld>
+</file>
+
+<file path=ppt/slides/slide11.xml><?xml version="1.0" encoding="utf-8"?>
 <p:sld xmlns:a="http://schemas.openxmlformats.org/drawingml/2006/main" xmlns:r="http://schemas.openxmlformats.org/officeDocument/2006/relationships" xmlns:p="http://schemas.openxmlformats.org/presentationml/2006/main">
   <p:cSld>
     <p:spTree>
@@ -17264,7 +17378,7 @@
           <a:p>
             <a:r>
               <a:rPr lang="en-US" dirty="0"/>
-              <a:t>How should you get data?</a:t>
+              <a:t>You rarely work with production data directly so how should you get data?</a:t>
             </a:r>
           </a:p>
           <a:p>
@@ -17356,7 +17470,7 @@
 </p:sld>
 </file>
 
-<file path=ppt/slides/slide11.xml><?xml version="1.0" encoding="utf-8"?>
+<file path=ppt/slides/slide12.xml><?xml version="1.0" encoding="utf-8"?>
 <p:sld xmlns:a="http://schemas.openxmlformats.org/drawingml/2006/main" xmlns:r="http://schemas.openxmlformats.org/officeDocument/2006/relationships" xmlns:p="http://schemas.openxmlformats.org/presentationml/2006/main">
   <p:cSld>
     <p:spTree>
@@ -17463,10 +17577,203 @@
   <p:clrMapOvr>
     <a:masterClrMapping/>
   </p:clrMapOvr>
+  <p:timing>
+    <p:tnLst>
+      <p:par>
+        <p:cTn id="1" dur="indefinite" restart="never" nodeType="tmRoot">
+          <p:childTnLst>
+            <p:seq concurrent="1" nextAc="seek">
+              <p:cTn id="2" dur="indefinite" nodeType="mainSeq">
+                <p:childTnLst>
+                  <p:par>
+                    <p:cTn id="3" fill="hold">
+                      <p:stCondLst>
+                        <p:cond delay="indefinite"/>
+                      </p:stCondLst>
+                      <p:childTnLst>
+                        <p:par>
+                          <p:cTn id="4" fill="hold">
+                            <p:stCondLst>
+                              <p:cond delay="0"/>
+                            </p:stCondLst>
+                            <p:childTnLst>
+                              <p:par>
+                                <p:cTn id="5" presetID="1" presetClass="entr" presetSubtype="0" fill="hold" grpId="0" nodeType="clickEffect">
+                                  <p:stCondLst>
+                                    <p:cond delay="0"/>
+                                  </p:stCondLst>
+                                  <p:childTnLst>
+                                    <p:set>
+                                      <p:cBhvr>
+                                        <p:cTn id="6" dur="1" fill="hold">
+                                          <p:stCondLst>
+                                            <p:cond delay="0"/>
+                                          </p:stCondLst>
+                                        </p:cTn>
+                                        <p:tgtEl>
+                                          <p:spTgt spid="3">
+                                            <p:txEl>
+                                              <p:pRg st="0" end="0"/>
+                                            </p:txEl>
+                                          </p:spTgt>
+                                        </p:tgtEl>
+                                        <p:attrNameLst>
+                                          <p:attrName>style.visibility</p:attrName>
+                                        </p:attrNameLst>
+                                      </p:cBhvr>
+                                      <p:to>
+                                        <p:strVal val="visible"/>
+                                      </p:to>
+                                    </p:set>
+                                  </p:childTnLst>
+                                </p:cTn>
+                              </p:par>
+                              <p:par>
+                                <p:cTn id="7" presetID="1" presetClass="entr" presetSubtype="0" fill="hold" grpId="0" nodeType="withEffect">
+                                  <p:stCondLst>
+                                    <p:cond delay="0"/>
+                                  </p:stCondLst>
+                                  <p:childTnLst>
+                                    <p:set>
+                                      <p:cBhvr>
+                                        <p:cTn id="8" dur="1" fill="hold">
+                                          <p:stCondLst>
+                                            <p:cond delay="0"/>
+                                          </p:stCondLst>
+                                        </p:cTn>
+                                        <p:tgtEl>
+                                          <p:spTgt spid="3">
+                                            <p:txEl>
+                                              <p:pRg st="1" end="1"/>
+                                            </p:txEl>
+                                          </p:spTgt>
+                                        </p:tgtEl>
+                                        <p:attrNameLst>
+                                          <p:attrName>style.visibility</p:attrName>
+                                        </p:attrNameLst>
+                                      </p:cBhvr>
+                                      <p:to>
+                                        <p:strVal val="visible"/>
+                                      </p:to>
+                                    </p:set>
+                                  </p:childTnLst>
+                                </p:cTn>
+                              </p:par>
+                            </p:childTnLst>
+                          </p:cTn>
+                        </p:par>
+                      </p:childTnLst>
+                    </p:cTn>
+                  </p:par>
+                  <p:par>
+                    <p:cTn id="9" fill="hold">
+                      <p:stCondLst>
+                        <p:cond delay="indefinite"/>
+                      </p:stCondLst>
+                      <p:childTnLst>
+                        <p:par>
+                          <p:cTn id="10" fill="hold">
+                            <p:stCondLst>
+                              <p:cond delay="0"/>
+                            </p:stCondLst>
+                            <p:childTnLst>
+                              <p:par>
+                                <p:cTn id="11" presetID="1" presetClass="entr" presetSubtype="0" fill="hold" grpId="0" nodeType="clickEffect">
+                                  <p:stCondLst>
+                                    <p:cond delay="0"/>
+                                  </p:stCondLst>
+                                  <p:childTnLst>
+                                    <p:set>
+                                      <p:cBhvr>
+                                        <p:cTn id="12" dur="1" fill="hold">
+                                          <p:stCondLst>
+                                            <p:cond delay="0"/>
+                                          </p:stCondLst>
+                                        </p:cTn>
+                                        <p:tgtEl>
+                                          <p:spTgt spid="3">
+                                            <p:txEl>
+                                              <p:pRg st="3" end="3"/>
+                                            </p:txEl>
+                                          </p:spTgt>
+                                        </p:tgtEl>
+                                        <p:attrNameLst>
+                                          <p:attrName>style.visibility</p:attrName>
+                                        </p:attrNameLst>
+                                      </p:cBhvr>
+                                      <p:to>
+                                        <p:strVal val="visible"/>
+                                      </p:to>
+                                    </p:set>
+                                  </p:childTnLst>
+                                </p:cTn>
+                              </p:par>
+                              <p:par>
+                                <p:cTn id="13" presetID="1" presetClass="entr" presetSubtype="0" fill="hold" grpId="0" nodeType="withEffect">
+                                  <p:stCondLst>
+                                    <p:cond delay="0"/>
+                                  </p:stCondLst>
+                                  <p:childTnLst>
+                                    <p:set>
+                                      <p:cBhvr>
+                                        <p:cTn id="14" dur="1" fill="hold">
+                                          <p:stCondLst>
+                                            <p:cond delay="0"/>
+                                          </p:stCondLst>
+                                        </p:cTn>
+                                        <p:tgtEl>
+                                          <p:spTgt spid="3">
+                                            <p:txEl>
+                                              <p:pRg st="4" end="4"/>
+                                            </p:txEl>
+                                          </p:spTgt>
+                                        </p:tgtEl>
+                                        <p:attrNameLst>
+                                          <p:attrName>style.visibility</p:attrName>
+                                        </p:attrNameLst>
+                                      </p:cBhvr>
+                                      <p:to>
+                                        <p:strVal val="visible"/>
+                                      </p:to>
+                                    </p:set>
+                                  </p:childTnLst>
+                                </p:cTn>
+                              </p:par>
+                            </p:childTnLst>
+                          </p:cTn>
+                        </p:par>
+                      </p:childTnLst>
+                    </p:cTn>
+                  </p:par>
+                </p:childTnLst>
+              </p:cTn>
+              <p:prevCondLst>
+                <p:cond evt="onPrev" delay="0">
+                  <p:tgtEl>
+                    <p:sldTgt/>
+                  </p:tgtEl>
+                </p:cond>
+              </p:prevCondLst>
+              <p:nextCondLst>
+                <p:cond evt="onNext" delay="0">
+                  <p:tgtEl>
+                    <p:sldTgt/>
+                  </p:tgtEl>
+                </p:cond>
+              </p:nextCondLst>
+            </p:seq>
+          </p:childTnLst>
+        </p:cTn>
+      </p:par>
+    </p:tnLst>
+    <p:bldLst>
+      <p:bldP spid="3" grpId="0" build="p"/>
+    </p:bldLst>
+  </p:timing>
 </p:sld>
 </file>
 
-<file path=ppt/slides/slide12.xml><?xml version="1.0" encoding="utf-8"?>
+<file path=ppt/slides/slide13.xml><?xml version="1.0" encoding="utf-8"?>
 <p:sld xmlns:a="http://schemas.openxmlformats.org/drawingml/2006/main" xmlns:r="http://schemas.openxmlformats.org/officeDocument/2006/relationships" xmlns:p="http://schemas.openxmlformats.org/presentationml/2006/main">
   <p:cSld>
     <p:spTree>
@@ -17586,7 +17893,7 @@
 </p:sld>
 </file>
 
-<file path=ppt/slides/slide13.xml><?xml version="1.0" encoding="utf-8"?>
+<file path=ppt/slides/slide14.xml><?xml version="1.0" encoding="utf-8"?>
 <p:sld xmlns:a="http://schemas.openxmlformats.org/drawingml/2006/main" xmlns:r="http://schemas.openxmlformats.org/officeDocument/2006/relationships" xmlns:p="http://schemas.openxmlformats.org/presentationml/2006/main">
   <p:cSld>
     <p:spTree>
@@ -17689,7 +17996,7 @@
             </a:r>
             <a:r>
               <a:rPr lang="en-US" altLang="en-US" sz="3200" dirty="0"/>
-              <a:t>    #8855186</a:t>
+              <a:t>    #10718</a:t>
             </a:r>
             <a:endParaRPr lang="en-US" altLang="en-US" sz="2800" dirty="0"/>
           </a:p>
@@ -17708,7 +18015,7 @@
 </p:sld>
 </file>
 
-<file path=ppt/slides/slide14.xml><?xml version="1.0" encoding="utf-8"?>
+<file path=ppt/slides/slide15.xml><?xml version="1.0" encoding="utf-8"?>
 <p:sld xmlns:a="http://schemas.openxmlformats.org/drawingml/2006/main" xmlns:r="http://schemas.openxmlformats.org/officeDocument/2006/relationships" xmlns:p="http://schemas.openxmlformats.org/presentationml/2006/main">
   <p:cSld>
     <p:spTree>
@@ -17842,7 +18149,7 @@
 </p:sld>
 </file>
 
-<file path=ppt/slides/slide15.xml><?xml version="1.0" encoding="utf-8"?>
+<file path=ppt/slides/slide16.xml><?xml version="1.0" encoding="utf-8"?>
 <p:sld xmlns:a="http://schemas.openxmlformats.org/drawingml/2006/main" xmlns:r="http://schemas.openxmlformats.org/officeDocument/2006/relationships" xmlns:p="http://schemas.openxmlformats.org/presentationml/2006/main">
   <p:cSld>
     <p:spTree>
@@ -17979,7 +18286,7 @@
 </p:sld>
 </file>
 
-<file path=ppt/slides/slide16.xml><?xml version="1.0" encoding="utf-8"?>
+<file path=ppt/slides/slide17.xml><?xml version="1.0" encoding="utf-8"?>
 <p:sld xmlns:a="http://schemas.openxmlformats.org/drawingml/2006/main" xmlns:r="http://schemas.openxmlformats.org/officeDocument/2006/relationships" xmlns:p="http://schemas.openxmlformats.org/presentationml/2006/main">
   <p:cSld>
     <p:spTree>
@@ -18067,7 +18374,7 @@
 </p:sld>
 </file>
 
-<file path=ppt/slides/slide17.xml><?xml version="1.0" encoding="utf-8"?>
+<file path=ppt/slides/slide18.xml><?xml version="1.0" encoding="utf-8"?>
 <p:sld xmlns:a="http://schemas.openxmlformats.org/drawingml/2006/main" xmlns:r="http://schemas.openxmlformats.org/officeDocument/2006/relationships" xmlns:p="http://schemas.openxmlformats.org/presentationml/2006/main">
   <p:cSld>
     <p:spTree>
@@ -18726,7 +19033,7 @@
 </p:sld>
 </file>
 
-<file path=ppt/slides/slide18.xml><?xml version="1.0" encoding="utf-8"?>
+<file path=ppt/slides/slide19.xml><?xml version="1.0" encoding="utf-8"?>
 <p:sld xmlns:a="http://schemas.openxmlformats.org/drawingml/2006/main" xmlns:r="http://schemas.openxmlformats.org/officeDocument/2006/relationships" xmlns:p="http://schemas.openxmlformats.org/presentationml/2006/main">
   <p:cSld>
     <p:spTree>
@@ -18809,86 +19116,6 @@
     <p:extLst>
       <p:ext uri="{BB962C8B-B14F-4D97-AF65-F5344CB8AC3E}">
         <p14:creationId xmlns:p14="http://schemas.microsoft.com/office/powerpoint/2010/main" val="32033496"/>
-      </p:ext>
-    </p:extLst>
-  </p:cSld>
-  <p:clrMapOvr>
-    <a:masterClrMapping/>
-  </p:clrMapOvr>
-</p:sld>
-</file>
-
-<file path=ppt/slides/slide19.xml><?xml version="1.0" encoding="utf-8"?>
-<p:sld xmlns:a="http://schemas.openxmlformats.org/drawingml/2006/main" xmlns:r="http://schemas.openxmlformats.org/officeDocument/2006/relationships" xmlns:p="http://schemas.openxmlformats.org/presentationml/2006/main">
-  <p:cSld>
-    <p:spTree>
-      <p:nvGrpSpPr>
-        <p:cNvPr id="1" name=""/>
-        <p:cNvGrpSpPr/>
-        <p:nvPr/>
-      </p:nvGrpSpPr>
-      <p:grpSpPr>
-        <a:xfrm>
-          <a:off x="0" y="0"/>
-          <a:ext cx="0" cy="0"/>
-          <a:chOff x="0" y="0"/>
-          <a:chExt cx="0" cy="0"/>
-        </a:xfrm>
-      </p:grpSpPr>
-      <p:sp>
-        <p:nvSpPr>
-          <p:cNvPr id="2" name="Title 1"/>
-          <p:cNvSpPr>
-            <a:spLocks noGrp="1"/>
-          </p:cNvSpPr>
-          <p:nvPr>
-            <p:ph type="title"/>
-          </p:nvPr>
-        </p:nvSpPr>
-        <p:spPr/>
-        <p:txBody>
-          <a:bodyPr/>
-          <a:lstStyle/>
-          <a:p>
-            <a:r>
-              <a:rPr lang="en-US" dirty="0"/>
-              <a:t>“Fuzzy” Matching System	</a:t>
-            </a:r>
-          </a:p>
-        </p:txBody>
-      </p:sp>
-      <p:sp>
-        <p:nvSpPr>
-          <p:cNvPr id="3" name="Content Placeholder 2"/>
-          <p:cNvSpPr>
-            <a:spLocks noGrp="1"/>
-          </p:cNvSpPr>
-          <p:nvPr>
-            <p:ph type="body" idx="1"/>
-          </p:nvPr>
-        </p:nvSpPr>
-        <p:spPr/>
-        <p:txBody>
-          <a:bodyPr/>
-          <a:lstStyle/>
-          <a:p>
-            <a:r>
-              <a:rPr lang="en-US" dirty="0"/>
-              <a:t>Apply set of cascading rules</a:t>
-            </a:r>
-          </a:p>
-          <a:p>
-            <a:r>
-              <a:rPr lang="en-US" dirty="0"/>
-              <a:t>Assign confidence score based on which rules fire</a:t>
-            </a:r>
-          </a:p>
-        </p:txBody>
-      </p:sp>
-    </p:spTree>
-    <p:extLst>
-      <p:ext uri="{BB962C8B-B14F-4D97-AF65-F5344CB8AC3E}">
-        <p14:creationId xmlns:p14="http://schemas.microsoft.com/office/powerpoint/2010/main" val="2363932908"/>
       </p:ext>
     </p:extLst>
   </p:cSld>
@@ -19028,9 +19255,12 @@
               </a:spcBef>
             </a:pPr>
             <a:r>
-              <a:rPr lang="en-US" dirty="0"/>
+              <a:rPr lang="en-US" dirty="0">
+                <a:hlinkClick r:id="rId2"/>
+              </a:rPr>
               <a:t>Project Formulation and Baselines</a:t>
             </a:r>
+            <a:endParaRPr lang="en-US" dirty="0"/>
           </a:p>
           <a:p>
             <a:pPr lvl="1">
@@ -19062,6 +19292,86 @@
 </file>
 
 <file path=ppt/slides/slide20.xml><?xml version="1.0" encoding="utf-8"?>
+<p:sld xmlns:a="http://schemas.openxmlformats.org/drawingml/2006/main" xmlns:r="http://schemas.openxmlformats.org/officeDocument/2006/relationships" xmlns:p="http://schemas.openxmlformats.org/presentationml/2006/main">
+  <p:cSld>
+    <p:spTree>
+      <p:nvGrpSpPr>
+        <p:cNvPr id="1" name=""/>
+        <p:cNvGrpSpPr/>
+        <p:nvPr/>
+      </p:nvGrpSpPr>
+      <p:grpSpPr>
+        <a:xfrm>
+          <a:off x="0" y="0"/>
+          <a:ext cx="0" cy="0"/>
+          <a:chOff x="0" y="0"/>
+          <a:chExt cx="0" cy="0"/>
+        </a:xfrm>
+      </p:grpSpPr>
+      <p:sp>
+        <p:nvSpPr>
+          <p:cNvPr id="2" name="Title 1"/>
+          <p:cNvSpPr>
+            <a:spLocks noGrp="1"/>
+          </p:cNvSpPr>
+          <p:nvPr>
+            <p:ph type="title"/>
+          </p:nvPr>
+        </p:nvSpPr>
+        <p:spPr/>
+        <p:txBody>
+          <a:bodyPr/>
+          <a:lstStyle/>
+          <a:p>
+            <a:r>
+              <a:rPr lang="en-US" dirty="0"/>
+              <a:t>“Fuzzy” Matching System	</a:t>
+            </a:r>
+          </a:p>
+        </p:txBody>
+      </p:sp>
+      <p:sp>
+        <p:nvSpPr>
+          <p:cNvPr id="3" name="Content Placeholder 2"/>
+          <p:cNvSpPr>
+            <a:spLocks noGrp="1"/>
+          </p:cNvSpPr>
+          <p:nvPr>
+            <p:ph type="body" idx="1"/>
+          </p:nvPr>
+        </p:nvSpPr>
+        <p:spPr/>
+        <p:txBody>
+          <a:bodyPr/>
+          <a:lstStyle/>
+          <a:p>
+            <a:r>
+              <a:rPr lang="en-US" dirty="0"/>
+              <a:t>Apply set of cascading rules</a:t>
+            </a:r>
+          </a:p>
+          <a:p>
+            <a:r>
+              <a:rPr lang="en-US" dirty="0"/>
+              <a:t>Assign confidence score based on which rules fire</a:t>
+            </a:r>
+          </a:p>
+        </p:txBody>
+      </p:sp>
+    </p:spTree>
+    <p:extLst>
+      <p:ext uri="{BB962C8B-B14F-4D97-AF65-F5344CB8AC3E}">
+        <p14:creationId xmlns:p14="http://schemas.microsoft.com/office/powerpoint/2010/main" val="2363932908"/>
+      </p:ext>
+    </p:extLst>
+  </p:cSld>
+  <p:clrMapOvr>
+    <a:masterClrMapping/>
+  </p:clrMapOvr>
+</p:sld>
+</file>
+
+<file path=ppt/slides/slide21.xml><?xml version="1.0" encoding="utf-8"?>
 <p:sld xmlns:a="http://schemas.openxmlformats.org/drawingml/2006/main" xmlns:r="http://schemas.openxmlformats.org/officeDocument/2006/relationships" xmlns:p="http://schemas.openxmlformats.org/presentationml/2006/main">
   <p:cSld>
     <p:spTree>
@@ -19243,7 +19553,7 @@
 </p:sld>
 </file>
 
-<file path=ppt/slides/slide21.xml><?xml version="1.0" encoding="utf-8"?>
+<file path=ppt/slides/slide22.xml><?xml version="1.0" encoding="utf-8"?>
 <p:sld xmlns:a="http://schemas.openxmlformats.org/drawingml/2006/main" xmlns:r="http://schemas.openxmlformats.org/officeDocument/2006/relationships" xmlns:p="http://schemas.openxmlformats.org/presentationml/2006/main">
   <p:cSld>
     <p:spTree>
@@ -19378,7 +19688,7 @@
 </p:sld>
 </file>
 
-<file path=ppt/slides/slide22.xml><?xml version="1.0" encoding="utf-8"?>
+<file path=ppt/slides/slide23.xml><?xml version="1.0" encoding="utf-8"?>
 <p:sld xmlns:a="http://schemas.openxmlformats.org/drawingml/2006/main" xmlns:r="http://schemas.openxmlformats.org/officeDocument/2006/relationships" xmlns:p="http://schemas.openxmlformats.org/presentationml/2006/main">
   <p:cSld>
     <p:spTree>
@@ -19473,108 +19783,6 @@
 </p:sld>
 </file>
 
-<file path=ppt/slides/slide23.xml><?xml version="1.0" encoding="utf-8"?>
-<p:sld xmlns:a="http://schemas.openxmlformats.org/drawingml/2006/main" xmlns:r="http://schemas.openxmlformats.org/officeDocument/2006/relationships" xmlns:p="http://schemas.openxmlformats.org/presentationml/2006/main">
-  <p:cSld>
-    <p:spTree>
-      <p:nvGrpSpPr>
-        <p:cNvPr id="1" name=""/>
-        <p:cNvGrpSpPr/>
-        <p:nvPr/>
-      </p:nvGrpSpPr>
-      <p:grpSpPr>
-        <a:xfrm>
-          <a:off x="0" y="0"/>
-          <a:ext cx="0" cy="0"/>
-          <a:chOff x="0" y="0"/>
-          <a:chExt cx="0" cy="0"/>
-        </a:xfrm>
-      </p:grpSpPr>
-      <p:sp>
-        <p:nvSpPr>
-          <p:cNvPr id="2" name="Title 1">
-            <a:extLst>
-              <a:ext uri="{FF2B5EF4-FFF2-40B4-BE49-F238E27FC236}">
-                <a16:creationId xmlns:a16="http://schemas.microsoft.com/office/drawing/2014/main" id="{52E04EB1-290D-E647-B684-F8A3D3B280EE}"/>
-              </a:ext>
-            </a:extLst>
-          </p:cNvPr>
-          <p:cNvSpPr>
-            <a:spLocks noGrp="1"/>
-          </p:cNvSpPr>
-          <p:nvPr>
-            <p:ph type="title"/>
-          </p:nvPr>
-        </p:nvSpPr>
-        <p:spPr/>
-        <p:txBody>
-          <a:bodyPr/>
-          <a:lstStyle/>
-          <a:p>
-            <a:r>
-              <a:rPr lang="en-US" dirty="0"/>
-              <a:t>Discussion Topic</a:t>
-            </a:r>
-          </a:p>
-        </p:txBody>
-      </p:sp>
-      <p:sp>
-        <p:nvSpPr>
-          <p:cNvPr id="3" name="Text Placeholder 2">
-            <a:extLst>
-              <a:ext uri="{FF2B5EF4-FFF2-40B4-BE49-F238E27FC236}">
-                <a16:creationId xmlns:a16="http://schemas.microsoft.com/office/drawing/2014/main" id="{73DF5889-4B8C-7449-87CD-1929C07EE849}"/>
-              </a:ext>
-            </a:extLst>
-          </p:cNvPr>
-          <p:cNvSpPr>
-            <a:spLocks noGrp="1"/>
-          </p:cNvSpPr>
-          <p:nvPr>
-            <p:ph type="body" idx="1"/>
-          </p:nvPr>
-        </p:nvSpPr>
-        <p:spPr/>
-        <p:txBody>
-          <a:bodyPr/>
-          <a:lstStyle/>
-          <a:p>
-            <a:pPr marL="76200" indent="0">
-              <a:buNone/>
-            </a:pPr>
-            <a:endParaRPr lang="en-US" dirty="0"/>
-          </a:p>
-          <a:p>
-            <a:pPr marL="76200" indent="0">
-              <a:buNone/>
-            </a:pPr>
-            <a:endParaRPr lang="en-US" dirty="0"/>
-          </a:p>
-          <a:p>
-            <a:pPr marL="76200" indent="0">
-              <a:buNone/>
-            </a:pPr>
-            <a:r>
-              <a:rPr lang="en-US" sz="3200" dirty="0"/>
-              <a:t>What are downstream impacts (generally) of a false positive in record linkage? What about a false negative?</a:t>
-            </a:r>
-            <a:endParaRPr lang="en-US" dirty="0"/>
-          </a:p>
-        </p:txBody>
-      </p:sp>
-    </p:spTree>
-    <p:extLst>
-      <p:ext uri="{BB962C8B-B14F-4D97-AF65-F5344CB8AC3E}">
-        <p14:creationId xmlns:p14="http://schemas.microsoft.com/office/powerpoint/2010/main" val="4210785574"/>
-      </p:ext>
-    </p:extLst>
-  </p:cSld>
-  <p:clrMapOvr>
-    <a:masterClrMapping/>
-  </p:clrMapOvr>
-</p:sld>
-</file>
-
 <file path=ppt/slides/slide24.xml><?xml version="1.0" encoding="utf-8"?>
 <p:sld xmlns:a="http://schemas.openxmlformats.org/drawingml/2006/main" xmlns:r="http://schemas.openxmlformats.org/officeDocument/2006/relationships" xmlns:p="http://schemas.openxmlformats.org/presentationml/2006/main">
   <p:cSld>
@@ -19658,6 +19866,108 @@
             </a:pPr>
             <a:r>
               <a:rPr lang="en-US" sz="3200" dirty="0"/>
+              <a:t>What are downstream impacts (generally) of a false positive in record linkage? What about a false negative?</a:t>
+            </a:r>
+            <a:endParaRPr lang="en-US" dirty="0"/>
+          </a:p>
+        </p:txBody>
+      </p:sp>
+    </p:spTree>
+    <p:extLst>
+      <p:ext uri="{BB962C8B-B14F-4D97-AF65-F5344CB8AC3E}">
+        <p14:creationId xmlns:p14="http://schemas.microsoft.com/office/powerpoint/2010/main" val="4210785574"/>
+      </p:ext>
+    </p:extLst>
+  </p:cSld>
+  <p:clrMapOvr>
+    <a:masterClrMapping/>
+  </p:clrMapOvr>
+</p:sld>
+</file>
+
+<file path=ppt/slides/slide25.xml><?xml version="1.0" encoding="utf-8"?>
+<p:sld xmlns:a="http://schemas.openxmlformats.org/drawingml/2006/main" xmlns:r="http://schemas.openxmlformats.org/officeDocument/2006/relationships" xmlns:p="http://schemas.openxmlformats.org/presentationml/2006/main">
+  <p:cSld>
+    <p:spTree>
+      <p:nvGrpSpPr>
+        <p:cNvPr id="1" name=""/>
+        <p:cNvGrpSpPr/>
+        <p:nvPr/>
+      </p:nvGrpSpPr>
+      <p:grpSpPr>
+        <a:xfrm>
+          <a:off x="0" y="0"/>
+          <a:ext cx="0" cy="0"/>
+          <a:chOff x="0" y="0"/>
+          <a:chExt cx="0" cy="0"/>
+        </a:xfrm>
+      </p:grpSpPr>
+      <p:sp>
+        <p:nvSpPr>
+          <p:cNvPr id="2" name="Title 1">
+            <a:extLst>
+              <a:ext uri="{FF2B5EF4-FFF2-40B4-BE49-F238E27FC236}">
+                <a16:creationId xmlns:a16="http://schemas.microsoft.com/office/drawing/2014/main" id="{52E04EB1-290D-E647-B684-F8A3D3B280EE}"/>
+              </a:ext>
+            </a:extLst>
+          </p:cNvPr>
+          <p:cNvSpPr>
+            <a:spLocks noGrp="1"/>
+          </p:cNvSpPr>
+          <p:nvPr>
+            <p:ph type="title"/>
+          </p:nvPr>
+        </p:nvSpPr>
+        <p:spPr/>
+        <p:txBody>
+          <a:bodyPr/>
+          <a:lstStyle/>
+          <a:p>
+            <a:r>
+              <a:rPr lang="en-US" dirty="0"/>
+              <a:t>Discussion Topic</a:t>
+            </a:r>
+          </a:p>
+        </p:txBody>
+      </p:sp>
+      <p:sp>
+        <p:nvSpPr>
+          <p:cNvPr id="3" name="Text Placeholder 2">
+            <a:extLst>
+              <a:ext uri="{FF2B5EF4-FFF2-40B4-BE49-F238E27FC236}">
+                <a16:creationId xmlns:a16="http://schemas.microsoft.com/office/drawing/2014/main" id="{73DF5889-4B8C-7449-87CD-1929C07EE849}"/>
+              </a:ext>
+            </a:extLst>
+          </p:cNvPr>
+          <p:cNvSpPr>
+            <a:spLocks noGrp="1"/>
+          </p:cNvSpPr>
+          <p:nvPr>
+            <p:ph type="body" idx="1"/>
+          </p:nvPr>
+        </p:nvSpPr>
+        <p:spPr/>
+        <p:txBody>
+          <a:bodyPr/>
+          <a:lstStyle/>
+          <a:p>
+            <a:pPr marL="76200" indent="0">
+              <a:buNone/>
+            </a:pPr>
+            <a:endParaRPr lang="en-US" dirty="0"/>
+          </a:p>
+          <a:p>
+            <a:pPr marL="76200" indent="0">
+              <a:buNone/>
+            </a:pPr>
+            <a:endParaRPr lang="en-US" dirty="0"/>
+          </a:p>
+          <a:p>
+            <a:pPr marL="76200" indent="0">
+              <a:buNone/>
+            </a:pPr>
+            <a:r>
+              <a:rPr lang="en-US" sz="3200" dirty="0"/>
               <a:t>What types of common mismatch errors might affect groups differently, resulting in downstream fairness impacts?</a:t>
             </a:r>
             <a:endParaRPr lang="en-US" dirty="0"/>
@@ -19677,7 +19987,7 @@
 </p:sld>
 </file>
 
-<file path=ppt/slides/slide25.xml><?xml version="1.0" encoding="utf-8"?>
+<file path=ppt/slides/slide26.xml><?xml version="1.0" encoding="utf-8"?>
 <p:sld xmlns:a="http://schemas.openxmlformats.org/drawingml/2006/main" xmlns:r="http://schemas.openxmlformats.org/officeDocument/2006/relationships" xmlns:p="http://schemas.openxmlformats.org/presentationml/2006/main">
   <p:cSld>
     <p:spTree>
@@ -20169,6 +20479,122 @@
       </p:grpSpPr>
       <p:sp>
         <p:nvSpPr>
+          <p:cNvPr id="2" name="Title 1">
+            <a:extLst>
+              <a:ext uri="{FF2B5EF4-FFF2-40B4-BE49-F238E27FC236}">
+                <a16:creationId xmlns:a16="http://schemas.microsoft.com/office/drawing/2014/main" id="{CF028D5D-6294-E265-9456-78B2307FD9DB}"/>
+              </a:ext>
+            </a:extLst>
+          </p:cNvPr>
+          <p:cNvSpPr>
+            <a:spLocks noGrp="1"/>
+          </p:cNvSpPr>
+          <p:nvPr>
+            <p:ph type="title"/>
+          </p:nvPr>
+        </p:nvSpPr>
+        <p:spPr/>
+        <p:txBody>
+          <a:bodyPr/>
+          <a:lstStyle/>
+          <a:p>
+            <a:r>
+              <a:rPr lang="en-US" dirty="0"/>
+              <a:t>Continuing from last week - Ethical issues </a:t>
+            </a:r>
+          </a:p>
+        </p:txBody>
+      </p:sp>
+      <p:sp>
+        <p:nvSpPr>
+          <p:cNvPr id="3" name="Text Placeholder 2">
+            <a:extLst>
+              <a:ext uri="{FF2B5EF4-FFF2-40B4-BE49-F238E27FC236}">
+                <a16:creationId xmlns:a16="http://schemas.microsoft.com/office/drawing/2014/main" id="{75418C83-B3C2-5526-1D8B-0DB4F84EF06A}"/>
+              </a:ext>
+            </a:extLst>
+          </p:cNvPr>
+          <p:cNvSpPr>
+            <a:spLocks noGrp="1"/>
+          </p:cNvSpPr>
+          <p:nvPr>
+            <p:ph type="body" idx="1"/>
+          </p:nvPr>
+        </p:nvSpPr>
+        <p:spPr/>
+        <p:txBody>
+          <a:bodyPr/>
+          <a:lstStyle/>
+          <a:p>
+            <a:r>
+              <a:rPr lang="en-US" dirty="0"/>
+              <a:t>Privacy</a:t>
+            </a:r>
+          </a:p>
+          <a:p>
+            <a:r>
+              <a:rPr lang="en-US" dirty="0"/>
+              <a:t>Accountability</a:t>
+            </a:r>
+          </a:p>
+          <a:p>
+            <a:r>
+              <a:rPr lang="en-US" dirty="0"/>
+              <a:t>Fairness</a:t>
+            </a:r>
+          </a:p>
+          <a:p>
+            <a:r>
+              <a:rPr lang="en-US" dirty="0"/>
+              <a:t>Transparency</a:t>
+            </a:r>
+          </a:p>
+          <a:p>
+            <a:r>
+              <a:rPr lang="en-US" dirty="0"/>
+              <a:t>…</a:t>
+            </a:r>
+          </a:p>
+          <a:p>
+            <a:endParaRPr lang="en-US" dirty="0"/>
+          </a:p>
+          <a:p>
+            <a:endParaRPr lang="en-US" dirty="0"/>
+          </a:p>
+        </p:txBody>
+      </p:sp>
+    </p:spTree>
+    <p:extLst>
+      <p:ext uri="{BB962C8B-B14F-4D97-AF65-F5344CB8AC3E}">
+        <p14:creationId xmlns:p14="http://schemas.microsoft.com/office/powerpoint/2010/main" val="291807102"/>
+      </p:ext>
+    </p:extLst>
+  </p:cSld>
+  <p:clrMapOvr>
+    <a:masterClrMapping/>
+  </p:clrMapOvr>
+</p:sld>
+</file>
+
+<file path=ppt/slides/slide6.xml><?xml version="1.0" encoding="utf-8"?>
+<p:sld xmlns:a="http://schemas.openxmlformats.org/drawingml/2006/main" xmlns:r="http://schemas.openxmlformats.org/officeDocument/2006/relationships" xmlns:p="http://schemas.openxmlformats.org/presentationml/2006/main">
+  <p:cSld>
+    <p:spTree>
+      <p:nvGrpSpPr>
+        <p:cNvPr id="1" name=""/>
+        <p:cNvGrpSpPr/>
+        <p:nvPr/>
+      </p:nvGrpSpPr>
+      <p:grpSpPr>
+        <a:xfrm>
+          <a:off x="0" y="0"/>
+          <a:ext cx="0" cy="0"/>
+          <a:chOff x="0" y="0"/>
+          <a:chExt cx="0" cy="0"/>
+        </a:xfrm>
+      </p:grpSpPr>
+      <p:sp>
+        <p:nvSpPr>
           <p:cNvPr id="8194" name="Rectangle 2"/>
           <p:cNvSpPr>
             <a:spLocks noGrp="1" noChangeArrowheads="1"/>
@@ -20296,7 +20722,7 @@
 </p:sld>
 </file>
 
-<file path=ppt/slides/slide6.xml><?xml version="1.0" encoding="utf-8"?>
+<file path=ppt/slides/slide7.xml><?xml version="1.0" encoding="utf-8"?>
 <p:sld xmlns:a="http://schemas.openxmlformats.org/drawingml/2006/main" xmlns:r="http://schemas.openxmlformats.org/officeDocument/2006/relationships" xmlns:p="http://schemas.openxmlformats.org/presentationml/2006/main">
   <p:cSld>
     <p:spTree>
@@ -20355,18 +20781,12 @@
           <a:bodyPr/>
           <a:lstStyle/>
           <a:p>
-            <a:pPr>
+            <a:pPr marL="76200" indent="0">
               <a:lnSpc>
                 <a:spcPct val="150000"/>
               </a:lnSpc>
+              <a:buNone/>
             </a:pPr>
-            <a:r>
-              <a:rPr lang="en-US" altLang="en-US" dirty="0"/>
-              <a:t>We’re providing class time to make it easier to coordinate with your group and get feedback from peers and instructors, but you won’t be able to complete the project just in this allotted time</a:t>
-            </a:r>
-            <a:br>
-              <a:rPr lang="en-US" altLang="en-US" dirty="0"/>
-            </a:br>
             <a:endParaRPr lang="en-US" altLang="en-US" dirty="0"/>
           </a:p>
           <a:p>
@@ -20433,7 +20853,7 @@
 </p:sld>
 </file>
 
-<file path=ppt/slides/slide7.xml><?xml version="1.0" encoding="utf-8"?>
+<file path=ppt/slides/slide8.xml><?xml version="1.0" encoding="utf-8"?>
 <p:sld xmlns:a="http://schemas.openxmlformats.org/drawingml/2006/main" xmlns:r="http://schemas.openxmlformats.org/officeDocument/2006/relationships" xmlns:p="http://schemas.openxmlformats.org/presentationml/2006/main">
   <p:cSld>
     <p:spTree>
@@ -20529,7 +20949,7 @@
             </a:pPr>
             <a:r>
               <a:rPr lang="en-US" altLang="en-US" dirty="0"/>
-              <a:t>Pacing your work is important. You won’t be able to do everything the week before the final report, and if everyone tries to, you’ll break the server.</a:t>
+              <a:t>Pacing your work is important. You won’t be able to do everything the week before the final report. You’ll need to be iterative.</a:t>
             </a:r>
           </a:p>
         </p:txBody>
@@ -20547,7 +20967,7 @@
 </p:sld>
 </file>
 
-<file path=ppt/slides/slide8.xml><?xml version="1.0" encoding="utf-8"?>
+<file path=ppt/slides/slide9.xml><?xml version="1.0" encoding="utf-8"?>
 <p:sld xmlns:a="http://schemas.openxmlformats.org/drawingml/2006/main" xmlns:r="http://schemas.openxmlformats.org/officeDocument/2006/relationships" xmlns:p="http://schemas.openxmlformats.org/presentationml/2006/main">
   <p:cSld>
     <p:spTree>
@@ -20673,119 +21093,6 @@
     <p:extLst>
       <p:ext uri="{BB962C8B-B14F-4D97-AF65-F5344CB8AC3E}">
         <p14:creationId xmlns:p14="http://schemas.microsoft.com/office/powerpoint/2010/main" val="2624855364"/>
-      </p:ext>
-    </p:extLst>
-  </p:cSld>
-  <p:clrMapOvr>
-    <a:masterClrMapping/>
-  </p:clrMapOvr>
-</p:sld>
-</file>
-
-<file path=ppt/slides/slide9.xml><?xml version="1.0" encoding="utf-8"?>
-<p:sld xmlns:a="http://schemas.openxmlformats.org/drawingml/2006/main" xmlns:r="http://schemas.openxmlformats.org/officeDocument/2006/relationships" xmlns:p="http://schemas.openxmlformats.org/presentationml/2006/main">
-  <p:cSld>
-    <p:spTree>
-      <p:nvGrpSpPr>
-        <p:cNvPr id="1" name=""/>
-        <p:cNvGrpSpPr/>
-        <p:nvPr/>
-      </p:nvGrpSpPr>
-      <p:grpSpPr>
-        <a:xfrm>
-          <a:off x="0" y="0"/>
-          <a:ext cx="0" cy="0"/>
-          <a:chOff x="0" y="0"/>
-          <a:chExt cx="0" cy="0"/>
-        </a:xfrm>
-      </p:grpSpPr>
-      <p:sp>
-        <p:nvSpPr>
-          <p:cNvPr id="2" name="Title 1">
-            <a:extLst>
-              <a:ext uri="{FF2B5EF4-FFF2-40B4-BE49-F238E27FC236}">
-                <a16:creationId xmlns:a16="http://schemas.microsoft.com/office/drawing/2014/main" id="{21359BA9-BA2B-D148-89DA-A99081B1FF81}"/>
-              </a:ext>
-            </a:extLst>
-          </p:cNvPr>
-          <p:cNvSpPr>
-            <a:spLocks noGrp="1"/>
-          </p:cNvSpPr>
-          <p:nvPr>
-            <p:ph type="title"/>
-          </p:nvPr>
-        </p:nvSpPr>
-        <p:spPr/>
-        <p:txBody>
-          <a:bodyPr/>
-          <a:lstStyle/>
-          <a:p>
-            <a:r>
-              <a:rPr lang="en-US" dirty="0"/>
-              <a:t>Challenges</a:t>
-            </a:r>
-          </a:p>
-        </p:txBody>
-      </p:sp>
-      <p:sp>
-        <p:nvSpPr>
-          <p:cNvPr id="3" name="Text Placeholder 2">
-            <a:extLst>
-              <a:ext uri="{FF2B5EF4-FFF2-40B4-BE49-F238E27FC236}">
-                <a16:creationId xmlns:a16="http://schemas.microsoft.com/office/drawing/2014/main" id="{DDA03E0F-5F3D-5B4D-8232-BF72B84A198E}"/>
-              </a:ext>
-            </a:extLst>
-          </p:cNvPr>
-          <p:cNvSpPr>
-            <a:spLocks noGrp="1"/>
-          </p:cNvSpPr>
-          <p:nvPr>
-            <p:ph type="body" idx="1"/>
-          </p:nvPr>
-        </p:nvSpPr>
-        <p:spPr/>
-        <p:txBody>
-          <a:bodyPr/>
-          <a:lstStyle/>
-          <a:p>
-            <a:r>
-              <a:rPr lang="en-US" dirty="0"/>
-              <a:t>Political</a:t>
-            </a:r>
-          </a:p>
-          <a:p>
-            <a:r>
-              <a:rPr lang="en-US" dirty="0"/>
-              <a:t>Internal Awareness</a:t>
-            </a:r>
-          </a:p>
-          <a:p>
-            <a:r>
-              <a:rPr lang="en-US" dirty="0"/>
-              <a:t>Legal/Contractual</a:t>
-            </a:r>
-          </a:p>
-          <a:p>
-            <a:r>
-              <a:rPr lang="en-US" dirty="0"/>
-              <a:t>Ethical</a:t>
-            </a:r>
-          </a:p>
-          <a:p>
-            <a:r>
-              <a:rPr lang="en-US" dirty="0"/>
-              <a:t>Technical</a:t>
-            </a:r>
-          </a:p>
-          <a:p>
-            <a:endParaRPr lang="en-US" dirty="0"/>
-          </a:p>
-        </p:txBody>
-      </p:sp>
-    </p:spTree>
-    <p:extLst>
-      <p:ext uri="{BB962C8B-B14F-4D97-AF65-F5344CB8AC3E}">
-        <p14:creationId xmlns:p14="http://schemas.microsoft.com/office/powerpoint/2010/main" val="1721185332"/>
       </p:ext>
     </p:extLst>
   </p:cSld>
